--- a/Aula 06/G10 - Apresentacao - Lab05.pptx
+++ b/Aula 06/G10 - Apresentacao - Lab05.pptx
@@ -5,16 +5,22 @@
     <p:sldMasterId id="2147483660" r:id="rId1"/>
   </p:sldMasterIdLst>
   <p:notesMasterIdLst>
-    <p:notesMasterId r:id="rId9"/>
+    <p:notesMasterId r:id="rId15"/>
   </p:notesMasterIdLst>
   <p:sldIdLst>
     <p:sldId id="256" r:id="rId2"/>
-    <p:sldId id="262" r:id="rId3"/>
-    <p:sldId id="257" r:id="rId4"/>
-    <p:sldId id="269" r:id="rId5"/>
-    <p:sldId id="263" r:id="rId6"/>
-    <p:sldId id="266" r:id="rId7"/>
-    <p:sldId id="268" r:id="rId8"/>
+    <p:sldId id="271" r:id="rId3"/>
+    <p:sldId id="270" r:id="rId4"/>
+    <p:sldId id="272" r:id="rId5"/>
+    <p:sldId id="273" r:id="rId6"/>
+    <p:sldId id="262" r:id="rId7"/>
+    <p:sldId id="269" r:id="rId8"/>
+    <p:sldId id="263" r:id="rId9"/>
+    <p:sldId id="266" r:id="rId10"/>
+    <p:sldId id="274" r:id="rId11"/>
+    <p:sldId id="275" r:id="rId12"/>
+    <p:sldId id="276" r:id="rId13"/>
+    <p:sldId id="277" r:id="rId14"/>
   </p:sldIdLst>
   <p:sldSz cx="9144000" cy="6858000" type="screen4x3"/>
   <p:notesSz cx="6858000" cy="9144000"/>
@@ -115,7 +121,7 @@
   </p:defaultTextStyle>
   <p:extLst>
     <p:ext uri="{EFAFB233-063F-42B5-8137-9DF3F51BA10A}">
-      <p15:sldGuideLst xmlns:p15="http://schemas.microsoft.com/office/powerpoint/2012/main" xmlns="">
+      <p15:sldGuideLst xmlns="" xmlns:p15="http://schemas.microsoft.com/office/powerpoint/2012/main">
         <p15:guide id="1" orient="horz" pos="2160">
           <p15:clr>
             <a:srgbClr val="A4A3A4"/>
@@ -214,7 +220,7 @@
           <a:p>
             <a:fld id="{A0410F9C-3A27-C84F-B27D-9342140F08DB}" type="datetimeFigureOut">
               <a:rPr lang="pt-PT" smtClean="0"/>
-              <a:t>04/11/2015</a:t>
+              <a:t>05-11-2015</a:t>
             </a:fld>
             <a:endParaRPr lang="pt-PT"/>
           </a:p>
@@ -373,7 +379,7 @@
           <a:p>
             <a:fld id="{9886E254-ACB4-B240-BB93-3D6DFACA42BA}" type="slidenum">
               <a:rPr lang="pt-PT" smtClean="0"/>
-              <a:t>‹nº›</a:t>
+              <a:t>‹#›</a:t>
             </a:fld>
             <a:endParaRPr lang="pt-PT"/>
           </a:p>
@@ -547,7 +553,7 @@
           <a:p>
             <a:fld id="{9886E254-ACB4-B240-BB93-3D6DFACA42BA}" type="slidenum">
               <a:rPr lang="pt-PT" smtClean="0"/>
-              <a:t>5</a:t>
+              <a:t>8</a:t>
             </a:fld>
             <a:endParaRPr lang="pt-PT"/>
           </a:p>
@@ -767,7 +773,7 @@
           <a:p>
             <a:fld id="{D728701E-CAF4-4159-9B3E-41C86DFFA30D}" type="datetimeFigureOut">
               <a:rPr lang="en-US" smtClean="0"/>
-              <a:t>11/4/2015</a:t>
+              <a:t>05-Nov-15</a:t>
             </a:fld>
             <a:endParaRPr lang="en-US"/>
           </a:p>
@@ -1221,7 +1227,7 @@
           <a:p>
             <a:fld id="{D728701E-CAF4-4159-9B3E-41C86DFFA30D}" type="datetimeFigureOut">
               <a:rPr lang="en-US" smtClean="0"/>
-              <a:t>11/4/2015</a:t>
+              <a:t>05-Nov-15</a:t>
             </a:fld>
             <a:endParaRPr lang="en-US"/>
           </a:p>
@@ -1263,7 +1269,7 @@
           <a:p>
             <a:fld id="{162F1D00-BD13-4404-86B0-79703945A0A7}" type="slidenum">
               <a:rPr lang="en-US" smtClean="0"/>
-              <a:t>‹nº›</a:t>
+              <a:t>‹#›</a:t>
             </a:fld>
             <a:endParaRPr lang="en-US"/>
           </a:p>
@@ -1764,7 +1770,7 @@
           <a:p>
             <a:fld id="{D728701E-CAF4-4159-9B3E-41C86DFFA30D}" type="datetimeFigureOut">
               <a:rPr lang="en-US" smtClean="0"/>
-              <a:t>11/4/2015</a:t>
+              <a:t>05-Nov-15</a:t>
             </a:fld>
             <a:endParaRPr lang="en-US"/>
           </a:p>
@@ -1806,7 +1812,7 @@
           <a:p>
             <a:fld id="{162F1D00-BD13-4404-86B0-79703945A0A7}" type="slidenum">
               <a:rPr lang="en-US" smtClean="0"/>
-              <a:t>‹nº›</a:t>
+              <a:t>‹#›</a:t>
             </a:fld>
             <a:endParaRPr lang="en-US"/>
           </a:p>
@@ -1900,7 +1906,7 @@
           <a:p>
             <a:fld id="{D728701E-CAF4-4159-9B3E-41C86DFFA30D}" type="datetimeFigureOut">
               <a:rPr lang="en-US" smtClean="0"/>
-              <a:t>11/4/2015</a:t>
+              <a:t>05-Nov-15</a:t>
             </a:fld>
             <a:endParaRPr lang="en-US"/>
           </a:p>
@@ -1942,7 +1948,7 @@
           <a:p>
             <a:fld id="{162F1D00-BD13-4404-86B0-79703945A0A7}" type="slidenum">
               <a:rPr lang="en-US" smtClean="0"/>
-              <a:t>‹nº›</a:t>
+              <a:t>‹#›</a:t>
             </a:fld>
             <a:endParaRPr lang="en-US"/>
           </a:p>
@@ -2238,7 +2244,7 @@
           <a:p>
             <a:fld id="{D728701E-CAF4-4159-9B3E-41C86DFFA30D}" type="datetimeFigureOut">
               <a:rPr lang="en-US" smtClean="0"/>
-              <a:t>11/4/2015</a:t>
+              <a:t>05-Nov-15</a:t>
             </a:fld>
             <a:endParaRPr lang="en-US"/>
           </a:p>
@@ -2564,7 +2570,7 @@
           <a:p>
             <a:fld id="{D728701E-CAF4-4159-9B3E-41C86DFFA30D}" type="datetimeFigureOut">
               <a:rPr lang="en-US" smtClean="0"/>
-              <a:t>11/4/2015</a:t>
+              <a:t>05-Nov-15</a:t>
             </a:fld>
             <a:endParaRPr lang="en-US"/>
           </a:p>
@@ -2611,7 +2617,7 @@
           <a:p>
             <a:fld id="{162F1D00-BD13-4404-86B0-79703945A0A7}" type="slidenum">
               <a:rPr lang="en-US" smtClean="0"/>
-              <a:t>‹nº›</a:t>
+              <a:t>‹#›</a:t>
             </a:fld>
             <a:endParaRPr lang="en-US"/>
           </a:p>
@@ -2862,7 +2868,7 @@
           <a:p>
             <a:fld id="{D728701E-CAF4-4159-9B3E-41C86DFFA30D}" type="datetimeFigureOut">
               <a:rPr lang="en-US" smtClean="0"/>
-              <a:t>11/4/2015</a:t>
+              <a:t>05-Nov-15</a:t>
             </a:fld>
             <a:endParaRPr lang="en-US"/>
           </a:p>
@@ -2904,7 +2910,7 @@
           <a:p>
             <a:fld id="{162F1D00-BD13-4404-86B0-79703945A0A7}" type="slidenum">
               <a:rPr lang="en-US" smtClean="0"/>
-              <a:t>‹nº›</a:t>
+              <a:t>‹#›</a:t>
             </a:fld>
             <a:endParaRPr lang="en-US"/>
           </a:p>
@@ -3249,7 +3255,7 @@
           <a:p>
             <a:fld id="{D728701E-CAF4-4159-9B3E-41C86DFFA30D}" type="datetimeFigureOut">
               <a:rPr lang="en-US" smtClean="0"/>
-              <a:t>11/4/2015</a:t>
+              <a:t>05-Nov-15</a:t>
             </a:fld>
             <a:endParaRPr lang="en-US"/>
           </a:p>
@@ -3304,7 +3310,7 @@
           <a:p>
             <a:fld id="{162F1D00-BD13-4404-86B0-79703945A0A7}" type="slidenum">
               <a:rPr lang="en-US" smtClean="0"/>
-              <a:t>‹nº›</a:t>
+              <a:t>‹#›</a:t>
             </a:fld>
             <a:endParaRPr lang="en-US"/>
           </a:p>
@@ -3669,7 +3675,7 @@
           <a:p>
             <a:fld id="{D728701E-CAF4-4159-9B3E-41C86DFFA30D}" type="datetimeFigureOut">
               <a:rPr lang="en-US" smtClean="0"/>
-              <a:t>11/4/2015</a:t>
+              <a:t>05-Nov-15</a:t>
             </a:fld>
             <a:endParaRPr lang="en-US"/>
           </a:p>
@@ -3724,7 +3730,7 @@
           <a:p>
             <a:fld id="{162F1D00-BD13-4404-86B0-79703945A0A7}" type="slidenum">
               <a:rPr lang="en-US" smtClean="0"/>
-              <a:t>‹nº›</a:t>
+              <a:t>‹#›</a:t>
             </a:fld>
             <a:endParaRPr lang="en-US"/>
           </a:p>
@@ -4217,7 +4223,7 @@
           <a:p>
             <a:fld id="{D728701E-CAF4-4159-9B3E-41C86DFFA30D}" type="datetimeFigureOut">
               <a:rPr lang="en-US" smtClean="0"/>
-              <a:t>11/4/2015</a:t>
+              <a:t>05-Nov-15</a:t>
             </a:fld>
             <a:endParaRPr lang="en-US"/>
           </a:p>
@@ -4264,7 +4270,7 @@
           <a:p>
             <a:fld id="{162F1D00-BD13-4404-86B0-79703945A0A7}" type="slidenum">
               <a:rPr lang="en-US" smtClean="0"/>
-              <a:t>‹nº›</a:t>
+              <a:t>‹#›</a:t>
             </a:fld>
             <a:endParaRPr lang="en-US"/>
           </a:p>
@@ -4575,7 +4581,7 @@
           <a:p>
             <a:fld id="{D728701E-CAF4-4159-9B3E-41C86DFFA30D}" type="datetimeFigureOut">
               <a:rPr lang="en-US" smtClean="0"/>
-              <a:t>11/4/2015</a:t>
+              <a:t>05-Nov-15</a:t>
             </a:fld>
             <a:endParaRPr lang="en-US"/>
           </a:p>
@@ -4617,7 +4623,7 @@
           <a:p>
             <a:fld id="{162F1D00-BD13-4404-86B0-79703945A0A7}" type="slidenum">
               <a:rPr lang="en-US" smtClean="0"/>
-              <a:t>‹nº›</a:t>
+              <a:t>‹#›</a:t>
             </a:fld>
             <a:endParaRPr lang="en-US"/>
           </a:p>
@@ -4790,7 +4796,7 @@
           <a:p>
             <a:fld id="{D728701E-CAF4-4159-9B3E-41C86DFFA30D}" type="datetimeFigureOut">
               <a:rPr lang="en-US" smtClean="0"/>
-              <a:t>11/4/2015</a:t>
+              <a:t>05-Nov-15</a:t>
             </a:fld>
             <a:endParaRPr lang="en-US"/>
           </a:p>
@@ -4832,7 +4838,7 @@
           <a:p>
             <a:fld id="{162F1D00-BD13-4404-86B0-79703945A0A7}" type="slidenum">
               <a:rPr lang="en-US" smtClean="0"/>
-              <a:t>‹nº›</a:t>
+              <a:t>‹#›</a:t>
             </a:fld>
             <a:endParaRPr lang="en-US"/>
           </a:p>
@@ -5097,7 +5103,7 @@
           <a:p>
             <a:fld id="{D728701E-CAF4-4159-9B3E-41C86DFFA30D}" type="datetimeFigureOut">
               <a:rPr lang="en-US" smtClean="0"/>
-              <a:t>11/4/2015</a:t>
+              <a:t>05-Nov-15</a:t>
             </a:fld>
             <a:endParaRPr lang="en-US"/>
           </a:p>
@@ -5139,7 +5145,7 @@
           <a:p>
             <a:fld id="{162F1D00-BD13-4404-86B0-79703945A0A7}" type="slidenum">
               <a:rPr lang="en-US" smtClean="0"/>
-              <a:t>‹nº›</a:t>
+              <a:t>‹#›</a:t>
             </a:fld>
             <a:endParaRPr lang="en-US"/>
           </a:p>
@@ -5353,7 +5359,7 @@
           <a:p>
             <a:fld id="{D728701E-CAF4-4159-9B3E-41C86DFFA30D}" type="datetimeFigureOut">
               <a:rPr lang="en-US" smtClean="0"/>
-              <a:t>11/4/2015</a:t>
+              <a:t>05-Nov-15</a:t>
             </a:fld>
             <a:endParaRPr lang="en-US"/>
           </a:p>
@@ -5395,7 +5401,7 @@
           <a:p>
             <a:fld id="{162F1D00-BD13-4404-86B0-79703945A0A7}" type="slidenum">
               <a:rPr lang="en-US" smtClean="0"/>
-              <a:t>‹nº›</a:t>
+              <a:t>‹#›</a:t>
             </a:fld>
             <a:endParaRPr lang="en-US"/>
           </a:p>
@@ -5742,7 +5748,7 @@
           <a:p>
             <a:fld id="{D728701E-CAF4-4159-9B3E-41C86DFFA30D}" type="datetimeFigureOut">
               <a:rPr lang="en-US" smtClean="0"/>
-              <a:t>11/4/2015</a:t>
+              <a:t>05-Nov-15</a:t>
             </a:fld>
             <a:endParaRPr lang="en-US"/>
           </a:p>
@@ -6331,7 +6337,7 @@
           <a:p>
             <a:fld id="{D728701E-CAF4-4159-9B3E-41C86DFFA30D}" type="datetimeFigureOut">
               <a:rPr lang="en-US" smtClean="0"/>
-              <a:t>11/4/2015</a:t>
+              <a:t>05-Nov-15</a:t>
             </a:fld>
             <a:endParaRPr lang="en-US"/>
           </a:p>
@@ -6391,7 +6397,7 @@
           <a:p>
             <a:fld id="{162F1D00-BD13-4404-86B0-79703945A0A7}" type="slidenum">
               <a:rPr lang="en-US" smtClean="0"/>
-              <a:t>‹nº›</a:t>
+              <a:t>‹#›</a:t>
             </a:fld>
             <a:endParaRPr lang="en-US"/>
           </a:p>
@@ -6846,7 +6852,7 @@
           <a:p>
             <a:fld id="{D728701E-CAF4-4159-9B3E-41C86DFFA30D}" type="datetimeFigureOut">
               <a:rPr lang="en-US" smtClean="0"/>
-              <a:t>11/4/2015</a:t>
+              <a:t>05-Nov-15</a:t>
             </a:fld>
             <a:endParaRPr lang="en-US"/>
           </a:p>
@@ -6888,7 +6894,7 @@
           <a:p>
             <a:fld id="{162F1D00-BD13-4404-86B0-79703945A0A7}" type="slidenum">
               <a:rPr lang="en-US" smtClean="0"/>
-              <a:t>‹nº›</a:t>
+              <a:t>‹#›</a:t>
             </a:fld>
             <a:endParaRPr lang="en-US"/>
           </a:p>
@@ -7219,7 +7225,7 @@
           <a:p>
             <a:fld id="{D728701E-CAF4-4159-9B3E-41C86DFFA30D}" type="datetimeFigureOut">
               <a:rPr lang="en-US" smtClean="0"/>
-              <a:t>11/4/2015</a:t>
+              <a:t>05-Nov-15</a:t>
             </a:fld>
             <a:endParaRPr lang="en-US"/>
           </a:p>
@@ -7261,7 +7267,7 @@
           <a:p>
             <a:fld id="{162F1D00-BD13-4404-86B0-79703945A0A7}" type="slidenum">
               <a:rPr lang="en-US" smtClean="0"/>
-              <a:t>‹nº›</a:t>
+              <a:t>‹#›</a:t>
             </a:fld>
             <a:endParaRPr lang="en-US"/>
           </a:p>
@@ -7618,7 +7624,7 @@
           <a:p>
             <a:fld id="{D728701E-CAF4-4159-9B3E-41C86DFFA30D}" type="datetimeFigureOut">
               <a:rPr lang="en-US" smtClean="0"/>
-              <a:t>11/4/2015</a:t>
+              <a:t>05-Nov-15</a:t>
             </a:fld>
             <a:endParaRPr lang="en-US"/>
           </a:p>
@@ -7798,7 +7804,7 @@
           <a:p>
             <a:fld id="{162F1D00-BD13-4404-86B0-79703945A0A7}" type="slidenum">
               <a:rPr lang="en-US" smtClean="0"/>
-              <a:t>‹nº›</a:t>
+              <a:t>‹#›</a:t>
             </a:fld>
             <a:endParaRPr lang="en-US"/>
           </a:p>
@@ -8038,7 +8044,7 @@
           <a:p>
             <a:fld id="{D728701E-CAF4-4159-9B3E-41C86DFFA30D}" type="datetimeFigureOut">
               <a:rPr lang="en-US" smtClean="0"/>
-              <a:t>11/4/2015</a:t>
+              <a:t>05-Nov-15</a:t>
             </a:fld>
             <a:endParaRPr lang="en-US"/>
           </a:p>
@@ -8080,7 +8086,7 @@
           <a:p>
             <a:fld id="{162F1D00-BD13-4404-86B0-79703945A0A7}" type="slidenum">
               <a:rPr lang="en-US" smtClean="0"/>
-              <a:t>‹nº›</a:t>
+              <a:t>‹#›</a:t>
             </a:fld>
             <a:endParaRPr lang="en-US"/>
           </a:p>
@@ -8421,7 +8427,7 @@
           <a:p>
             <a:fld id="{D728701E-CAF4-4159-9B3E-41C86DFFA30D}" type="datetimeFigureOut">
               <a:rPr lang="en-US" smtClean="0"/>
-              <a:t>11/4/2015</a:t>
+              <a:t>05-Nov-15</a:t>
             </a:fld>
             <a:endParaRPr lang="en-US"/>
           </a:p>
@@ -8498,7 +8504,7 @@
           <a:p>
             <a:fld id="{162F1D00-BD13-4404-86B0-79703945A0A7}" type="slidenum">
               <a:rPr lang="en-US" smtClean="0"/>
-              <a:t>‹nº›</a:t>
+              <a:t>‹#›</a:t>
             </a:fld>
             <a:endParaRPr lang="en-US"/>
           </a:p>
@@ -8898,11 +8904,7 @@
           <a:p>
             <a:r>
               <a:rPr lang="pt-PT" sz="4000" dirty="0" smtClean="0"/>
-              <a:t>Laboratório </a:t>
-            </a:r>
-            <a:r>
-              <a:rPr lang="pt-PT" sz="4000" dirty="0" smtClean="0"/>
-              <a:t>6</a:t>
+              <a:t>Laboratório 6</a:t>
             </a:r>
             <a:endParaRPr lang="pt-PT" sz="4000" dirty="0"/>
           </a:p>
@@ -9094,6 +9096,537 @@
     <p:extLst>
       <p:ext uri="{BB962C8B-B14F-4D97-AF65-F5344CB8AC3E}">
         <p14:creationId xmlns:p14="http://schemas.microsoft.com/office/powerpoint/2010/main" val="2501564994"/>
+      </p:ext>
+    </p:extLst>
+  </p:cSld>
+  <p:clrMapOvr>
+    <a:masterClrMapping/>
+  </p:clrMapOvr>
+  <p:timing>
+    <p:tnLst>
+      <p:par>
+        <p:cTn id="1" dur="indefinite" restart="never" nodeType="tmRoot"/>
+      </p:par>
+    </p:tnLst>
+  </p:timing>
+</p:sld>
+</file>
+
+<file path=ppt/slides/slide10.xml><?xml version="1.0" encoding="utf-8"?>
+<p:sld xmlns:a="http://schemas.openxmlformats.org/drawingml/2006/main" xmlns:r="http://schemas.openxmlformats.org/officeDocument/2006/relationships" xmlns:p="http://schemas.openxmlformats.org/presentationml/2006/main">
+  <p:cSld>
+    <p:spTree>
+      <p:nvGrpSpPr>
+        <p:cNvPr id="1" name=""/>
+        <p:cNvGrpSpPr/>
+        <p:nvPr/>
+      </p:nvGrpSpPr>
+      <p:grpSpPr>
+        <a:xfrm>
+          <a:off x="0" y="0"/>
+          <a:ext cx="0" cy="0"/>
+          <a:chOff x="0" y="0"/>
+          <a:chExt cx="0" cy="0"/>
+        </a:xfrm>
+      </p:grpSpPr>
+      <p:sp>
+        <p:nvSpPr>
+          <p:cNvPr id="2" name="Title 1"/>
+          <p:cNvSpPr>
+            <a:spLocks noGrp="1"/>
+          </p:cNvSpPr>
+          <p:nvPr>
+            <p:ph type="title"/>
+          </p:nvPr>
+        </p:nvSpPr>
+        <p:spPr/>
+        <p:txBody>
+          <a:bodyPr/>
+          <a:lstStyle/>
+          <a:p>
+            <a:r>
+              <a:rPr lang="pt-PT" dirty="0"/>
+              <a:t>Alguns </a:t>
+            </a:r>
+            <a:r>
+              <a:rPr lang="pt-PT" dirty="0" smtClean="0"/>
+              <a:t>ecrãs					1/4</a:t>
+            </a:r>
+            <a:endParaRPr lang="pt-PT" dirty="0"/>
+          </a:p>
+        </p:txBody>
+      </p:sp>
+    </p:spTree>
+    <p:extLst>
+      <p:ext uri="{BB962C8B-B14F-4D97-AF65-F5344CB8AC3E}">
+        <p14:creationId xmlns:p14="http://schemas.microsoft.com/office/powerpoint/2010/main" val="2784309026"/>
+      </p:ext>
+    </p:extLst>
+  </p:cSld>
+  <p:clrMapOvr>
+    <a:masterClrMapping/>
+  </p:clrMapOvr>
+  <p:timing>
+    <p:tnLst>
+      <p:par>
+        <p:cTn id="1" dur="indefinite" restart="never" nodeType="tmRoot"/>
+      </p:par>
+    </p:tnLst>
+  </p:timing>
+</p:sld>
+</file>
+
+<file path=ppt/slides/slide11.xml><?xml version="1.0" encoding="utf-8"?>
+<p:sld xmlns:a="http://schemas.openxmlformats.org/drawingml/2006/main" xmlns:r="http://schemas.openxmlformats.org/officeDocument/2006/relationships" xmlns:p="http://schemas.openxmlformats.org/presentationml/2006/main">
+  <p:cSld>
+    <p:spTree>
+      <p:nvGrpSpPr>
+        <p:cNvPr id="1" name=""/>
+        <p:cNvGrpSpPr/>
+        <p:nvPr/>
+      </p:nvGrpSpPr>
+      <p:grpSpPr>
+        <a:xfrm>
+          <a:off x="0" y="0"/>
+          <a:ext cx="0" cy="0"/>
+          <a:chOff x="0" y="0"/>
+          <a:chExt cx="0" cy="0"/>
+        </a:xfrm>
+      </p:grpSpPr>
+      <p:sp>
+        <p:nvSpPr>
+          <p:cNvPr id="2" name="Title 1"/>
+          <p:cNvSpPr>
+            <a:spLocks noGrp="1"/>
+          </p:cNvSpPr>
+          <p:nvPr>
+            <p:ph type="title"/>
+          </p:nvPr>
+        </p:nvSpPr>
+        <p:spPr/>
+        <p:txBody>
+          <a:bodyPr/>
+          <a:lstStyle/>
+          <a:p>
+            <a:r>
+              <a:rPr lang="pt-PT" dirty="0"/>
+              <a:t>Alguns </a:t>
+            </a:r>
+            <a:r>
+              <a:rPr lang="pt-PT" dirty="0" smtClean="0"/>
+              <a:t>ecrãs					2/4</a:t>
+            </a:r>
+            <a:endParaRPr lang="pt-PT" dirty="0"/>
+          </a:p>
+        </p:txBody>
+      </p:sp>
+    </p:spTree>
+    <p:extLst>
+      <p:ext uri="{BB962C8B-B14F-4D97-AF65-F5344CB8AC3E}">
+        <p14:creationId xmlns:p14="http://schemas.microsoft.com/office/powerpoint/2010/main" val="761073413"/>
+      </p:ext>
+    </p:extLst>
+  </p:cSld>
+  <p:clrMapOvr>
+    <a:masterClrMapping/>
+  </p:clrMapOvr>
+  <p:timing>
+    <p:tnLst>
+      <p:par>
+        <p:cTn id="1" dur="indefinite" restart="never" nodeType="tmRoot"/>
+      </p:par>
+    </p:tnLst>
+  </p:timing>
+</p:sld>
+</file>
+
+<file path=ppt/slides/slide12.xml><?xml version="1.0" encoding="utf-8"?>
+<p:sld xmlns:a="http://schemas.openxmlformats.org/drawingml/2006/main" xmlns:r="http://schemas.openxmlformats.org/officeDocument/2006/relationships" xmlns:p="http://schemas.openxmlformats.org/presentationml/2006/main">
+  <p:cSld>
+    <p:spTree>
+      <p:nvGrpSpPr>
+        <p:cNvPr id="1" name=""/>
+        <p:cNvGrpSpPr/>
+        <p:nvPr/>
+      </p:nvGrpSpPr>
+      <p:grpSpPr>
+        <a:xfrm>
+          <a:off x="0" y="0"/>
+          <a:ext cx="0" cy="0"/>
+          <a:chOff x="0" y="0"/>
+          <a:chExt cx="0" cy="0"/>
+        </a:xfrm>
+      </p:grpSpPr>
+      <p:sp>
+        <p:nvSpPr>
+          <p:cNvPr id="2" name="Title 1"/>
+          <p:cNvSpPr>
+            <a:spLocks noGrp="1"/>
+          </p:cNvSpPr>
+          <p:nvPr>
+            <p:ph type="title"/>
+          </p:nvPr>
+        </p:nvSpPr>
+        <p:spPr/>
+        <p:txBody>
+          <a:bodyPr/>
+          <a:lstStyle/>
+          <a:p>
+            <a:r>
+              <a:rPr lang="pt-PT" dirty="0"/>
+              <a:t>Alguns </a:t>
+            </a:r>
+            <a:r>
+              <a:rPr lang="pt-PT" dirty="0" smtClean="0"/>
+              <a:t>ecrãs					3/4</a:t>
+            </a:r>
+            <a:endParaRPr lang="pt-PT" dirty="0"/>
+          </a:p>
+        </p:txBody>
+      </p:sp>
+    </p:spTree>
+    <p:extLst>
+      <p:ext uri="{BB962C8B-B14F-4D97-AF65-F5344CB8AC3E}">
+        <p14:creationId xmlns:p14="http://schemas.microsoft.com/office/powerpoint/2010/main" val="761073413"/>
+      </p:ext>
+    </p:extLst>
+  </p:cSld>
+  <p:clrMapOvr>
+    <a:masterClrMapping/>
+  </p:clrMapOvr>
+  <p:timing>
+    <p:tnLst>
+      <p:par>
+        <p:cTn id="1" dur="indefinite" restart="never" nodeType="tmRoot"/>
+      </p:par>
+    </p:tnLst>
+  </p:timing>
+</p:sld>
+</file>
+
+<file path=ppt/slides/slide13.xml><?xml version="1.0" encoding="utf-8"?>
+<p:sld xmlns:a="http://schemas.openxmlformats.org/drawingml/2006/main" xmlns:r="http://schemas.openxmlformats.org/officeDocument/2006/relationships" xmlns:p="http://schemas.openxmlformats.org/presentationml/2006/main">
+  <p:cSld>
+    <p:spTree>
+      <p:nvGrpSpPr>
+        <p:cNvPr id="1" name=""/>
+        <p:cNvGrpSpPr/>
+        <p:nvPr/>
+      </p:nvGrpSpPr>
+      <p:grpSpPr>
+        <a:xfrm>
+          <a:off x="0" y="0"/>
+          <a:ext cx="0" cy="0"/>
+          <a:chOff x="0" y="0"/>
+          <a:chExt cx="0" cy="0"/>
+        </a:xfrm>
+      </p:grpSpPr>
+      <p:sp>
+        <p:nvSpPr>
+          <p:cNvPr id="2" name="Title 1"/>
+          <p:cNvSpPr>
+            <a:spLocks noGrp="1"/>
+          </p:cNvSpPr>
+          <p:nvPr>
+            <p:ph type="title"/>
+          </p:nvPr>
+        </p:nvSpPr>
+        <p:spPr/>
+        <p:txBody>
+          <a:bodyPr/>
+          <a:lstStyle/>
+          <a:p>
+            <a:r>
+              <a:rPr lang="pt-PT" dirty="0"/>
+              <a:t>Alguns </a:t>
+            </a:r>
+            <a:r>
+              <a:rPr lang="pt-PT" dirty="0" smtClean="0"/>
+              <a:t>ecrãs					4/4</a:t>
+            </a:r>
+            <a:endParaRPr lang="pt-PT" dirty="0"/>
+          </a:p>
+        </p:txBody>
+      </p:sp>
+      <p:sp>
+        <p:nvSpPr>
+          <p:cNvPr id="3" name="Marcador de Posição de Conteúdo 2"/>
+          <p:cNvSpPr txBox="1">
+            <a:spLocks/>
+          </p:cNvSpPr>
+          <p:nvPr/>
+        </p:nvSpPr>
+        <p:spPr>
+          <a:xfrm>
+            <a:off x="498475" y="1981200"/>
+            <a:ext cx="8194260" cy="4324597"/>
+          </a:xfrm>
+          <a:prstGeom prst="rect">
+            <a:avLst/>
+          </a:prstGeom>
+        </p:spPr>
+        <p:txBody>
+          <a:bodyPr vert="horz" lIns="91440" tIns="45720" rIns="91440" bIns="45720" rtlCol="0">
+            <a:noAutofit/>
+          </a:bodyPr>
+          <a:lstStyle>
+            <a:lvl1pPr marL="228600" indent="-228600" algn="l" defTabSz="914400" rtl="0" eaLnBrk="1" latinLnBrk="0" hangingPunct="1">
+              <a:spcBef>
+                <a:spcPts val="2000"/>
+              </a:spcBef>
+              <a:buClr>
+                <a:schemeClr val="accent1"/>
+              </a:buClr>
+              <a:buSzPct val="75000"/>
+              <a:buFont typeface="Wingdings" pitchFamily="2" charset="2"/>
+              <a:buChar char="n"/>
+              <a:defRPr sz="2000" kern="1200">
+                <a:solidFill>
+                  <a:schemeClr val="tx1">
+                    <a:lumMod val="65000"/>
+                    <a:lumOff val="35000"/>
+                  </a:schemeClr>
+                </a:solidFill>
+                <a:latin typeface="+mn-lt"/>
+                <a:ea typeface="+mn-ea"/>
+                <a:cs typeface="+mn-cs"/>
+              </a:defRPr>
+            </a:lvl1pPr>
+            <a:lvl2pPr marL="457200" indent="-228600" algn="l" defTabSz="914400" rtl="0" eaLnBrk="1" latinLnBrk="0" hangingPunct="1">
+              <a:spcBef>
+                <a:spcPts val="600"/>
+              </a:spcBef>
+              <a:buClr>
+                <a:schemeClr val="accent1">
+                  <a:lumMod val="60000"/>
+                  <a:lumOff val="40000"/>
+                </a:schemeClr>
+              </a:buClr>
+              <a:buSzPct val="75000"/>
+              <a:buFont typeface="Wingdings" pitchFamily="2" charset="2"/>
+              <a:buChar char="n"/>
+              <a:defRPr sz="1800" kern="1200">
+                <a:solidFill>
+                  <a:schemeClr val="tx1">
+                    <a:lumMod val="65000"/>
+                    <a:lumOff val="35000"/>
+                  </a:schemeClr>
+                </a:solidFill>
+                <a:latin typeface="+mn-lt"/>
+                <a:ea typeface="+mn-ea"/>
+                <a:cs typeface="+mn-cs"/>
+              </a:defRPr>
+            </a:lvl2pPr>
+            <a:lvl3pPr marL="685800" indent="-228600" algn="l" defTabSz="914400" rtl="0" eaLnBrk="1" latinLnBrk="0" hangingPunct="1">
+              <a:spcBef>
+                <a:spcPts val="600"/>
+              </a:spcBef>
+              <a:buClr>
+                <a:schemeClr val="accent1"/>
+              </a:buClr>
+              <a:buSzPct val="75000"/>
+              <a:buFont typeface="Wingdings" pitchFamily="2" charset="2"/>
+              <a:buChar char="n"/>
+              <a:defRPr sz="1800" kern="1200">
+                <a:solidFill>
+                  <a:schemeClr val="tx1">
+                    <a:lumMod val="65000"/>
+                    <a:lumOff val="35000"/>
+                  </a:schemeClr>
+                </a:solidFill>
+                <a:latin typeface="+mn-lt"/>
+                <a:ea typeface="+mn-ea"/>
+                <a:cs typeface="+mn-cs"/>
+              </a:defRPr>
+            </a:lvl3pPr>
+            <a:lvl4pPr marL="914400" indent="-228600" algn="l" defTabSz="914400" rtl="0" eaLnBrk="1" latinLnBrk="0" hangingPunct="1">
+              <a:spcBef>
+                <a:spcPts val="600"/>
+              </a:spcBef>
+              <a:buClr>
+                <a:schemeClr val="accent1">
+                  <a:lumMod val="60000"/>
+                  <a:lumOff val="40000"/>
+                </a:schemeClr>
+              </a:buClr>
+              <a:buSzPct val="75000"/>
+              <a:buFont typeface="Wingdings" pitchFamily="2" charset="2"/>
+              <a:buChar char="n"/>
+              <a:defRPr sz="1800" kern="1200">
+                <a:solidFill>
+                  <a:schemeClr val="tx1">
+                    <a:lumMod val="65000"/>
+                    <a:lumOff val="35000"/>
+                  </a:schemeClr>
+                </a:solidFill>
+                <a:latin typeface="+mn-lt"/>
+                <a:ea typeface="+mn-ea"/>
+                <a:cs typeface="+mn-cs"/>
+              </a:defRPr>
+            </a:lvl4pPr>
+            <a:lvl5pPr marL="1143000" indent="-228600" algn="l" defTabSz="914400" rtl="0" eaLnBrk="1" latinLnBrk="0" hangingPunct="1">
+              <a:spcBef>
+                <a:spcPts val="600"/>
+              </a:spcBef>
+              <a:buClr>
+                <a:schemeClr val="accent1"/>
+              </a:buClr>
+              <a:buSzPct val="75000"/>
+              <a:buFont typeface="Wingdings" pitchFamily="2" charset="2"/>
+              <a:buChar char="n"/>
+              <a:defRPr sz="1800" kern="1200">
+                <a:solidFill>
+                  <a:schemeClr val="tx1">
+                    <a:lumMod val="65000"/>
+                    <a:lumOff val="35000"/>
+                  </a:schemeClr>
+                </a:solidFill>
+                <a:latin typeface="+mn-lt"/>
+                <a:ea typeface="+mn-ea"/>
+                <a:cs typeface="+mn-cs"/>
+              </a:defRPr>
+            </a:lvl5pPr>
+            <a:lvl6pPr marL="1377950" indent="-228600" algn="l" defTabSz="914400" rtl="0" eaLnBrk="1" latinLnBrk="0" hangingPunct="1">
+              <a:spcBef>
+                <a:spcPct val="20000"/>
+              </a:spcBef>
+              <a:buClr>
+                <a:schemeClr val="accent1">
+                  <a:lumMod val="60000"/>
+                  <a:lumOff val="40000"/>
+                </a:schemeClr>
+              </a:buClr>
+              <a:buSzPct val="75000"/>
+              <a:buFont typeface="Wingdings" pitchFamily="2" charset="2"/>
+              <a:buChar char=""/>
+              <a:defRPr lang="en-US" sz="1800" kern="1200" dirty="0" smtClean="0">
+                <a:solidFill>
+                  <a:schemeClr val="tx1">
+                    <a:lumMod val="65000"/>
+                    <a:lumOff val="35000"/>
+                  </a:schemeClr>
+                </a:solidFill>
+                <a:latin typeface="+mn-lt"/>
+                <a:ea typeface="+mn-ea"/>
+                <a:cs typeface="+mn-cs"/>
+              </a:defRPr>
+            </a:lvl6pPr>
+            <a:lvl7pPr marL="1603375" indent="-228600" algn="l" defTabSz="914400" rtl="0" eaLnBrk="1" latinLnBrk="0" hangingPunct="1">
+              <a:spcBef>
+                <a:spcPct val="20000"/>
+              </a:spcBef>
+              <a:buClr>
+                <a:schemeClr val="accent1"/>
+              </a:buClr>
+              <a:buSzPct val="75000"/>
+              <a:buFont typeface="Wingdings" pitchFamily="2" charset="2"/>
+              <a:buChar char=""/>
+              <a:defRPr lang="en-US" sz="1800" kern="1200" baseline="0" dirty="0" smtClean="0">
+                <a:solidFill>
+                  <a:schemeClr val="tx1">
+                    <a:lumMod val="65000"/>
+                    <a:lumOff val="35000"/>
+                  </a:schemeClr>
+                </a:solidFill>
+                <a:latin typeface="+mn-lt"/>
+                <a:ea typeface="+mn-ea"/>
+                <a:cs typeface="+mn-cs"/>
+              </a:defRPr>
+            </a:lvl7pPr>
+            <a:lvl8pPr marL="1830388" indent="-228600" algn="l" defTabSz="914400" rtl="0" eaLnBrk="1" latinLnBrk="0" hangingPunct="1">
+              <a:spcBef>
+                <a:spcPct val="20000"/>
+              </a:spcBef>
+              <a:buClr>
+                <a:schemeClr val="accent1">
+                  <a:lumMod val="60000"/>
+                  <a:lumOff val="40000"/>
+                </a:schemeClr>
+              </a:buClr>
+              <a:buSzPct val="75000"/>
+              <a:buFont typeface="Wingdings" pitchFamily="2" charset="2"/>
+              <a:buChar char=""/>
+              <a:defRPr lang="en-US" sz="1800" kern="1200" baseline="0" dirty="0" smtClean="0">
+                <a:solidFill>
+                  <a:schemeClr val="tx1">
+                    <a:lumMod val="65000"/>
+                    <a:lumOff val="35000"/>
+                  </a:schemeClr>
+                </a:solidFill>
+                <a:latin typeface="+mn-lt"/>
+                <a:ea typeface="+mn-ea"/>
+                <a:cs typeface="+mn-cs"/>
+              </a:defRPr>
+            </a:lvl8pPr>
+            <a:lvl9pPr marL="2057400" indent="-228600" algn="l" defTabSz="914400" rtl="0" eaLnBrk="1" latinLnBrk="0" hangingPunct="1">
+              <a:spcBef>
+                <a:spcPct val="20000"/>
+              </a:spcBef>
+              <a:buClr>
+                <a:schemeClr val="accent1"/>
+              </a:buClr>
+              <a:buSzPct val="75000"/>
+              <a:buFont typeface="Wingdings" pitchFamily="2" charset="2"/>
+              <a:buChar char=""/>
+              <a:defRPr lang="en-US" sz="1800" kern="1200" baseline="0" dirty="0">
+                <a:solidFill>
+                  <a:schemeClr val="tx1">
+                    <a:lumMod val="65000"/>
+                    <a:lumOff val="35000"/>
+                  </a:schemeClr>
+                </a:solidFill>
+                <a:latin typeface="+mn-lt"/>
+                <a:ea typeface="+mn-ea"/>
+                <a:cs typeface="+mn-cs"/>
+              </a:defRPr>
+            </a:lvl9pPr>
+          </a:lstStyle>
+          <a:p>
+            <a:pPr marL="0" indent="0">
+              <a:lnSpc>
+                <a:spcPct val="150000"/>
+              </a:lnSpc>
+              <a:spcBef>
+                <a:spcPts val="800"/>
+              </a:spcBef>
+              <a:buNone/>
+            </a:pPr>
+            <a:r>
+              <a:rPr lang="pt-PT" sz="2800" dirty="0" smtClean="0">
+                <a:solidFill>
+                  <a:schemeClr val="tx1"/>
+                </a:solidFill>
+              </a:rPr>
+              <a:t>Ver ecrãs restantes na nossa página do grupo</a:t>
+            </a:r>
+            <a:endParaRPr lang="pt-PT" sz="2800" dirty="0">
+              <a:solidFill>
+                <a:schemeClr val="tx1"/>
+              </a:solidFill>
+            </a:endParaRPr>
+          </a:p>
+          <a:p>
+            <a:pPr marL="0" indent="0">
+              <a:lnSpc>
+                <a:spcPct val="150000"/>
+              </a:lnSpc>
+              <a:spcBef>
+                <a:spcPts val="800"/>
+              </a:spcBef>
+              <a:buNone/>
+            </a:pPr>
+            <a:endParaRPr lang="pt-PT" sz="1400" dirty="0">
+              <a:solidFill>
+                <a:schemeClr val="tx1"/>
+              </a:solidFill>
+            </a:endParaRPr>
+          </a:p>
+        </p:txBody>
+      </p:sp>
+    </p:spTree>
+    <p:extLst>
+      <p:ext uri="{BB962C8B-B14F-4D97-AF65-F5344CB8AC3E}">
+        <p14:creationId xmlns:p14="http://schemas.microsoft.com/office/powerpoint/2010/main" val="761073413"/>
       </p:ext>
     </p:extLst>
   </p:cSld>
@@ -9151,7 +9684,7 @@
           <a:p>
             <a:r>
               <a:rPr lang="pt-PT" sz="3200" dirty="0" smtClean="0"/>
-              <a:t>Metáforas elaboradas</a:t>
+              <a:t>Organização da plataforma</a:t>
             </a:r>
             <a:endParaRPr lang="pt-PT" sz="3200" dirty="0"/>
           </a:p>
@@ -9177,12 +9710,13 @@
           <a:bodyPr/>
           <a:lstStyle/>
           <a:p>
-            <a:endParaRPr lang="pt-PT" sz="6000" dirty="0" smtClean="0"/>
-          </a:p>
-          <a:p>
             <a:r>
               <a:rPr lang="pt-PT" sz="6000" dirty="0" smtClean="0"/>
-              <a:t>Modelo Conceptual</a:t>
+              <a:t>Modelo </a:t>
+            </a:r>
+            <a:r>
+              <a:rPr lang="pt-PT" sz="6000" dirty="0" smtClean="0"/>
+              <a:t>Conceptual</a:t>
             </a:r>
             <a:endParaRPr lang="pt-PT" sz="6000" dirty="0"/>
           </a:p>
@@ -9238,7 +9772,7 @@
     </p:spTree>
     <p:extLst>
       <p:ext uri="{BB962C8B-B14F-4D97-AF65-F5344CB8AC3E}">
-        <p14:creationId xmlns:p14="http://schemas.microsoft.com/office/powerpoint/2010/main" val="1399321310"/>
+        <p14:creationId xmlns:p14="http://schemas.microsoft.com/office/powerpoint/2010/main" val="1539574578"/>
       </p:ext>
     </p:extLst>
   </p:cSld>
@@ -9289,16 +9823,9 @@
           <a:p>
             <a:r>
               <a:rPr lang="pt-PT" dirty="0" smtClean="0"/>
-              <a:t>O Modelo</a:t>
-            </a:r>
-            <a:r>
-              <a:rPr lang="pt-PT" dirty="0" smtClean="0"/>
-              <a:t>				</a:t>
-            </a:r>
-            <a:r>
-              <a:rPr lang="pt-PT" dirty="0"/>
-              <a:t>	</a:t>
-            </a:r>
+              <a:t>Organização da plataforma</a:t>
+            </a:r>
+            <a:endParaRPr lang="pt-PT" dirty="0"/>
           </a:p>
         </p:txBody>
       </p:sp>
@@ -9539,6 +10066,17 @@
             <a:pPr marL="0" indent="0">
               <a:buNone/>
             </a:pPr>
+            <a:r>
+              <a:rPr lang="pt-PT" sz="2400" dirty="0" smtClean="0">
+                <a:solidFill>
+                  <a:schemeClr val="bg1">
+                    <a:lumMod val="65000"/>
+                  </a:schemeClr>
+                </a:solidFill>
+                <a:latin typeface="+mj-lt"/>
+              </a:rPr>
+              <a:t>Actividades e relações principais </a:t>
+            </a:r>
             <a:endParaRPr lang="pt-PT" sz="2400" dirty="0">
               <a:solidFill>
                 <a:schemeClr val="bg1">
@@ -9552,16 +10090,14 @@
       </p:sp>
       <p:pic>
         <p:nvPicPr>
-          <p:cNvPr id="1027" name="Picture 3"/>
+          <p:cNvPr id="1026" name="Picture 2" descr="http://puu.sh/laOUz/e6bf6a13b3.png"/>
           <p:cNvPicPr>
-            <a:picLocks noGrp="1" noChangeAspect="1" noChangeArrowheads="1"/>
+            <a:picLocks noChangeAspect="1" noChangeArrowheads="1"/>
           </p:cNvPicPr>
-          <p:nvPr>
-            <p:ph idx="1"/>
-          </p:nvPr>
+          <p:nvPr/>
         </p:nvPicPr>
         <p:blipFill>
-          <a:blip r:embed="rId2" cstate="email">
+          <a:blip r:embed="rId2">
             <a:extLst>
               <a:ext uri="{28A0092B-C50C-407E-A947-70E740481C1C}">
                 <a14:useLocalDpi xmlns:a14="http://schemas.microsoft.com/office/drawing/2010/main" val="0"/>
@@ -9575,43 +10111,20 @@
         </p:blipFill>
         <p:spPr bwMode="auto">
           <a:xfrm>
-            <a:off x="148855" y="1981200"/>
-            <a:ext cx="8835656" cy="4707588"/>
+            <a:off x="1502054" y="1600200"/>
+            <a:ext cx="6219825" cy="4829176"/>
           </a:xfrm>
           <a:prstGeom prst="rect">
             <a:avLst/>
           </a:prstGeom>
           <a:noFill/>
-          <a:ln>
-            <a:noFill/>
-          </a:ln>
-          <a:effectLst/>
           <a:extLst>
             <a:ext uri="{909E8E84-426E-40DD-AFC4-6F175D3DCCD1}">
               <a14:hiddenFill xmlns:a14="http://schemas.microsoft.com/office/drawing/2010/main">
                 <a:solidFill>
-                  <a:schemeClr val="accent1"/>
+                  <a:srgbClr val="FFFFFF"/>
                 </a:solidFill>
               </a14:hiddenFill>
-            </a:ext>
-            <a:ext uri="{91240B29-F687-4F45-9708-019B960494DF}">
-              <a14:hiddenLine xmlns:a14="http://schemas.microsoft.com/office/drawing/2010/main" w="9525">
-                <a:solidFill>
-                  <a:schemeClr val="tx1"/>
-                </a:solidFill>
-                <a:miter lim="800000"/>
-                <a:headEnd/>
-                <a:tailEnd/>
-              </a14:hiddenLine>
-            </a:ext>
-            <a:ext uri="{AF507438-7753-43E0-B8FC-AC1667EBCBE1}">
-              <a14:hiddenEffects xmlns:a14="http://schemas.microsoft.com/office/drawing/2010/main">
-                <a:effectLst>
-                  <a:outerShdw dist="35921" dir="2700000" algn="ctr" rotWithShape="0">
-                    <a:schemeClr val="bg2"/>
-                  </a:outerShdw>
-                </a:effectLst>
-              </a14:hiddenEffects>
             </a:ext>
           </a:extLst>
         </p:spPr>
@@ -9619,7 +10132,7 @@
     </p:spTree>
     <p:extLst>
       <p:ext uri="{BB962C8B-B14F-4D97-AF65-F5344CB8AC3E}">
-        <p14:creationId xmlns:p14="http://schemas.microsoft.com/office/powerpoint/2010/main" val="3044548460"/>
+        <p14:creationId xmlns:p14="http://schemas.microsoft.com/office/powerpoint/2010/main" val="3436448313"/>
       </p:ext>
     </p:extLst>
   </p:cSld>
@@ -9655,391 +10168,117 @@
       </p:grpSpPr>
       <p:sp>
         <p:nvSpPr>
-          <p:cNvPr id="2" name="Title 1"/>
-          <p:cNvSpPr>
-            <a:spLocks noGrp="1"/>
-          </p:cNvSpPr>
-          <p:nvPr>
-            <p:ph type="title"/>
-          </p:nvPr>
-        </p:nvSpPr>
-        <p:spPr/>
+          <p:cNvPr id="2" name="Título 1"/>
+          <p:cNvSpPr>
+            <a:spLocks noGrp="1"/>
+          </p:cNvSpPr>
+          <p:nvPr>
+            <p:ph type="ctrTitle"/>
+          </p:nvPr>
+        </p:nvSpPr>
+        <p:spPr>
+          <a:xfrm>
+            <a:off x="4524198" y="4862160"/>
+            <a:ext cx="4169386" cy="1448992"/>
+          </a:xfrm>
+        </p:spPr>
+        <p:txBody>
+          <a:bodyPr>
+            <a:noAutofit/>
+          </a:bodyPr>
+          <a:lstStyle/>
+          <a:p>
+            <a:r>
+              <a:rPr lang="pt-PT" sz="3200" dirty="0" smtClean="0"/>
+              <a:t>Interface e interacções</a:t>
+            </a:r>
+            <a:endParaRPr lang="pt-PT" sz="3200" dirty="0"/>
+          </a:p>
+        </p:txBody>
+      </p:sp>
+      <p:sp>
+        <p:nvSpPr>
+          <p:cNvPr id="6" name="Marcador de Posição do Texto 5"/>
+          <p:cNvSpPr>
+            <a:spLocks noGrp="1"/>
+          </p:cNvSpPr>
+          <p:nvPr>
+            <p:ph type="body" sz="half" idx="2"/>
+          </p:nvPr>
+        </p:nvSpPr>
+        <p:spPr>
+          <a:xfrm>
+            <a:off x="325177" y="778476"/>
+            <a:ext cx="4199021" cy="2557874"/>
+          </a:xfrm>
+        </p:spPr>
         <p:txBody>
           <a:bodyPr/>
           <a:lstStyle/>
           <a:p>
             <a:r>
-              <a:rPr lang="pt-PT" dirty="0" smtClean="0"/>
-              <a:t>Metáfora 1</a:t>
-            </a:r>
-            <a:r>
-              <a:rPr lang="pt-PT" dirty="0" smtClean="0"/>
-              <a:t>				</a:t>
-            </a:r>
-            <a:r>
-              <a:rPr lang="pt-PT" dirty="0"/>
-              <a:t>	</a:t>
-            </a:r>
-            <a:r>
-              <a:rPr lang="pt-PT" dirty="0" smtClean="0"/>
-              <a:t>1/2</a:t>
-            </a:r>
-            <a:endParaRPr lang="pt-PT" dirty="0"/>
-          </a:p>
-        </p:txBody>
-      </p:sp>
-      <p:sp>
-        <p:nvSpPr>
-          <p:cNvPr id="5" name="Subtitle 2"/>
-          <p:cNvSpPr txBox="1">
-            <a:spLocks/>
-          </p:cNvSpPr>
+              <a:rPr lang="pt-PT" sz="6000" dirty="0" smtClean="0"/>
+              <a:t>Modelo </a:t>
+            </a:r>
+            <a:r>
+              <a:rPr lang="pt-PT" sz="6000" dirty="0" smtClean="0"/>
+              <a:t>Conceptual</a:t>
+            </a:r>
+            <a:endParaRPr lang="pt-PT" sz="6000" dirty="0"/>
+          </a:p>
+        </p:txBody>
+      </p:sp>
+      <p:pic>
+        <p:nvPicPr>
+          <p:cNvPr id="8" name="Imagem 7"/>
+          <p:cNvPicPr>
+            <a:picLocks noChangeAspect="1"/>
+          </p:cNvPicPr>
           <p:nvPr/>
-        </p:nvSpPr>
-        <p:spPr>
-          <a:xfrm>
-            <a:off x="498473" y="1142999"/>
-            <a:ext cx="7556313" cy="838201"/>
+        </p:nvPicPr>
+        <p:blipFill>
+          <a:blip r:embed="rId2"/>
+          <a:stretch>
+            <a:fillRect/>
+          </a:stretch>
+        </p:blipFill>
+        <p:spPr>
+          <a:xfrm>
+            <a:off x="6789243" y="2378242"/>
+            <a:ext cx="2081624" cy="2081624"/>
           </a:xfrm>
           <a:prstGeom prst="rect">
             <a:avLst/>
           </a:prstGeom>
         </p:spPr>
-        <p:txBody>
-          <a:bodyPr vert="horz" lIns="91440" tIns="45720" rIns="91440" bIns="45720" rtlCol="0">
-            <a:normAutofit/>
-          </a:bodyPr>
-          <a:lstStyle>
-            <a:lvl1pPr marL="228600" indent="-228600" algn="l" defTabSz="914400" rtl="0" eaLnBrk="1" latinLnBrk="0" hangingPunct="1">
-              <a:spcBef>
-                <a:spcPts val="2000"/>
-              </a:spcBef>
-              <a:buClr>
-                <a:schemeClr val="accent1"/>
-              </a:buClr>
-              <a:buSzPct val="75000"/>
-              <a:buFont typeface="Wingdings" pitchFamily="2" charset="2"/>
-              <a:buChar char="n"/>
-              <a:defRPr sz="2000" kern="1200">
-                <a:solidFill>
-                  <a:schemeClr val="tx1">
-                    <a:lumMod val="65000"/>
-                    <a:lumOff val="35000"/>
-                  </a:schemeClr>
-                </a:solidFill>
-                <a:latin typeface="+mn-lt"/>
-                <a:ea typeface="+mn-ea"/>
-                <a:cs typeface="+mn-cs"/>
-              </a:defRPr>
-            </a:lvl1pPr>
-            <a:lvl2pPr marL="457200" indent="-228600" algn="l" defTabSz="914400" rtl="0" eaLnBrk="1" latinLnBrk="0" hangingPunct="1">
-              <a:spcBef>
-                <a:spcPts val="600"/>
-              </a:spcBef>
-              <a:buClr>
-                <a:schemeClr val="accent1">
-                  <a:lumMod val="60000"/>
-                  <a:lumOff val="40000"/>
-                </a:schemeClr>
-              </a:buClr>
-              <a:buSzPct val="75000"/>
-              <a:buFont typeface="Wingdings" pitchFamily="2" charset="2"/>
-              <a:buChar char="n"/>
-              <a:defRPr sz="1800" kern="1200">
-                <a:solidFill>
-                  <a:schemeClr val="tx1">
-                    <a:lumMod val="65000"/>
-                    <a:lumOff val="35000"/>
-                  </a:schemeClr>
-                </a:solidFill>
-                <a:latin typeface="+mn-lt"/>
-                <a:ea typeface="+mn-ea"/>
-                <a:cs typeface="+mn-cs"/>
-              </a:defRPr>
-            </a:lvl2pPr>
-            <a:lvl3pPr marL="685800" indent="-228600" algn="l" defTabSz="914400" rtl="0" eaLnBrk="1" latinLnBrk="0" hangingPunct="1">
-              <a:spcBef>
-                <a:spcPts val="600"/>
-              </a:spcBef>
-              <a:buClr>
-                <a:schemeClr val="accent1"/>
-              </a:buClr>
-              <a:buSzPct val="75000"/>
-              <a:buFont typeface="Wingdings" pitchFamily="2" charset="2"/>
-              <a:buChar char="n"/>
-              <a:defRPr sz="1800" kern="1200">
-                <a:solidFill>
-                  <a:schemeClr val="tx1">
-                    <a:lumMod val="65000"/>
-                    <a:lumOff val="35000"/>
-                  </a:schemeClr>
-                </a:solidFill>
-                <a:latin typeface="+mn-lt"/>
-                <a:ea typeface="+mn-ea"/>
-                <a:cs typeface="+mn-cs"/>
-              </a:defRPr>
-            </a:lvl3pPr>
-            <a:lvl4pPr marL="914400" indent="-228600" algn="l" defTabSz="914400" rtl="0" eaLnBrk="1" latinLnBrk="0" hangingPunct="1">
-              <a:spcBef>
-                <a:spcPts val="600"/>
-              </a:spcBef>
-              <a:buClr>
-                <a:schemeClr val="accent1">
-                  <a:lumMod val="60000"/>
-                  <a:lumOff val="40000"/>
-                </a:schemeClr>
-              </a:buClr>
-              <a:buSzPct val="75000"/>
-              <a:buFont typeface="Wingdings" pitchFamily="2" charset="2"/>
-              <a:buChar char="n"/>
-              <a:defRPr sz="1800" kern="1200">
-                <a:solidFill>
-                  <a:schemeClr val="tx1">
-                    <a:lumMod val="65000"/>
-                    <a:lumOff val="35000"/>
-                  </a:schemeClr>
-                </a:solidFill>
-                <a:latin typeface="+mn-lt"/>
-                <a:ea typeface="+mn-ea"/>
-                <a:cs typeface="+mn-cs"/>
-              </a:defRPr>
-            </a:lvl4pPr>
-            <a:lvl5pPr marL="1143000" indent="-228600" algn="l" defTabSz="914400" rtl="0" eaLnBrk="1" latinLnBrk="0" hangingPunct="1">
-              <a:spcBef>
-                <a:spcPts val="600"/>
-              </a:spcBef>
-              <a:buClr>
-                <a:schemeClr val="accent1"/>
-              </a:buClr>
-              <a:buSzPct val="75000"/>
-              <a:buFont typeface="Wingdings" pitchFamily="2" charset="2"/>
-              <a:buChar char="n"/>
-              <a:defRPr sz="1800" kern="1200">
-                <a:solidFill>
-                  <a:schemeClr val="tx1">
-                    <a:lumMod val="65000"/>
-                    <a:lumOff val="35000"/>
-                  </a:schemeClr>
-                </a:solidFill>
-                <a:latin typeface="+mn-lt"/>
-                <a:ea typeface="+mn-ea"/>
-                <a:cs typeface="+mn-cs"/>
-              </a:defRPr>
-            </a:lvl5pPr>
-            <a:lvl6pPr marL="1377950" indent="-228600" algn="l" defTabSz="914400" rtl="0" eaLnBrk="1" latinLnBrk="0" hangingPunct="1">
-              <a:spcBef>
-                <a:spcPct val="20000"/>
-              </a:spcBef>
-              <a:buClr>
-                <a:schemeClr val="accent1">
-                  <a:lumMod val="60000"/>
-                  <a:lumOff val="40000"/>
-                </a:schemeClr>
-              </a:buClr>
-              <a:buSzPct val="75000"/>
-              <a:buFont typeface="Wingdings" pitchFamily="2" charset="2"/>
-              <a:buChar char=""/>
-              <a:defRPr lang="en-US" sz="1800" kern="1200" dirty="0" smtClean="0">
-                <a:solidFill>
-                  <a:schemeClr val="tx1">
-                    <a:lumMod val="65000"/>
-                    <a:lumOff val="35000"/>
-                  </a:schemeClr>
-                </a:solidFill>
-                <a:latin typeface="+mn-lt"/>
-                <a:ea typeface="+mn-ea"/>
-                <a:cs typeface="+mn-cs"/>
-              </a:defRPr>
-            </a:lvl6pPr>
-            <a:lvl7pPr marL="1603375" indent="-228600" algn="l" defTabSz="914400" rtl="0" eaLnBrk="1" latinLnBrk="0" hangingPunct="1">
-              <a:spcBef>
-                <a:spcPct val="20000"/>
-              </a:spcBef>
-              <a:buClr>
-                <a:schemeClr val="accent1"/>
-              </a:buClr>
-              <a:buSzPct val="75000"/>
-              <a:buFont typeface="Wingdings" pitchFamily="2" charset="2"/>
-              <a:buChar char=""/>
-              <a:defRPr lang="en-US" sz="1800" kern="1200" baseline="0" dirty="0" smtClean="0">
-                <a:solidFill>
-                  <a:schemeClr val="tx1">
-                    <a:lumMod val="65000"/>
-                    <a:lumOff val="35000"/>
-                  </a:schemeClr>
-                </a:solidFill>
-                <a:latin typeface="+mn-lt"/>
-                <a:ea typeface="+mn-ea"/>
-                <a:cs typeface="+mn-cs"/>
-              </a:defRPr>
-            </a:lvl7pPr>
-            <a:lvl8pPr marL="1830388" indent="-228600" algn="l" defTabSz="914400" rtl="0" eaLnBrk="1" latinLnBrk="0" hangingPunct="1">
-              <a:spcBef>
-                <a:spcPct val="20000"/>
-              </a:spcBef>
-              <a:buClr>
-                <a:schemeClr val="accent1">
-                  <a:lumMod val="60000"/>
-                  <a:lumOff val="40000"/>
-                </a:schemeClr>
-              </a:buClr>
-              <a:buSzPct val="75000"/>
-              <a:buFont typeface="Wingdings" pitchFamily="2" charset="2"/>
-              <a:buChar char=""/>
-              <a:defRPr lang="en-US" sz="1800" kern="1200" baseline="0" dirty="0" smtClean="0">
-                <a:solidFill>
-                  <a:schemeClr val="tx1">
-                    <a:lumMod val="65000"/>
-                    <a:lumOff val="35000"/>
-                  </a:schemeClr>
-                </a:solidFill>
-                <a:latin typeface="+mn-lt"/>
-                <a:ea typeface="+mn-ea"/>
-                <a:cs typeface="+mn-cs"/>
-              </a:defRPr>
-            </a:lvl8pPr>
-            <a:lvl9pPr marL="2057400" indent="-228600" algn="l" defTabSz="914400" rtl="0" eaLnBrk="1" latinLnBrk="0" hangingPunct="1">
-              <a:spcBef>
-                <a:spcPct val="20000"/>
-              </a:spcBef>
-              <a:buClr>
-                <a:schemeClr val="accent1"/>
-              </a:buClr>
-              <a:buSzPct val="75000"/>
-              <a:buFont typeface="Wingdings" pitchFamily="2" charset="2"/>
-              <a:buChar char=""/>
-              <a:defRPr lang="en-US" sz="1800" kern="1200" baseline="0" dirty="0">
-                <a:solidFill>
-                  <a:schemeClr val="tx1">
-                    <a:lumMod val="65000"/>
-                    <a:lumOff val="35000"/>
-                  </a:schemeClr>
-                </a:solidFill>
-                <a:latin typeface="+mn-lt"/>
-                <a:ea typeface="+mn-ea"/>
-                <a:cs typeface="+mn-cs"/>
-              </a:defRPr>
-            </a:lvl9pPr>
-          </a:lstStyle>
-          <a:p>
-            <a:pPr marL="0" indent="0">
-              <a:buNone/>
-            </a:pPr>
-            <a:r>
-              <a:rPr lang="pt-PT" sz="2400" dirty="0" smtClean="0">
-                <a:solidFill>
-                  <a:schemeClr val="bg1">
-                    <a:lumMod val="65000"/>
-                  </a:schemeClr>
-                </a:solidFill>
-                <a:latin typeface="+mj-lt"/>
-              </a:rPr>
-              <a:t>Supermercado </a:t>
-            </a:r>
-            <a:endParaRPr lang="pt-PT" sz="2400" dirty="0">
-              <a:solidFill>
-                <a:schemeClr val="bg1">
-                  <a:lumMod val="65000"/>
-                </a:schemeClr>
-              </a:solidFill>
-              <a:latin typeface="+mj-lt"/>
-            </a:endParaRPr>
-          </a:p>
-        </p:txBody>
-      </p:sp>
-      <p:sp>
-        <p:nvSpPr>
-          <p:cNvPr id="9" name="Marcador de Posição de Conteúdo 2"/>
-          <p:cNvSpPr>
-            <a:spLocks noGrp="1"/>
-          </p:cNvSpPr>
-          <p:nvPr>
-            <p:ph idx="1"/>
-          </p:nvPr>
-        </p:nvSpPr>
-        <p:spPr>
-          <a:xfrm>
-            <a:off x="391596" y="1981200"/>
-            <a:ext cx="8194264" cy="4324597"/>
-          </a:xfrm>
-        </p:spPr>
-        <p:txBody>
-          <a:bodyPr>
-            <a:noAutofit/>
-          </a:bodyPr>
-          <a:lstStyle/>
-          <a:p>
-            <a:pPr marL="0" indent="0">
-              <a:lnSpc>
-                <a:spcPct val="150000"/>
-              </a:lnSpc>
-              <a:spcBef>
-                <a:spcPts val="800"/>
-              </a:spcBef>
-              <a:buNone/>
-            </a:pPr>
-            <a:r>
-              <a:rPr lang="pt-PT" sz="1400" dirty="0" smtClean="0">
-                <a:solidFill>
-                  <a:schemeClr val="tx1"/>
-                </a:solidFill>
-              </a:rPr>
-              <a:t>Organizado </a:t>
-            </a:r>
-            <a:r>
-              <a:rPr lang="pt-PT" sz="1400" dirty="0">
-                <a:solidFill>
-                  <a:schemeClr val="tx1"/>
-                </a:solidFill>
-              </a:rPr>
-              <a:t>por secções de produtos. Cada produto </a:t>
-            </a:r>
-            <a:r>
-              <a:rPr lang="pt-PT" sz="1400" dirty="0" smtClean="0">
-                <a:solidFill>
-                  <a:schemeClr val="tx1"/>
-                </a:solidFill>
-              </a:rPr>
-              <a:t>pode ser </a:t>
-            </a:r>
-            <a:r>
-              <a:rPr lang="pt-PT" sz="1400" dirty="0">
-                <a:solidFill>
-                  <a:schemeClr val="tx1"/>
-                </a:solidFill>
-              </a:rPr>
-              <a:t>fabricado por várias marcas. Alguns são de marca branca, outros são mais caros, e pode haver uns que são oferta da casa. Pode achar-se o produto pior ou melhor. Os produtos mais populares são postos em estantes mais visíveis. Pode procurar-se um produto na secção que se pretende ou pedindo ajuda a uma assistente do supermercado. A compra dos produtos é </a:t>
-            </a:r>
-            <a:r>
-              <a:rPr lang="pt-PT" sz="1400" dirty="0" smtClean="0">
-                <a:solidFill>
-                  <a:schemeClr val="tx1"/>
-                </a:solidFill>
-              </a:rPr>
-              <a:t>feita </a:t>
-            </a:r>
-            <a:r>
-              <a:rPr lang="pt-PT" sz="1400" dirty="0">
-                <a:solidFill>
-                  <a:schemeClr val="tx1"/>
-                </a:solidFill>
-              </a:rPr>
-              <a:t>nas caixas, onde se fornecem informações de pagamento.</a:t>
-            </a:r>
-            <a:endParaRPr lang="pt-PT" sz="1400" dirty="0">
-              <a:solidFill>
-                <a:schemeClr val="tx1"/>
-              </a:solidFill>
-              <a:ea typeface="Cambria" charset="0"/>
-              <a:cs typeface="Cambria" charset="0"/>
-            </a:endParaRPr>
-          </a:p>
-        </p:txBody>
-      </p:sp>
+      </p:pic>
+      <p:pic>
+        <p:nvPicPr>
+          <p:cNvPr id="11" name="Imagem 10"/>
+          <p:cNvPicPr>
+            <a:picLocks noChangeAspect="1"/>
+          </p:cNvPicPr>
+          <p:nvPr/>
+        </p:nvPicPr>
+        <p:blipFill rotWithShape="1">
+          <a:blip r:embed="rId3"/>
+          <a:srcRect l="6966"/>
+          <a:stretch/>
+        </p:blipFill>
+        <p:spPr>
+          <a:xfrm>
+            <a:off x="4643252" y="360218"/>
+            <a:ext cx="2045853" cy="1896094"/>
+          </a:xfrm>
+          <a:prstGeom prst="rect">
+            <a:avLst/>
+          </a:prstGeom>
+        </p:spPr>
+      </p:pic>
     </p:spTree>
     <p:extLst>
       <p:ext uri="{BB962C8B-B14F-4D97-AF65-F5344CB8AC3E}">
-        <p14:creationId xmlns:p14="http://schemas.microsoft.com/office/powerpoint/2010/main" val="578702896"/>
+        <p14:creationId xmlns:p14="http://schemas.microsoft.com/office/powerpoint/2010/main" val="2958685530"/>
       </p:ext>
     </p:extLst>
   </p:cSld>
@@ -10089,20 +10328,8 @@
           <a:lstStyle/>
           <a:p>
             <a:r>
-              <a:rPr lang="pt-PT" dirty="0" smtClean="0"/>
-              <a:t>Metáfora </a:t>
-            </a:r>
-            <a:r>
-              <a:rPr lang="pt-PT" dirty="0" smtClean="0"/>
-              <a:t>2				</a:t>
-            </a:r>
-            <a:r>
               <a:rPr lang="pt-PT" dirty="0"/>
-              <a:t>	</a:t>
-            </a:r>
-            <a:r>
-              <a:rPr lang="pt-PT" dirty="0" smtClean="0"/>
-              <a:t>2/2</a:t>
+              <a:t>Interface e interacções</a:t>
             </a:r>
             <a:endParaRPr lang="pt-PT" dirty="0"/>
           </a:p>
@@ -10354,7 +10581,7 @@
                 </a:solidFill>
                 <a:latin typeface="+mj-lt"/>
               </a:rPr>
-              <a:t>Aparelhagem de Som (Cassete)</a:t>
+              <a:t>Interface tradicional Window, Icon, Menus, Pointers</a:t>
             </a:r>
             <a:endParaRPr lang="pt-PT" sz="2400" dirty="0">
               <a:solidFill>
@@ -10369,387 +10596,139 @@
       </p:sp>
       <p:sp>
         <p:nvSpPr>
-          <p:cNvPr id="6" name="Marcador de Posição de Conteúdo 2"/>
-          <p:cNvSpPr txBox="1">
-            <a:spLocks/>
-          </p:cNvSpPr>
-          <p:nvPr/>
-        </p:nvSpPr>
-        <p:spPr>
-          <a:xfrm>
-            <a:off x="498472" y="1981200"/>
+          <p:cNvPr id="9" name="Marcador de Posição de Conteúdo 2"/>
+          <p:cNvSpPr>
+            <a:spLocks noGrp="1"/>
+          </p:cNvSpPr>
+          <p:nvPr>
+            <p:ph idx="1"/>
+          </p:nvPr>
+        </p:nvSpPr>
+        <p:spPr>
+          <a:xfrm>
+            <a:off x="391596" y="1981200"/>
             <a:ext cx="8194264" cy="4324597"/>
           </a:xfrm>
-          <a:prstGeom prst="rect">
-            <a:avLst/>
-          </a:prstGeom>
-        </p:spPr>
-        <p:txBody>
-          <a:bodyPr vert="horz" lIns="91440" tIns="45720" rIns="91440" bIns="45720" rtlCol="0">
+        </p:spPr>
+        <p:txBody>
+          <a:bodyPr>
             <a:noAutofit/>
           </a:bodyPr>
-          <a:lstStyle>
-            <a:lvl1pPr marL="228600" indent="-228600" algn="l" defTabSz="914400" rtl="0" eaLnBrk="1" latinLnBrk="0" hangingPunct="1">
-              <a:spcBef>
-                <a:spcPts val="2000"/>
-              </a:spcBef>
-              <a:buClr>
-                <a:schemeClr val="accent1"/>
-              </a:buClr>
-              <a:buSzPct val="75000"/>
-              <a:buFont typeface="Wingdings" pitchFamily="2" charset="2"/>
-              <a:buChar char="n"/>
-              <a:defRPr sz="2000" kern="1200">
-                <a:solidFill>
-                  <a:schemeClr val="tx1">
-                    <a:lumMod val="65000"/>
-                    <a:lumOff val="35000"/>
-                  </a:schemeClr>
-                </a:solidFill>
-                <a:latin typeface="+mn-lt"/>
-                <a:ea typeface="+mn-ea"/>
-                <a:cs typeface="+mn-cs"/>
-              </a:defRPr>
-            </a:lvl1pPr>
-            <a:lvl2pPr marL="457200" indent="-228600" algn="l" defTabSz="914400" rtl="0" eaLnBrk="1" latinLnBrk="0" hangingPunct="1">
-              <a:spcBef>
-                <a:spcPts val="600"/>
-              </a:spcBef>
-              <a:buClr>
-                <a:schemeClr val="accent1">
-                  <a:lumMod val="60000"/>
-                  <a:lumOff val="40000"/>
-                </a:schemeClr>
-              </a:buClr>
-              <a:buSzPct val="75000"/>
-              <a:buFont typeface="Wingdings" pitchFamily="2" charset="2"/>
-              <a:buChar char="n"/>
-              <a:defRPr sz="1800" kern="1200">
-                <a:solidFill>
-                  <a:schemeClr val="tx1">
-                    <a:lumMod val="65000"/>
-                    <a:lumOff val="35000"/>
-                  </a:schemeClr>
-                </a:solidFill>
-                <a:latin typeface="+mn-lt"/>
-                <a:ea typeface="+mn-ea"/>
-                <a:cs typeface="+mn-cs"/>
-              </a:defRPr>
-            </a:lvl2pPr>
-            <a:lvl3pPr marL="685800" indent="-228600" algn="l" defTabSz="914400" rtl="0" eaLnBrk="1" latinLnBrk="0" hangingPunct="1">
-              <a:spcBef>
-                <a:spcPts val="600"/>
-              </a:spcBef>
-              <a:buClr>
-                <a:schemeClr val="accent1"/>
-              </a:buClr>
-              <a:buSzPct val="75000"/>
-              <a:buFont typeface="Wingdings" pitchFamily="2" charset="2"/>
-              <a:buChar char="n"/>
-              <a:defRPr sz="1800" kern="1200">
-                <a:solidFill>
-                  <a:schemeClr val="tx1">
-                    <a:lumMod val="65000"/>
-                    <a:lumOff val="35000"/>
-                  </a:schemeClr>
-                </a:solidFill>
-                <a:latin typeface="+mn-lt"/>
-                <a:ea typeface="+mn-ea"/>
-                <a:cs typeface="+mn-cs"/>
-              </a:defRPr>
-            </a:lvl3pPr>
-            <a:lvl4pPr marL="914400" indent="-228600" algn="l" defTabSz="914400" rtl="0" eaLnBrk="1" latinLnBrk="0" hangingPunct="1">
-              <a:spcBef>
-                <a:spcPts val="600"/>
-              </a:spcBef>
-              <a:buClr>
-                <a:schemeClr val="accent1">
-                  <a:lumMod val="60000"/>
-                  <a:lumOff val="40000"/>
-                </a:schemeClr>
-              </a:buClr>
-              <a:buSzPct val="75000"/>
-              <a:buFont typeface="Wingdings" pitchFamily="2" charset="2"/>
-              <a:buChar char="n"/>
-              <a:defRPr sz="1800" kern="1200">
-                <a:solidFill>
-                  <a:schemeClr val="tx1">
-                    <a:lumMod val="65000"/>
-                    <a:lumOff val="35000"/>
-                  </a:schemeClr>
-                </a:solidFill>
-                <a:latin typeface="+mn-lt"/>
-                <a:ea typeface="+mn-ea"/>
-                <a:cs typeface="+mn-cs"/>
-              </a:defRPr>
-            </a:lvl4pPr>
-            <a:lvl5pPr marL="1143000" indent="-228600" algn="l" defTabSz="914400" rtl="0" eaLnBrk="1" latinLnBrk="0" hangingPunct="1">
-              <a:spcBef>
-                <a:spcPts val="600"/>
-              </a:spcBef>
-              <a:buClr>
-                <a:schemeClr val="accent1"/>
-              </a:buClr>
-              <a:buSzPct val="75000"/>
-              <a:buFont typeface="Wingdings" pitchFamily="2" charset="2"/>
-              <a:buChar char="n"/>
-              <a:defRPr sz="1800" kern="1200">
-                <a:solidFill>
-                  <a:schemeClr val="tx1">
-                    <a:lumMod val="65000"/>
-                    <a:lumOff val="35000"/>
-                  </a:schemeClr>
-                </a:solidFill>
-                <a:latin typeface="+mn-lt"/>
-                <a:ea typeface="+mn-ea"/>
-                <a:cs typeface="+mn-cs"/>
-              </a:defRPr>
-            </a:lvl5pPr>
-            <a:lvl6pPr marL="1377950" indent="-228600" algn="l" defTabSz="914400" rtl="0" eaLnBrk="1" latinLnBrk="0" hangingPunct="1">
-              <a:spcBef>
-                <a:spcPct val="20000"/>
-              </a:spcBef>
-              <a:buClr>
-                <a:schemeClr val="accent1">
-                  <a:lumMod val="60000"/>
-                  <a:lumOff val="40000"/>
-                </a:schemeClr>
-              </a:buClr>
-              <a:buSzPct val="75000"/>
-              <a:buFont typeface="Wingdings" pitchFamily="2" charset="2"/>
-              <a:buChar char=""/>
-              <a:defRPr lang="en-US" sz="1800" kern="1200" dirty="0" smtClean="0">
-                <a:solidFill>
-                  <a:schemeClr val="tx1">
-                    <a:lumMod val="65000"/>
-                    <a:lumOff val="35000"/>
-                  </a:schemeClr>
-                </a:solidFill>
-                <a:latin typeface="+mn-lt"/>
-                <a:ea typeface="+mn-ea"/>
-                <a:cs typeface="+mn-cs"/>
-              </a:defRPr>
-            </a:lvl6pPr>
-            <a:lvl7pPr marL="1603375" indent="-228600" algn="l" defTabSz="914400" rtl="0" eaLnBrk="1" latinLnBrk="0" hangingPunct="1">
-              <a:spcBef>
-                <a:spcPct val="20000"/>
-              </a:spcBef>
-              <a:buClr>
-                <a:schemeClr val="accent1"/>
-              </a:buClr>
-              <a:buSzPct val="75000"/>
-              <a:buFont typeface="Wingdings" pitchFamily="2" charset="2"/>
-              <a:buChar char=""/>
-              <a:defRPr lang="en-US" sz="1800" kern="1200" baseline="0" dirty="0" smtClean="0">
-                <a:solidFill>
-                  <a:schemeClr val="tx1">
-                    <a:lumMod val="65000"/>
-                    <a:lumOff val="35000"/>
-                  </a:schemeClr>
-                </a:solidFill>
-                <a:latin typeface="+mn-lt"/>
-                <a:ea typeface="+mn-ea"/>
-                <a:cs typeface="+mn-cs"/>
-              </a:defRPr>
-            </a:lvl7pPr>
-            <a:lvl8pPr marL="1830388" indent="-228600" algn="l" defTabSz="914400" rtl="0" eaLnBrk="1" latinLnBrk="0" hangingPunct="1">
-              <a:spcBef>
-                <a:spcPct val="20000"/>
-              </a:spcBef>
-              <a:buClr>
-                <a:schemeClr val="accent1">
-                  <a:lumMod val="60000"/>
-                  <a:lumOff val="40000"/>
-                </a:schemeClr>
-              </a:buClr>
-              <a:buSzPct val="75000"/>
-              <a:buFont typeface="Wingdings" pitchFamily="2" charset="2"/>
-              <a:buChar char=""/>
-              <a:defRPr lang="en-US" sz="1800" kern="1200" baseline="0" dirty="0" smtClean="0">
-                <a:solidFill>
-                  <a:schemeClr val="tx1">
-                    <a:lumMod val="65000"/>
-                    <a:lumOff val="35000"/>
-                  </a:schemeClr>
-                </a:solidFill>
-                <a:latin typeface="+mn-lt"/>
-                <a:ea typeface="+mn-ea"/>
-                <a:cs typeface="+mn-cs"/>
-              </a:defRPr>
-            </a:lvl8pPr>
-            <a:lvl9pPr marL="2057400" indent="-228600" algn="l" defTabSz="914400" rtl="0" eaLnBrk="1" latinLnBrk="0" hangingPunct="1">
-              <a:spcBef>
-                <a:spcPct val="20000"/>
-              </a:spcBef>
-              <a:buClr>
-                <a:schemeClr val="accent1"/>
-              </a:buClr>
-              <a:buSzPct val="75000"/>
-              <a:buFont typeface="Wingdings" pitchFamily="2" charset="2"/>
-              <a:buChar char=""/>
-              <a:defRPr lang="en-US" sz="1800" kern="1200" baseline="0" dirty="0">
-                <a:solidFill>
-                  <a:schemeClr val="tx1">
-                    <a:lumMod val="65000"/>
-                    <a:lumOff val="35000"/>
-                  </a:schemeClr>
-                </a:solidFill>
-                <a:latin typeface="+mn-lt"/>
-                <a:ea typeface="+mn-ea"/>
-                <a:cs typeface="+mn-cs"/>
-              </a:defRPr>
-            </a:lvl9pPr>
-          </a:lstStyle>
-          <a:p>
-            <a:pPr marL="0" indent="0">
-              <a:lnSpc>
-                <a:spcPct val="150000"/>
-              </a:lnSpc>
-              <a:spcBef>
-                <a:spcPts val="800"/>
-              </a:spcBef>
-              <a:buNone/>
-            </a:pPr>
-            <a:r>
-              <a:rPr lang="pt-PT" sz="1400" dirty="0">
-                <a:solidFill>
-                  <a:schemeClr val="tx1"/>
-                </a:solidFill>
-              </a:rPr>
-              <a:t>A interface dos vídeos funciona de forma semelhante à de um leitor de cassetes ou </a:t>
-            </a:r>
-            <a:r>
-              <a:rPr lang="pt-PT" sz="1400" dirty="0" err="1">
-                <a:solidFill>
-                  <a:schemeClr val="tx1"/>
-                </a:solidFill>
-              </a:rPr>
-              <a:t>CDs</a:t>
-            </a:r>
-            <a:r>
-              <a:rPr lang="pt-PT" sz="1400" dirty="0">
-                <a:solidFill>
-                  <a:schemeClr val="tx1"/>
-                </a:solidFill>
-              </a:rPr>
-              <a:t>, com os botões de “tocar” e regular o som. Adicionalmente, pode ver-se a letra das músicas pelo folheto que veio com a cassete/CD, para se recapitular a letra.</a:t>
-            </a:r>
-          </a:p>
-          <a:p>
-            <a:pPr marL="0" indent="0">
-              <a:lnSpc>
-                <a:spcPct val="150000"/>
-              </a:lnSpc>
-              <a:spcBef>
-                <a:spcPts val="800"/>
-              </a:spcBef>
-              <a:buNone/>
-            </a:pPr>
-            <a:endParaRPr lang="pt-PT" sz="1400" dirty="0">
-              <a:solidFill>
-                <a:schemeClr val="tx1"/>
-              </a:solidFill>
-            </a:endParaRPr>
-          </a:p>
-        </p:txBody>
-      </p:sp>
-      <p:pic>
-        <p:nvPicPr>
-          <p:cNvPr id="2050" name="Picture 2"/>
-          <p:cNvPicPr>
-            <a:picLocks noChangeAspect="1" noChangeArrowheads="1"/>
-          </p:cNvPicPr>
-          <p:nvPr/>
-        </p:nvPicPr>
-        <p:blipFill>
-          <a:blip r:embed="rId3" cstate="email">
-            <a:extLst>
-              <a:ext uri="{28A0092B-C50C-407E-A947-70E740481C1C}">
-                <a14:useLocalDpi xmlns:a14="http://schemas.microsoft.com/office/drawing/2010/main" val="0"/>
-              </a:ext>
-            </a:extLst>
-          </a:blip>
-          <a:srcRect/>
-          <a:stretch>
-            <a:fillRect/>
-          </a:stretch>
-        </p:blipFill>
-        <p:spPr bwMode="auto">
-          <a:xfrm>
-            <a:off x="498472" y="3823407"/>
-            <a:ext cx="3631399" cy="2723549"/>
-          </a:xfrm>
-          <a:prstGeom prst="rect">
-            <a:avLst/>
-          </a:prstGeom>
-          <a:noFill/>
-          <a:ln>
-            <a:noFill/>
-          </a:ln>
-          <a:extLst>
-            <a:ext uri="{909E8E84-426E-40DD-AFC4-6F175D3DCCD1}">
-              <a14:hiddenFill xmlns:a14="http://schemas.microsoft.com/office/drawing/2010/main">
-                <a:solidFill>
-                  <a:schemeClr val="accent1"/>
-                </a:solidFill>
-              </a14:hiddenFill>
-            </a:ext>
-            <a:ext uri="{91240B29-F687-4F45-9708-019B960494DF}">
-              <a14:hiddenLine xmlns:a14="http://schemas.microsoft.com/office/drawing/2010/main" w="9525">
-                <a:solidFill>
-                  <a:schemeClr val="tx1"/>
-                </a:solidFill>
-                <a:miter lim="800000"/>
-                <a:headEnd/>
-                <a:tailEnd/>
-              </a14:hiddenLine>
-            </a:ext>
-          </a:extLst>
-        </p:spPr>
-      </p:pic>
-      <p:pic>
-        <p:nvPicPr>
-          <p:cNvPr id="2052" name="Picture 4" descr="http://www.technologysphinx.com/wp-content/uploads/2014/03/Best-Video-Player-for-Windows-7_4.jpg"/>
-          <p:cNvPicPr>
-            <a:picLocks noChangeAspect="1" noChangeArrowheads="1"/>
-          </p:cNvPicPr>
-          <p:nvPr/>
-        </p:nvPicPr>
-        <p:blipFill rotWithShape="1">
-          <a:blip r:embed="rId4" cstate="email">
-            <a:extLst>
-              <a:ext uri="{28A0092B-C50C-407E-A947-70E740481C1C}">
-                <a14:useLocalDpi xmlns:a14="http://schemas.microsoft.com/office/drawing/2010/main" val="0"/>
-              </a:ext>
-            </a:extLst>
-          </a:blip>
-          <a:srcRect l="1883" t="12661" r="2022" b="3236"/>
-          <a:stretch/>
-        </p:blipFill>
-        <p:spPr bwMode="auto">
-          <a:xfrm>
-            <a:off x="4873451" y="3988967"/>
-            <a:ext cx="3587262" cy="2230964"/>
-          </a:xfrm>
-          <a:prstGeom prst="rect">
-            <a:avLst/>
-          </a:prstGeom>
-          <a:noFill/>
-          <a:extLst>
-            <a:ext uri="{909E8E84-426E-40DD-AFC4-6F175D3DCCD1}">
-              <a14:hiddenFill xmlns:a14="http://schemas.microsoft.com/office/drawing/2010/main">
-                <a:solidFill>
-                  <a:srgbClr val="FFFFFF"/>
-                </a:solidFill>
-              </a14:hiddenFill>
-            </a:ext>
-          </a:extLst>
-        </p:spPr>
-      </p:pic>
+          <a:lstStyle/>
+          <a:p>
+            <a:r>
+              <a:rPr lang="pt-PT" sz="2400" dirty="0" smtClean="0"/>
+              <a:t>Instruções </a:t>
+            </a:r>
+            <a:r>
+              <a:rPr lang="pt-PT" sz="2400" dirty="0"/>
+              <a:t>– </a:t>
+            </a:r>
+            <a:r>
+              <a:rPr lang="pt-PT" sz="2400" dirty="0" smtClean="0"/>
+              <a:t>Acções </a:t>
+            </a:r>
+            <a:r>
+              <a:rPr lang="pt-PT" sz="2400" dirty="0"/>
+              <a:t>como Inscrever, Efectuar pagamento , Iniciar </a:t>
+            </a:r>
+            <a:r>
+              <a:rPr lang="pt-PT" sz="2400" dirty="0" smtClean="0"/>
+              <a:t>sessão.</a:t>
+            </a:r>
+            <a:endParaRPr lang="en-US" sz="2400" dirty="0"/>
+          </a:p>
+          <a:p>
+            <a:r>
+              <a:rPr lang="pt-PT" sz="2400" dirty="0" smtClean="0"/>
+              <a:t>Diálogo </a:t>
+            </a:r>
+            <a:r>
+              <a:rPr lang="pt-PT" sz="2400" dirty="0"/>
+              <a:t>– </a:t>
+            </a:r>
+            <a:r>
+              <a:rPr lang="pt-PT" sz="2400" dirty="0" smtClean="0"/>
+              <a:t>Sistema </a:t>
+            </a:r>
+            <a:r>
+              <a:rPr lang="pt-PT" sz="2400" dirty="0"/>
+              <a:t>de pesquisa de </a:t>
+            </a:r>
+            <a:r>
+              <a:rPr lang="pt-PT" sz="2400" dirty="0" smtClean="0"/>
+              <a:t>cursos, que responde ao utilizador segundo o que for escrito por ele.</a:t>
+            </a:r>
+            <a:endParaRPr lang="en-US" sz="2400" dirty="0"/>
+          </a:p>
+          <a:p>
+            <a:r>
+              <a:rPr lang="pt-PT" sz="2400" dirty="0" smtClean="0"/>
+              <a:t>Manipulação </a:t>
+            </a:r>
+            <a:r>
+              <a:rPr lang="pt-PT" sz="2400" dirty="0"/>
+              <a:t>– </a:t>
+            </a:r>
+            <a:r>
+              <a:rPr lang="pt-PT" sz="2400" dirty="0" smtClean="0"/>
+              <a:t>Abrir </a:t>
+            </a:r>
+            <a:r>
+              <a:rPr lang="pt-PT" sz="2400" dirty="0"/>
+              <a:t>categorias para </a:t>
+            </a:r>
+            <a:r>
+              <a:rPr lang="pt-PT" sz="2400" dirty="0" smtClean="0"/>
+              <a:t>exibir </a:t>
+            </a:r>
+            <a:r>
+              <a:rPr lang="pt-PT" sz="2400" dirty="0"/>
+              <a:t>os </a:t>
+            </a:r>
+            <a:r>
+              <a:rPr lang="pt-PT" sz="2400" dirty="0" smtClean="0"/>
+              <a:t>conteúdos.</a:t>
+            </a:r>
+            <a:endParaRPr lang="en-US" sz="2400" dirty="0"/>
+          </a:p>
+          <a:p>
+            <a:r>
+              <a:rPr lang="pt-PT" sz="2400" dirty="0" smtClean="0"/>
+              <a:t>Explorar </a:t>
+            </a:r>
+            <a:r>
+              <a:rPr lang="pt-PT" sz="2400" dirty="0"/>
+              <a:t>– </a:t>
+            </a:r>
+            <a:r>
+              <a:rPr lang="pt-PT" sz="2400" dirty="0" smtClean="0"/>
+              <a:t>Navegação </a:t>
+            </a:r>
+            <a:r>
+              <a:rPr lang="pt-PT" sz="2400" dirty="0"/>
+              <a:t>pelas </a:t>
+            </a:r>
+            <a:r>
+              <a:rPr lang="pt-PT" sz="2400" dirty="0" smtClean="0"/>
+              <a:t>categorias </a:t>
+            </a:r>
+            <a:r>
+              <a:rPr lang="pt-PT" sz="2400" dirty="0"/>
+              <a:t>e </a:t>
+            </a:r>
+            <a:r>
+              <a:rPr lang="pt-PT" sz="2400" dirty="0" smtClean="0"/>
+              <a:t>cursos existentes, segundo critérios de pesquisa ou de entre os mais populares ou recentes.</a:t>
+            </a:r>
+            <a:endParaRPr lang="en-US" sz="2400" dirty="0"/>
+          </a:p>
+        </p:txBody>
+      </p:sp>
     </p:spTree>
     <p:extLst>
       <p:ext uri="{BB962C8B-B14F-4D97-AF65-F5344CB8AC3E}">
-        <p14:creationId xmlns:p14="http://schemas.microsoft.com/office/powerpoint/2010/main" val="898849414"/>
+        <p14:creationId xmlns:p14="http://schemas.microsoft.com/office/powerpoint/2010/main" val="4191556091"/>
       </p:ext>
     </p:extLst>
   </p:cSld>
@@ -10795,8 +10774,8 @@
         </p:nvSpPr>
         <p:spPr>
           <a:xfrm>
-            <a:off x="4643252" y="4862160"/>
-            <a:ext cx="4050332" cy="1448992"/>
+            <a:off x="4524198" y="4862160"/>
+            <a:ext cx="4169386" cy="1448992"/>
           </a:xfrm>
         </p:spPr>
         <p:txBody>
@@ -10807,7 +10786,7 @@
           <a:p>
             <a:r>
               <a:rPr lang="pt-PT" sz="3200" dirty="0" smtClean="0"/>
-              <a:t>Protótipo de Baixa Fidelidade</a:t>
+              <a:t>Metáforas elaboradas</a:t>
             </a:r>
             <a:endParaRPr lang="pt-PT" sz="3200" dirty="0"/>
           </a:p>
@@ -10833,12 +10812,13 @@
           <a:bodyPr/>
           <a:lstStyle/>
           <a:p>
-            <a:endParaRPr lang="pt-PT" sz="6000" dirty="0" smtClean="0"/>
-          </a:p>
-          <a:p>
             <a:r>
               <a:rPr lang="pt-PT" sz="6000" dirty="0" smtClean="0"/>
-              <a:t>Protótipo</a:t>
+              <a:t>Modelo </a:t>
+            </a:r>
+            <a:r>
+              <a:rPr lang="pt-PT" sz="6000" dirty="0" smtClean="0"/>
+              <a:t>Conceptual</a:t>
             </a:r>
             <a:endParaRPr lang="pt-PT" sz="6000" dirty="0"/>
           </a:p>
@@ -10894,7 +10874,7 @@
     </p:spTree>
     <p:extLst>
       <p:ext uri="{BB962C8B-B14F-4D97-AF65-F5344CB8AC3E}">
-        <p14:creationId xmlns:p14="http://schemas.microsoft.com/office/powerpoint/2010/main" val="1329523918"/>
+        <p14:creationId xmlns:p14="http://schemas.microsoft.com/office/powerpoint/2010/main" val="1399321310"/>
       </p:ext>
     </p:extLst>
   </p:cSld>
@@ -10945,11 +10925,7 @@
           <a:p>
             <a:r>
               <a:rPr lang="pt-PT" dirty="0" smtClean="0"/>
-              <a:t>Protótipo</a:t>
-            </a:r>
-            <a:r>
-              <a:rPr lang="pt-PT" dirty="0" smtClean="0"/>
-              <a:t>				</a:t>
+              <a:t>Metáfora 1				</a:t>
             </a:r>
             <a:r>
               <a:rPr lang="pt-PT" dirty="0"/>
@@ -10957,7 +10933,7 @@
             </a:r>
             <a:r>
               <a:rPr lang="pt-PT" dirty="0" smtClean="0"/>
-              <a:t>1/3</a:t>
+              <a:t>1/2</a:t>
             </a:r>
             <a:endParaRPr lang="pt-PT" dirty="0"/>
           </a:p>
@@ -11200,10 +11176,563 @@
             <a:pPr marL="0" indent="0">
               <a:buNone/>
             </a:pPr>
+            <a:r>
+              <a:rPr lang="pt-PT" sz="2400" dirty="0" smtClean="0">
+                <a:solidFill>
+                  <a:schemeClr val="bg1">
+                    <a:lumMod val="65000"/>
+                  </a:schemeClr>
+                </a:solidFill>
+                <a:latin typeface="+mj-lt"/>
+              </a:rPr>
+              <a:t>Supermercado </a:t>
+            </a:r>
             <a:endParaRPr lang="pt-PT" sz="2400" dirty="0">
+              <a:solidFill>
+                <a:schemeClr val="bg1">
+                  <a:lumMod val="65000"/>
+                </a:schemeClr>
+              </a:solidFill>
+              <a:latin typeface="+mj-lt"/>
+            </a:endParaRPr>
+          </a:p>
+        </p:txBody>
+      </p:sp>
+      <p:sp>
+        <p:nvSpPr>
+          <p:cNvPr id="9" name="Marcador de Posição de Conteúdo 2"/>
+          <p:cNvSpPr>
+            <a:spLocks noGrp="1"/>
+          </p:cNvSpPr>
+          <p:nvPr>
+            <p:ph idx="1"/>
+          </p:nvPr>
+        </p:nvSpPr>
+        <p:spPr>
+          <a:xfrm>
+            <a:off x="391596" y="1981200"/>
+            <a:ext cx="8194264" cy="4324597"/>
+          </a:xfrm>
+        </p:spPr>
+        <p:txBody>
+          <a:bodyPr>
+            <a:noAutofit/>
+          </a:bodyPr>
+          <a:lstStyle/>
+          <a:p>
+            <a:pPr>
+              <a:lnSpc>
+                <a:spcPct val="150000"/>
+              </a:lnSpc>
+              <a:spcBef>
+                <a:spcPts val="800"/>
+              </a:spcBef>
+            </a:pPr>
+            <a:r>
+              <a:rPr lang="pt-PT" sz="1600" dirty="0" smtClean="0">
+                <a:solidFill>
+                  <a:schemeClr val="tx1"/>
+                </a:solidFill>
+              </a:rPr>
+              <a:t>Organizado </a:t>
+            </a:r>
+            <a:r>
+              <a:rPr lang="pt-PT" sz="1600" dirty="0">
+                <a:solidFill>
+                  <a:schemeClr val="tx1"/>
+                </a:solidFill>
+              </a:rPr>
+              <a:t>por secções de </a:t>
+            </a:r>
+            <a:r>
+              <a:rPr lang="pt-PT" sz="1600" dirty="0" smtClean="0">
+                <a:solidFill>
+                  <a:schemeClr val="tx1"/>
+                </a:solidFill>
+              </a:rPr>
+              <a:t>produtos.</a:t>
+            </a:r>
+          </a:p>
+          <a:p>
+            <a:pPr>
+              <a:lnSpc>
+                <a:spcPct val="150000"/>
+              </a:lnSpc>
+              <a:spcBef>
+                <a:spcPts val="800"/>
+              </a:spcBef>
+            </a:pPr>
+            <a:r>
+              <a:rPr lang="pt-PT" sz="1600" dirty="0">
+                <a:solidFill>
+                  <a:schemeClr val="tx1"/>
+                </a:solidFill>
+              </a:rPr>
+              <a:t>Pode procurar-se um produto na secção que se pretende ou pedindo ajuda a uma assistente do supermercado. </a:t>
+            </a:r>
+            <a:r>
+              <a:rPr lang="pt-PT" sz="1600" dirty="0" smtClean="0">
+                <a:solidFill>
+                  <a:schemeClr val="tx1"/>
+                </a:solidFill>
+              </a:rPr>
+              <a:t/>
+            </a:r>
+            <a:br>
+              <a:rPr lang="pt-PT" sz="1600" dirty="0" smtClean="0">
+                <a:solidFill>
+                  <a:schemeClr val="tx1"/>
+                </a:solidFill>
+              </a:rPr>
+            </a:br>
+            <a:r>
+              <a:rPr lang="pt-PT" sz="1600" dirty="0" smtClean="0">
+                <a:solidFill>
+                  <a:schemeClr val="tx1"/>
+                </a:solidFill>
+              </a:rPr>
+              <a:t>Cada </a:t>
+            </a:r>
+            <a:r>
+              <a:rPr lang="pt-PT" sz="1600" dirty="0">
+                <a:solidFill>
+                  <a:schemeClr val="tx1"/>
+                </a:solidFill>
+              </a:rPr>
+              <a:t>produto </a:t>
+            </a:r>
+            <a:r>
+              <a:rPr lang="pt-PT" sz="1600" dirty="0" smtClean="0">
+                <a:solidFill>
+                  <a:schemeClr val="tx1"/>
+                </a:solidFill>
+              </a:rPr>
+              <a:t>pode ser </a:t>
+            </a:r>
+            <a:r>
+              <a:rPr lang="pt-PT" sz="1600" dirty="0">
+                <a:solidFill>
+                  <a:schemeClr val="tx1"/>
+                </a:solidFill>
+              </a:rPr>
+              <a:t>fabricado por várias marcas. Alguns são de marca branca, outros são mais caros, e pode haver uns que são oferta da </a:t>
+            </a:r>
+            <a:r>
+              <a:rPr lang="pt-PT" sz="1600" dirty="0" smtClean="0">
+                <a:solidFill>
+                  <a:schemeClr val="tx1"/>
+                </a:solidFill>
+              </a:rPr>
+              <a:t>casa.</a:t>
+            </a:r>
+          </a:p>
+          <a:p>
+            <a:pPr>
+              <a:lnSpc>
+                <a:spcPct val="150000"/>
+              </a:lnSpc>
+              <a:spcBef>
+                <a:spcPts val="800"/>
+              </a:spcBef>
+            </a:pPr>
+            <a:r>
+              <a:rPr lang="pt-PT" sz="1600" dirty="0" smtClean="0">
+                <a:solidFill>
+                  <a:schemeClr val="tx1"/>
+                </a:solidFill>
+              </a:rPr>
+              <a:t>Pode </a:t>
+            </a:r>
+            <a:r>
+              <a:rPr lang="pt-PT" sz="1600" dirty="0">
+                <a:solidFill>
+                  <a:schemeClr val="tx1"/>
+                </a:solidFill>
+              </a:rPr>
+              <a:t>achar-se o produto pior ou melhor. Os produtos mais populares são postos em estantes mais </a:t>
+            </a:r>
+            <a:r>
+              <a:rPr lang="pt-PT" sz="1600" dirty="0" smtClean="0">
+                <a:solidFill>
+                  <a:schemeClr val="tx1"/>
+                </a:solidFill>
+              </a:rPr>
+              <a:t>visíveis.</a:t>
+            </a:r>
+          </a:p>
+          <a:p>
+            <a:pPr>
+              <a:lnSpc>
+                <a:spcPct val="150000"/>
+              </a:lnSpc>
+              <a:spcBef>
+                <a:spcPts val="800"/>
+              </a:spcBef>
+            </a:pPr>
+            <a:r>
+              <a:rPr lang="pt-PT" sz="1600" dirty="0" smtClean="0">
+                <a:solidFill>
+                  <a:schemeClr val="tx1"/>
+                </a:solidFill>
+              </a:rPr>
+              <a:t>A </a:t>
+            </a:r>
+            <a:r>
+              <a:rPr lang="pt-PT" sz="1600" dirty="0">
+                <a:solidFill>
+                  <a:schemeClr val="tx1"/>
+                </a:solidFill>
+              </a:rPr>
+              <a:t>compra dos produtos é </a:t>
+            </a:r>
+            <a:r>
+              <a:rPr lang="pt-PT" sz="1600" dirty="0" smtClean="0">
+                <a:solidFill>
+                  <a:schemeClr val="tx1"/>
+                </a:solidFill>
+              </a:rPr>
+              <a:t>feita </a:t>
+            </a:r>
+            <a:r>
+              <a:rPr lang="pt-PT" sz="1600" dirty="0">
+                <a:solidFill>
+                  <a:schemeClr val="tx1"/>
+                </a:solidFill>
+              </a:rPr>
+              <a:t>nas caixas, onde se fornecem informações de pagamento.</a:t>
+            </a:r>
+            <a:endParaRPr lang="pt-PT" sz="1600" dirty="0">
               <a:solidFill>
                 <a:schemeClr val="tx1"/>
               </a:solidFill>
+              <a:ea typeface="Cambria" charset="0"/>
+              <a:cs typeface="Cambria" charset="0"/>
+            </a:endParaRPr>
+          </a:p>
+        </p:txBody>
+      </p:sp>
+    </p:spTree>
+    <p:extLst>
+      <p:ext uri="{BB962C8B-B14F-4D97-AF65-F5344CB8AC3E}">
+        <p14:creationId xmlns:p14="http://schemas.microsoft.com/office/powerpoint/2010/main" val="578702896"/>
+      </p:ext>
+    </p:extLst>
+  </p:cSld>
+  <p:clrMapOvr>
+    <a:masterClrMapping/>
+  </p:clrMapOvr>
+  <p:timing>
+    <p:tnLst>
+      <p:par>
+        <p:cTn id="1" dur="indefinite" restart="never" nodeType="tmRoot"/>
+      </p:par>
+    </p:tnLst>
+  </p:timing>
+</p:sld>
+</file>
+
+<file path=ppt/slides/slide8.xml><?xml version="1.0" encoding="utf-8"?>
+<p:sld xmlns:a="http://schemas.openxmlformats.org/drawingml/2006/main" xmlns:r="http://schemas.openxmlformats.org/officeDocument/2006/relationships" xmlns:p="http://schemas.openxmlformats.org/presentationml/2006/main">
+  <p:cSld>
+    <p:spTree>
+      <p:nvGrpSpPr>
+        <p:cNvPr id="1" name=""/>
+        <p:cNvGrpSpPr/>
+        <p:nvPr/>
+      </p:nvGrpSpPr>
+      <p:grpSpPr>
+        <a:xfrm>
+          <a:off x="0" y="0"/>
+          <a:ext cx="0" cy="0"/>
+          <a:chOff x="0" y="0"/>
+          <a:chExt cx="0" cy="0"/>
+        </a:xfrm>
+      </p:grpSpPr>
+      <p:sp>
+        <p:nvSpPr>
+          <p:cNvPr id="2" name="Title 1"/>
+          <p:cNvSpPr>
+            <a:spLocks noGrp="1"/>
+          </p:cNvSpPr>
+          <p:nvPr>
+            <p:ph type="title"/>
+          </p:nvPr>
+        </p:nvSpPr>
+        <p:spPr/>
+        <p:txBody>
+          <a:bodyPr/>
+          <a:lstStyle/>
+          <a:p>
+            <a:r>
+              <a:rPr lang="pt-PT" dirty="0" smtClean="0"/>
+              <a:t>Metáfora 2				</a:t>
+            </a:r>
+            <a:r>
+              <a:rPr lang="pt-PT" dirty="0"/>
+              <a:t>	</a:t>
+            </a:r>
+            <a:r>
+              <a:rPr lang="pt-PT" dirty="0" smtClean="0"/>
+              <a:t>2/2</a:t>
+            </a:r>
+            <a:endParaRPr lang="pt-PT" dirty="0"/>
+          </a:p>
+        </p:txBody>
+      </p:sp>
+      <p:sp>
+        <p:nvSpPr>
+          <p:cNvPr id="5" name="Subtitle 2"/>
+          <p:cNvSpPr txBox="1">
+            <a:spLocks/>
+          </p:cNvSpPr>
+          <p:nvPr/>
+        </p:nvSpPr>
+        <p:spPr>
+          <a:xfrm>
+            <a:off x="498473" y="1142999"/>
+            <a:ext cx="7556313" cy="838201"/>
+          </a:xfrm>
+          <a:prstGeom prst="rect">
+            <a:avLst/>
+          </a:prstGeom>
+        </p:spPr>
+        <p:txBody>
+          <a:bodyPr vert="horz" lIns="91440" tIns="45720" rIns="91440" bIns="45720" rtlCol="0">
+            <a:normAutofit/>
+          </a:bodyPr>
+          <a:lstStyle>
+            <a:lvl1pPr marL="228600" indent="-228600" algn="l" defTabSz="914400" rtl="0" eaLnBrk="1" latinLnBrk="0" hangingPunct="1">
+              <a:spcBef>
+                <a:spcPts val="2000"/>
+              </a:spcBef>
+              <a:buClr>
+                <a:schemeClr val="accent1"/>
+              </a:buClr>
+              <a:buSzPct val="75000"/>
+              <a:buFont typeface="Wingdings" pitchFamily="2" charset="2"/>
+              <a:buChar char="n"/>
+              <a:defRPr sz="2000" kern="1200">
+                <a:solidFill>
+                  <a:schemeClr val="tx1">
+                    <a:lumMod val="65000"/>
+                    <a:lumOff val="35000"/>
+                  </a:schemeClr>
+                </a:solidFill>
+                <a:latin typeface="+mn-lt"/>
+                <a:ea typeface="+mn-ea"/>
+                <a:cs typeface="+mn-cs"/>
+              </a:defRPr>
+            </a:lvl1pPr>
+            <a:lvl2pPr marL="457200" indent="-228600" algn="l" defTabSz="914400" rtl="0" eaLnBrk="1" latinLnBrk="0" hangingPunct="1">
+              <a:spcBef>
+                <a:spcPts val="600"/>
+              </a:spcBef>
+              <a:buClr>
+                <a:schemeClr val="accent1">
+                  <a:lumMod val="60000"/>
+                  <a:lumOff val="40000"/>
+                </a:schemeClr>
+              </a:buClr>
+              <a:buSzPct val="75000"/>
+              <a:buFont typeface="Wingdings" pitchFamily="2" charset="2"/>
+              <a:buChar char="n"/>
+              <a:defRPr sz="1800" kern="1200">
+                <a:solidFill>
+                  <a:schemeClr val="tx1">
+                    <a:lumMod val="65000"/>
+                    <a:lumOff val="35000"/>
+                  </a:schemeClr>
+                </a:solidFill>
+                <a:latin typeface="+mn-lt"/>
+                <a:ea typeface="+mn-ea"/>
+                <a:cs typeface="+mn-cs"/>
+              </a:defRPr>
+            </a:lvl2pPr>
+            <a:lvl3pPr marL="685800" indent="-228600" algn="l" defTabSz="914400" rtl="0" eaLnBrk="1" latinLnBrk="0" hangingPunct="1">
+              <a:spcBef>
+                <a:spcPts val="600"/>
+              </a:spcBef>
+              <a:buClr>
+                <a:schemeClr val="accent1"/>
+              </a:buClr>
+              <a:buSzPct val="75000"/>
+              <a:buFont typeface="Wingdings" pitchFamily="2" charset="2"/>
+              <a:buChar char="n"/>
+              <a:defRPr sz="1800" kern="1200">
+                <a:solidFill>
+                  <a:schemeClr val="tx1">
+                    <a:lumMod val="65000"/>
+                    <a:lumOff val="35000"/>
+                  </a:schemeClr>
+                </a:solidFill>
+                <a:latin typeface="+mn-lt"/>
+                <a:ea typeface="+mn-ea"/>
+                <a:cs typeface="+mn-cs"/>
+              </a:defRPr>
+            </a:lvl3pPr>
+            <a:lvl4pPr marL="914400" indent="-228600" algn="l" defTabSz="914400" rtl="0" eaLnBrk="1" latinLnBrk="0" hangingPunct="1">
+              <a:spcBef>
+                <a:spcPts val="600"/>
+              </a:spcBef>
+              <a:buClr>
+                <a:schemeClr val="accent1">
+                  <a:lumMod val="60000"/>
+                  <a:lumOff val="40000"/>
+                </a:schemeClr>
+              </a:buClr>
+              <a:buSzPct val="75000"/>
+              <a:buFont typeface="Wingdings" pitchFamily="2" charset="2"/>
+              <a:buChar char="n"/>
+              <a:defRPr sz="1800" kern="1200">
+                <a:solidFill>
+                  <a:schemeClr val="tx1">
+                    <a:lumMod val="65000"/>
+                    <a:lumOff val="35000"/>
+                  </a:schemeClr>
+                </a:solidFill>
+                <a:latin typeface="+mn-lt"/>
+                <a:ea typeface="+mn-ea"/>
+                <a:cs typeface="+mn-cs"/>
+              </a:defRPr>
+            </a:lvl4pPr>
+            <a:lvl5pPr marL="1143000" indent="-228600" algn="l" defTabSz="914400" rtl="0" eaLnBrk="1" latinLnBrk="0" hangingPunct="1">
+              <a:spcBef>
+                <a:spcPts val="600"/>
+              </a:spcBef>
+              <a:buClr>
+                <a:schemeClr val="accent1"/>
+              </a:buClr>
+              <a:buSzPct val="75000"/>
+              <a:buFont typeface="Wingdings" pitchFamily="2" charset="2"/>
+              <a:buChar char="n"/>
+              <a:defRPr sz="1800" kern="1200">
+                <a:solidFill>
+                  <a:schemeClr val="tx1">
+                    <a:lumMod val="65000"/>
+                    <a:lumOff val="35000"/>
+                  </a:schemeClr>
+                </a:solidFill>
+                <a:latin typeface="+mn-lt"/>
+                <a:ea typeface="+mn-ea"/>
+                <a:cs typeface="+mn-cs"/>
+              </a:defRPr>
+            </a:lvl5pPr>
+            <a:lvl6pPr marL="1377950" indent="-228600" algn="l" defTabSz="914400" rtl="0" eaLnBrk="1" latinLnBrk="0" hangingPunct="1">
+              <a:spcBef>
+                <a:spcPct val="20000"/>
+              </a:spcBef>
+              <a:buClr>
+                <a:schemeClr val="accent1">
+                  <a:lumMod val="60000"/>
+                  <a:lumOff val="40000"/>
+                </a:schemeClr>
+              </a:buClr>
+              <a:buSzPct val="75000"/>
+              <a:buFont typeface="Wingdings" pitchFamily="2" charset="2"/>
+              <a:buChar char=""/>
+              <a:defRPr lang="en-US" sz="1800" kern="1200" dirty="0" smtClean="0">
+                <a:solidFill>
+                  <a:schemeClr val="tx1">
+                    <a:lumMod val="65000"/>
+                    <a:lumOff val="35000"/>
+                  </a:schemeClr>
+                </a:solidFill>
+                <a:latin typeface="+mn-lt"/>
+                <a:ea typeface="+mn-ea"/>
+                <a:cs typeface="+mn-cs"/>
+              </a:defRPr>
+            </a:lvl6pPr>
+            <a:lvl7pPr marL="1603375" indent="-228600" algn="l" defTabSz="914400" rtl="0" eaLnBrk="1" latinLnBrk="0" hangingPunct="1">
+              <a:spcBef>
+                <a:spcPct val="20000"/>
+              </a:spcBef>
+              <a:buClr>
+                <a:schemeClr val="accent1"/>
+              </a:buClr>
+              <a:buSzPct val="75000"/>
+              <a:buFont typeface="Wingdings" pitchFamily="2" charset="2"/>
+              <a:buChar char=""/>
+              <a:defRPr lang="en-US" sz="1800" kern="1200" baseline="0" dirty="0" smtClean="0">
+                <a:solidFill>
+                  <a:schemeClr val="tx1">
+                    <a:lumMod val="65000"/>
+                    <a:lumOff val="35000"/>
+                  </a:schemeClr>
+                </a:solidFill>
+                <a:latin typeface="+mn-lt"/>
+                <a:ea typeface="+mn-ea"/>
+                <a:cs typeface="+mn-cs"/>
+              </a:defRPr>
+            </a:lvl7pPr>
+            <a:lvl8pPr marL="1830388" indent="-228600" algn="l" defTabSz="914400" rtl="0" eaLnBrk="1" latinLnBrk="0" hangingPunct="1">
+              <a:spcBef>
+                <a:spcPct val="20000"/>
+              </a:spcBef>
+              <a:buClr>
+                <a:schemeClr val="accent1">
+                  <a:lumMod val="60000"/>
+                  <a:lumOff val="40000"/>
+                </a:schemeClr>
+              </a:buClr>
+              <a:buSzPct val="75000"/>
+              <a:buFont typeface="Wingdings" pitchFamily="2" charset="2"/>
+              <a:buChar char=""/>
+              <a:defRPr lang="en-US" sz="1800" kern="1200" baseline="0" dirty="0" smtClean="0">
+                <a:solidFill>
+                  <a:schemeClr val="tx1">
+                    <a:lumMod val="65000"/>
+                    <a:lumOff val="35000"/>
+                  </a:schemeClr>
+                </a:solidFill>
+                <a:latin typeface="+mn-lt"/>
+                <a:ea typeface="+mn-ea"/>
+                <a:cs typeface="+mn-cs"/>
+              </a:defRPr>
+            </a:lvl8pPr>
+            <a:lvl9pPr marL="2057400" indent="-228600" algn="l" defTabSz="914400" rtl="0" eaLnBrk="1" latinLnBrk="0" hangingPunct="1">
+              <a:spcBef>
+                <a:spcPct val="20000"/>
+              </a:spcBef>
+              <a:buClr>
+                <a:schemeClr val="accent1"/>
+              </a:buClr>
+              <a:buSzPct val="75000"/>
+              <a:buFont typeface="Wingdings" pitchFamily="2" charset="2"/>
+              <a:buChar char=""/>
+              <a:defRPr lang="en-US" sz="1800" kern="1200" baseline="0" dirty="0">
+                <a:solidFill>
+                  <a:schemeClr val="tx1">
+                    <a:lumMod val="65000"/>
+                    <a:lumOff val="35000"/>
+                  </a:schemeClr>
+                </a:solidFill>
+                <a:latin typeface="+mn-lt"/>
+                <a:ea typeface="+mn-ea"/>
+                <a:cs typeface="+mn-cs"/>
+              </a:defRPr>
+            </a:lvl9pPr>
+          </a:lstStyle>
+          <a:p>
+            <a:pPr marL="0" indent="0">
+              <a:buNone/>
+            </a:pPr>
+            <a:r>
+              <a:rPr lang="pt-PT" sz="2400" dirty="0" smtClean="0">
+                <a:solidFill>
+                  <a:schemeClr val="bg1">
+                    <a:lumMod val="65000"/>
+                  </a:schemeClr>
+                </a:solidFill>
+                <a:latin typeface="+mj-lt"/>
+              </a:rPr>
+              <a:t>Aparelhagem de Som (Cassete)</a:t>
+            </a:r>
+            <a:endParaRPr lang="pt-PT" sz="2400" dirty="0">
+              <a:solidFill>
+                <a:schemeClr val="bg1">
+                  <a:lumMod val="65000"/>
+                </a:schemeClr>
+              </a:solidFill>
               <a:latin typeface="+mj-lt"/>
             </a:endParaRPr>
           </a:p>
@@ -11211,25 +11740,237 @@
       </p:sp>
       <p:sp>
         <p:nvSpPr>
-          <p:cNvPr id="9" name="Marcador de Posição de Conteúdo 2"/>
-          <p:cNvSpPr>
-            <a:spLocks noGrp="1"/>
-          </p:cNvSpPr>
-          <p:nvPr>
-            <p:ph idx="1"/>
-          </p:nvPr>
-        </p:nvSpPr>
-        <p:spPr>
-          <a:xfrm>
-            <a:off x="391596" y="1981200"/>
-            <a:ext cx="8194264" cy="4680857"/>
-          </a:xfrm>
-        </p:spPr>
-        <p:txBody>
-          <a:bodyPr>
+          <p:cNvPr id="6" name="Marcador de Posição de Conteúdo 2"/>
+          <p:cNvSpPr txBox="1">
+            <a:spLocks/>
+          </p:cNvSpPr>
+          <p:nvPr/>
+        </p:nvSpPr>
+        <p:spPr>
+          <a:xfrm>
+            <a:off x="3597309" y="1981200"/>
+            <a:ext cx="5095425" cy="4324597"/>
+          </a:xfrm>
+          <a:prstGeom prst="rect">
+            <a:avLst/>
+          </a:prstGeom>
+        </p:spPr>
+        <p:txBody>
+          <a:bodyPr vert="horz" lIns="91440" tIns="45720" rIns="91440" bIns="45720" rtlCol="0">
             <a:noAutofit/>
           </a:bodyPr>
-          <a:lstStyle/>
+          <a:lstStyle>
+            <a:lvl1pPr marL="228600" indent="-228600" algn="l" defTabSz="914400" rtl="0" eaLnBrk="1" latinLnBrk="0" hangingPunct="1">
+              <a:spcBef>
+                <a:spcPts val="2000"/>
+              </a:spcBef>
+              <a:buClr>
+                <a:schemeClr val="accent1"/>
+              </a:buClr>
+              <a:buSzPct val="75000"/>
+              <a:buFont typeface="Wingdings" pitchFamily="2" charset="2"/>
+              <a:buChar char="n"/>
+              <a:defRPr sz="2000" kern="1200">
+                <a:solidFill>
+                  <a:schemeClr val="tx1">
+                    <a:lumMod val="65000"/>
+                    <a:lumOff val="35000"/>
+                  </a:schemeClr>
+                </a:solidFill>
+                <a:latin typeface="+mn-lt"/>
+                <a:ea typeface="+mn-ea"/>
+                <a:cs typeface="+mn-cs"/>
+              </a:defRPr>
+            </a:lvl1pPr>
+            <a:lvl2pPr marL="457200" indent="-228600" algn="l" defTabSz="914400" rtl="0" eaLnBrk="1" latinLnBrk="0" hangingPunct="1">
+              <a:spcBef>
+                <a:spcPts val="600"/>
+              </a:spcBef>
+              <a:buClr>
+                <a:schemeClr val="accent1">
+                  <a:lumMod val="60000"/>
+                  <a:lumOff val="40000"/>
+                </a:schemeClr>
+              </a:buClr>
+              <a:buSzPct val="75000"/>
+              <a:buFont typeface="Wingdings" pitchFamily="2" charset="2"/>
+              <a:buChar char="n"/>
+              <a:defRPr sz="1800" kern="1200">
+                <a:solidFill>
+                  <a:schemeClr val="tx1">
+                    <a:lumMod val="65000"/>
+                    <a:lumOff val="35000"/>
+                  </a:schemeClr>
+                </a:solidFill>
+                <a:latin typeface="+mn-lt"/>
+                <a:ea typeface="+mn-ea"/>
+                <a:cs typeface="+mn-cs"/>
+              </a:defRPr>
+            </a:lvl2pPr>
+            <a:lvl3pPr marL="685800" indent="-228600" algn="l" defTabSz="914400" rtl="0" eaLnBrk="1" latinLnBrk="0" hangingPunct="1">
+              <a:spcBef>
+                <a:spcPts val="600"/>
+              </a:spcBef>
+              <a:buClr>
+                <a:schemeClr val="accent1"/>
+              </a:buClr>
+              <a:buSzPct val="75000"/>
+              <a:buFont typeface="Wingdings" pitchFamily="2" charset="2"/>
+              <a:buChar char="n"/>
+              <a:defRPr sz="1800" kern="1200">
+                <a:solidFill>
+                  <a:schemeClr val="tx1">
+                    <a:lumMod val="65000"/>
+                    <a:lumOff val="35000"/>
+                  </a:schemeClr>
+                </a:solidFill>
+                <a:latin typeface="+mn-lt"/>
+                <a:ea typeface="+mn-ea"/>
+                <a:cs typeface="+mn-cs"/>
+              </a:defRPr>
+            </a:lvl3pPr>
+            <a:lvl4pPr marL="914400" indent="-228600" algn="l" defTabSz="914400" rtl="0" eaLnBrk="1" latinLnBrk="0" hangingPunct="1">
+              <a:spcBef>
+                <a:spcPts val="600"/>
+              </a:spcBef>
+              <a:buClr>
+                <a:schemeClr val="accent1">
+                  <a:lumMod val="60000"/>
+                  <a:lumOff val="40000"/>
+                </a:schemeClr>
+              </a:buClr>
+              <a:buSzPct val="75000"/>
+              <a:buFont typeface="Wingdings" pitchFamily="2" charset="2"/>
+              <a:buChar char="n"/>
+              <a:defRPr sz="1800" kern="1200">
+                <a:solidFill>
+                  <a:schemeClr val="tx1">
+                    <a:lumMod val="65000"/>
+                    <a:lumOff val="35000"/>
+                  </a:schemeClr>
+                </a:solidFill>
+                <a:latin typeface="+mn-lt"/>
+                <a:ea typeface="+mn-ea"/>
+                <a:cs typeface="+mn-cs"/>
+              </a:defRPr>
+            </a:lvl4pPr>
+            <a:lvl5pPr marL="1143000" indent="-228600" algn="l" defTabSz="914400" rtl="0" eaLnBrk="1" latinLnBrk="0" hangingPunct="1">
+              <a:spcBef>
+                <a:spcPts val="600"/>
+              </a:spcBef>
+              <a:buClr>
+                <a:schemeClr val="accent1"/>
+              </a:buClr>
+              <a:buSzPct val="75000"/>
+              <a:buFont typeface="Wingdings" pitchFamily="2" charset="2"/>
+              <a:buChar char="n"/>
+              <a:defRPr sz="1800" kern="1200">
+                <a:solidFill>
+                  <a:schemeClr val="tx1">
+                    <a:lumMod val="65000"/>
+                    <a:lumOff val="35000"/>
+                  </a:schemeClr>
+                </a:solidFill>
+                <a:latin typeface="+mn-lt"/>
+                <a:ea typeface="+mn-ea"/>
+                <a:cs typeface="+mn-cs"/>
+              </a:defRPr>
+            </a:lvl5pPr>
+            <a:lvl6pPr marL="1377950" indent="-228600" algn="l" defTabSz="914400" rtl="0" eaLnBrk="1" latinLnBrk="0" hangingPunct="1">
+              <a:spcBef>
+                <a:spcPct val="20000"/>
+              </a:spcBef>
+              <a:buClr>
+                <a:schemeClr val="accent1">
+                  <a:lumMod val="60000"/>
+                  <a:lumOff val="40000"/>
+                </a:schemeClr>
+              </a:buClr>
+              <a:buSzPct val="75000"/>
+              <a:buFont typeface="Wingdings" pitchFamily="2" charset="2"/>
+              <a:buChar char=""/>
+              <a:defRPr lang="en-US" sz="1800" kern="1200" dirty="0" smtClean="0">
+                <a:solidFill>
+                  <a:schemeClr val="tx1">
+                    <a:lumMod val="65000"/>
+                    <a:lumOff val="35000"/>
+                  </a:schemeClr>
+                </a:solidFill>
+                <a:latin typeface="+mn-lt"/>
+                <a:ea typeface="+mn-ea"/>
+                <a:cs typeface="+mn-cs"/>
+              </a:defRPr>
+            </a:lvl6pPr>
+            <a:lvl7pPr marL="1603375" indent="-228600" algn="l" defTabSz="914400" rtl="0" eaLnBrk="1" latinLnBrk="0" hangingPunct="1">
+              <a:spcBef>
+                <a:spcPct val="20000"/>
+              </a:spcBef>
+              <a:buClr>
+                <a:schemeClr val="accent1"/>
+              </a:buClr>
+              <a:buSzPct val="75000"/>
+              <a:buFont typeface="Wingdings" pitchFamily="2" charset="2"/>
+              <a:buChar char=""/>
+              <a:defRPr lang="en-US" sz="1800" kern="1200" baseline="0" dirty="0" smtClean="0">
+                <a:solidFill>
+                  <a:schemeClr val="tx1">
+                    <a:lumMod val="65000"/>
+                    <a:lumOff val="35000"/>
+                  </a:schemeClr>
+                </a:solidFill>
+                <a:latin typeface="+mn-lt"/>
+                <a:ea typeface="+mn-ea"/>
+                <a:cs typeface="+mn-cs"/>
+              </a:defRPr>
+            </a:lvl7pPr>
+            <a:lvl8pPr marL="1830388" indent="-228600" algn="l" defTabSz="914400" rtl="0" eaLnBrk="1" latinLnBrk="0" hangingPunct="1">
+              <a:spcBef>
+                <a:spcPct val="20000"/>
+              </a:spcBef>
+              <a:buClr>
+                <a:schemeClr val="accent1">
+                  <a:lumMod val="60000"/>
+                  <a:lumOff val="40000"/>
+                </a:schemeClr>
+              </a:buClr>
+              <a:buSzPct val="75000"/>
+              <a:buFont typeface="Wingdings" pitchFamily="2" charset="2"/>
+              <a:buChar char=""/>
+              <a:defRPr lang="en-US" sz="1800" kern="1200" baseline="0" dirty="0" smtClean="0">
+                <a:solidFill>
+                  <a:schemeClr val="tx1">
+                    <a:lumMod val="65000"/>
+                    <a:lumOff val="35000"/>
+                  </a:schemeClr>
+                </a:solidFill>
+                <a:latin typeface="+mn-lt"/>
+                <a:ea typeface="+mn-ea"/>
+                <a:cs typeface="+mn-cs"/>
+              </a:defRPr>
+            </a:lvl8pPr>
+            <a:lvl9pPr marL="2057400" indent="-228600" algn="l" defTabSz="914400" rtl="0" eaLnBrk="1" latinLnBrk="0" hangingPunct="1">
+              <a:spcBef>
+                <a:spcPct val="20000"/>
+              </a:spcBef>
+              <a:buClr>
+                <a:schemeClr val="accent1"/>
+              </a:buClr>
+              <a:buSzPct val="75000"/>
+              <a:buFont typeface="Wingdings" pitchFamily="2" charset="2"/>
+              <a:buChar char=""/>
+              <a:defRPr lang="en-US" sz="1800" kern="1200" baseline="0" dirty="0">
+                <a:solidFill>
+                  <a:schemeClr val="tx1">
+                    <a:lumMod val="65000"/>
+                    <a:lumOff val="35000"/>
+                  </a:schemeClr>
+                </a:solidFill>
+                <a:latin typeface="+mn-lt"/>
+                <a:ea typeface="+mn-ea"/>
+                <a:cs typeface="+mn-cs"/>
+              </a:defRPr>
+            </a:lvl9pPr>
+          </a:lstStyle>
           <a:p>
             <a:pPr marL="0" indent="0">
               <a:lnSpc>
@@ -11240,14 +11981,318 @@
               </a:spcBef>
               <a:buNone/>
             </a:pPr>
-            <a:endParaRPr lang="pt-PT" sz="1400" dirty="0"/>
-          </a:p>
-        </p:txBody>
-      </p:sp>
+            <a:r>
+              <a:rPr lang="pt-PT" sz="1400" dirty="0">
+                <a:solidFill>
+                  <a:schemeClr val="tx1"/>
+                </a:solidFill>
+              </a:rPr>
+              <a:t>A interface dos vídeos funciona de forma semelhante à de um leitor de cassetes ou </a:t>
+            </a:r>
+            <a:r>
+              <a:rPr lang="pt-PT" sz="1400" dirty="0" err="1">
+                <a:solidFill>
+                  <a:schemeClr val="tx1"/>
+                </a:solidFill>
+              </a:rPr>
+              <a:t>CDs</a:t>
+            </a:r>
+            <a:r>
+              <a:rPr lang="pt-PT" sz="1400" dirty="0">
+                <a:solidFill>
+                  <a:schemeClr val="tx1"/>
+                </a:solidFill>
+              </a:rPr>
+              <a:t>, com os botões de “tocar” e regular o som. Adicionalmente, pode ver-se </a:t>
+            </a:r>
+            <a:r>
+              <a:rPr lang="pt-PT" sz="1400" dirty="0" smtClean="0">
+                <a:solidFill>
+                  <a:schemeClr val="tx1"/>
+                </a:solidFill>
+              </a:rPr>
+              <a:t>o </a:t>
+            </a:r>
+            <a:r>
+              <a:rPr lang="pt-PT" sz="1400" dirty="0">
+                <a:solidFill>
+                  <a:schemeClr val="tx1"/>
+                </a:solidFill>
+              </a:rPr>
+              <a:t>folheto que veio com a cassete/CD, para se recapitular a letra.</a:t>
+            </a:r>
+          </a:p>
+          <a:p>
+            <a:pPr marL="0" indent="0">
+              <a:lnSpc>
+                <a:spcPct val="150000"/>
+              </a:lnSpc>
+              <a:spcBef>
+                <a:spcPts val="800"/>
+              </a:spcBef>
+              <a:buNone/>
+            </a:pPr>
+            <a:endParaRPr lang="pt-PT" sz="1400" dirty="0">
+              <a:solidFill>
+                <a:schemeClr val="tx1"/>
+              </a:solidFill>
+            </a:endParaRPr>
+          </a:p>
+        </p:txBody>
+      </p:sp>
+      <p:pic>
+        <p:nvPicPr>
+          <p:cNvPr id="2052" name="Picture 4" descr="http://www.technologysphinx.com/wp-content/uploads/2014/03/Best-Video-Player-for-Windows-7_4.jpg"/>
+          <p:cNvPicPr>
+            <a:picLocks noChangeAspect="1" noChangeArrowheads="1"/>
+          </p:cNvPicPr>
+          <p:nvPr/>
+        </p:nvPicPr>
+        <p:blipFill rotWithShape="1">
+          <a:blip r:embed="rId3" cstate="email">
+            <a:extLst>
+              <a:ext uri="{28A0092B-C50C-407E-A947-70E740481C1C}">
+                <a14:useLocalDpi xmlns:a14="http://schemas.microsoft.com/office/drawing/2010/main" val="0"/>
+              </a:ext>
+            </a:extLst>
+          </a:blip>
+          <a:srcRect l="1883" t="12661" r="2022" b="3236"/>
+          <a:stretch/>
+        </p:blipFill>
+        <p:spPr bwMode="auto">
+          <a:xfrm>
+            <a:off x="4351390" y="3988967"/>
+            <a:ext cx="3587262" cy="2230964"/>
+          </a:xfrm>
+          <a:prstGeom prst="rect">
+            <a:avLst/>
+          </a:prstGeom>
+          <a:noFill/>
+          <a:extLst>
+            <a:ext uri="{909E8E84-426E-40DD-AFC4-6F175D3DCCD1}">
+              <a14:hiddenFill xmlns:a14="http://schemas.microsoft.com/office/drawing/2010/main">
+                <a:solidFill>
+                  <a:srgbClr val="FFFFFF"/>
+                </a:solidFill>
+              </a14:hiddenFill>
+            </a:ext>
+          </a:extLst>
+        </p:spPr>
+      </p:pic>
+      <p:pic>
+        <p:nvPicPr>
+          <p:cNvPr id="2051" name="Picture 3"/>
+          <p:cNvPicPr>
+            <a:picLocks noChangeAspect="1" noChangeArrowheads="1"/>
+          </p:cNvPicPr>
+          <p:nvPr/>
+        </p:nvPicPr>
+        <p:blipFill>
+          <a:blip r:embed="rId4" cstate="email">
+            <a:extLst>
+              <a:ext uri="{28A0092B-C50C-407E-A947-70E740481C1C}">
+                <a14:useLocalDpi xmlns:a14="http://schemas.microsoft.com/office/drawing/2010/main" val="0"/>
+              </a:ext>
+            </a:extLst>
+          </a:blip>
+          <a:srcRect/>
+          <a:stretch>
+            <a:fillRect/>
+          </a:stretch>
+        </p:blipFill>
+        <p:spPr bwMode="auto">
+          <a:xfrm>
+            <a:off x="498474" y="2350315"/>
+            <a:ext cx="2856035" cy="3955482"/>
+          </a:xfrm>
+          <a:prstGeom prst="rect">
+            <a:avLst/>
+          </a:prstGeom>
+          <a:noFill/>
+          <a:ln>
+            <a:noFill/>
+          </a:ln>
+          <a:effectLst/>
+          <a:extLst>
+            <a:ext uri="{909E8E84-426E-40DD-AFC4-6F175D3DCCD1}">
+              <a14:hiddenFill xmlns:a14="http://schemas.microsoft.com/office/drawing/2010/main">
+                <a:solidFill>
+                  <a:schemeClr val="accent1"/>
+                </a:solidFill>
+              </a14:hiddenFill>
+            </a:ext>
+            <a:ext uri="{91240B29-F687-4F45-9708-019B960494DF}">
+              <a14:hiddenLine xmlns:a14="http://schemas.microsoft.com/office/drawing/2010/main" w="9525">
+                <a:solidFill>
+                  <a:schemeClr val="tx1"/>
+                </a:solidFill>
+                <a:miter lim="800000"/>
+                <a:headEnd/>
+                <a:tailEnd/>
+              </a14:hiddenLine>
+            </a:ext>
+            <a:ext uri="{AF507438-7753-43E0-B8FC-AC1667EBCBE1}">
+              <a14:hiddenEffects xmlns:a14="http://schemas.microsoft.com/office/drawing/2010/main">
+                <a:effectLst>
+                  <a:outerShdw dist="35921" dir="2700000" algn="ctr" rotWithShape="0">
+                    <a:schemeClr val="bg2"/>
+                  </a:outerShdw>
+                </a:effectLst>
+              </a14:hiddenEffects>
+            </a:ext>
+          </a:extLst>
+        </p:spPr>
+      </p:pic>
     </p:spTree>
     <p:extLst>
       <p:ext uri="{BB962C8B-B14F-4D97-AF65-F5344CB8AC3E}">
-        <p14:creationId xmlns:p14="http://schemas.microsoft.com/office/powerpoint/2010/main" val="1332358789"/>
+        <p14:creationId xmlns:p14="http://schemas.microsoft.com/office/powerpoint/2010/main" val="898849414"/>
+      </p:ext>
+    </p:extLst>
+  </p:cSld>
+  <p:clrMapOvr>
+    <a:masterClrMapping/>
+  </p:clrMapOvr>
+  <p:timing>
+    <p:tnLst>
+      <p:par>
+        <p:cTn id="1" dur="indefinite" restart="never" nodeType="tmRoot"/>
+      </p:par>
+    </p:tnLst>
+  </p:timing>
+</p:sld>
+</file>
+
+<file path=ppt/slides/slide9.xml><?xml version="1.0" encoding="utf-8"?>
+<p:sld xmlns:a="http://schemas.openxmlformats.org/drawingml/2006/main" xmlns:r="http://schemas.openxmlformats.org/officeDocument/2006/relationships" xmlns:p="http://schemas.openxmlformats.org/presentationml/2006/main">
+  <p:cSld>
+    <p:spTree>
+      <p:nvGrpSpPr>
+        <p:cNvPr id="1" name=""/>
+        <p:cNvGrpSpPr/>
+        <p:nvPr/>
+      </p:nvGrpSpPr>
+      <p:grpSpPr>
+        <a:xfrm>
+          <a:off x="0" y="0"/>
+          <a:ext cx="0" cy="0"/>
+          <a:chOff x="0" y="0"/>
+          <a:chExt cx="0" cy="0"/>
+        </a:xfrm>
+      </p:grpSpPr>
+      <p:sp>
+        <p:nvSpPr>
+          <p:cNvPr id="2" name="Título 1"/>
+          <p:cNvSpPr>
+            <a:spLocks noGrp="1"/>
+          </p:cNvSpPr>
+          <p:nvPr>
+            <p:ph type="ctrTitle"/>
+          </p:nvPr>
+        </p:nvSpPr>
+        <p:spPr>
+          <a:xfrm>
+            <a:off x="4643252" y="4862160"/>
+            <a:ext cx="4050332" cy="1448992"/>
+          </a:xfrm>
+        </p:spPr>
+        <p:txBody>
+          <a:bodyPr>
+            <a:noAutofit/>
+          </a:bodyPr>
+          <a:lstStyle/>
+          <a:p>
+            <a:r>
+              <a:rPr lang="pt-PT" sz="3200" dirty="0" smtClean="0"/>
+              <a:t>Alguns ecrãs</a:t>
+            </a:r>
+            <a:endParaRPr lang="pt-PT" sz="3200" dirty="0"/>
+          </a:p>
+        </p:txBody>
+      </p:sp>
+      <p:sp>
+        <p:nvSpPr>
+          <p:cNvPr id="6" name="Marcador de Posição do Texto 5"/>
+          <p:cNvSpPr>
+            <a:spLocks noGrp="1"/>
+          </p:cNvSpPr>
+          <p:nvPr>
+            <p:ph type="body" sz="half" idx="2"/>
+          </p:nvPr>
+        </p:nvSpPr>
+        <p:spPr>
+          <a:xfrm>
+            <a:off x="325177" y="778476"/>
+            <a:ext cx="4199021" cy="2557874"/>
+          </a:xfrm>
+        </p:spPr>
+        <p:txBody>
+          <a:bodyPr/>
+          <a:lstStyle/>
+          <a:p>
+            <a:r>
+              <a:rPr lang="pt-PT" sz="6000" dirty="0" smtClean="0"/>
+              <a:t>Protótipo de baixa</a:t>
+            </a:r>
+            <a:r>
+              <a:rPr lang="pt-PT" sz="6000" dirty="0" smtClean="0"/>
+              <a:t> fidelidade</a:t>
+            </a:r>
+            <a:endParaRPr lang="pt-PT" sz="6000" dirty="0" smtClean="0"/>
+          </a:p>
+        </p:txBody>
+      </p:sp>
+      <p:pic>
+        <p:nvPicPr>
+          <p:cNvPr id="8" name="Imagem 7"/>
+          <p:cNvPicPr>
+            <a:picLocks noChangeAspect="1"/>
+          </p:cNvPicPr>
+          <p:nvPr/>
+        </p:nvPicPr>
+        <p:blipFill>
+          <a:blip r:embed="rId2"/>
+          <a:stretch>
+            <a:fillRect/>
+          </a:stretch>
+        </p:blipFill>
+        <p:spPr>
+          <a:xfrm>
+            <a:off x="6789243" y="2378242"/>
+            <a:ext cx="2081624" cy="2081624"/>
+          </a:xfrm>
+          <a:prstGeom prst="rect">
+            <a:avLst/>
+          </a:prstGeom>
+        </p:spPr>
+      </p:pic>
+      <p:pic>
+        <p:nvPicPr>
+          <p:cNvPr id="11" name="Imagem 10"/>
+          <p:cNvPicPr>
+            <a:picLocks noChangeAspect="1"/>
+          </p:cNvPicPr>
+          <p:nvPr/>
+        </p:nvPicPr>
+        <p:blipFill rotWithShape="1">
+          <a:blip r:embed="rId3"/>
+          <a:srcRect l="6966"/>
+          <a:stretch/>
+        </p:blipFill>
+        <p:spPr>
+          <a:xfrm>
+            <a:off x="4643252" y="360218"/>
+            <a:ext cx="2045853" cy="1896094"/>
+          </a:xfrm>
+          <a:prstGeom prst="rect">
+            <a:avLst/>
+          </a:prstGeom>
+        </p:spPr>
+      </p:pic>
+    </p:spTree>
+    <p:extLst>
+      <p:ext uri="{BB962C8B-B14F-4D97-AF65-F5344CB8AC3E}">
+        <p14:creationId xmlns:p14="http://schemas.microsoft.com/office/powerpoint/2010/main" val="1329523918"/>
       </p:ext>
     </p:extLst>
   </p:cSld>
@@ -11785,7 +12830,7 @@
   <a:extraClrSchemeLst/>
   <a:extLst>
     <a:ext uri="{05A4C25C-085E-4340-85A3-A5531E510DB2}">
-      <thm15:themeFamily xmlns:thm15="http://schemas.microsoft.com/office/thememl/2012/main" xmlns="" name="Office Theme" id="{62F939B6-93AF-4DB8-9C6B-D6C7DFDC589F}" vid="{4A3C46E8-61CC-4603-A589-7422A47A8E4A}"/>
+      <thm15:themeFamily xmlns="" xmlns:thm15="http://schemas.microsoft.com/office/thememl/2012/main" name="Office Theme" id="{62F939B6-93AF-4DB8-9C6B-D6C7DFDC589F}" vid="{4A3C46E8-61CC-4603-A589-7422A47A8E4A}"/>
     </a:ext>
   </a:extLst>
 </a:theme>

--- a/Aula 06/G10 - Apresentacao - Lab05.pptx
+++ b/Aula 06/G10 - Apresentacao - Lab05.pptx
@@ -5,7 +5,7 @@
     <p:sldMasterId id="2147483660" r:id="rId1"/>
   </p:sldMasterIdLst>
   <p:notesMasterIdLst>
-    <p:notesMasterId r:id="rId15"/>
+    <p:notesMasterId r:id="rId16"/>
   </p:notesMasterIdLst>
   <p:sldIdLst>
     <p:sldId id="256" r:id="rId2"/>
@@ -21,6 +21,7 @@
     <p:sldId id="275" r:id="rId12"/>
     <p:sldId id="276" r:id="rId13"/>
     <p:sldId id="277" r:id="rId14"/>
+    <p:sldId id="278" r:id="rId15"/>
   </p:sldIdLst>
   <p:sldSz cx="9144000" cy="6858000" type="screen4x3"/>
   <p:notesSz cx="6858000" cy="9144000"/>
@@ -121,7 +122,7 @@
   </p:defaultTextStyle>
   <p:extLst>
     <p:ext uri="{EFAFB233-063F-42B5-8137-9DF3F51BA10A}">
-      <p15:sldGuideLst xmlns="" xmlns:p15="http://schemas.microsoft.com/office/powerpoint/2012/main">
+      <p15:sldGuideLst xmlns:p15="http://schemas.microsoft.com/office/powerpoint/2012/main" xmlns="">
         <p15:guide id="1" orient="horz" pos="2160">
           <p15:clr>
             <a:srgbClr val="A4A3A4"/>
@@ -9150,12 +9151,61 @@
             </a:r>
             <a:r>
               <a:rPr lang="pt-PT" dirty="0" smtClean="0"/>
-              <a:t>ecrãs					1/4</a:t>
+              <a:t>ecrãs				</a:t>
+            </a:r>
+            <a:r>
+              <a:rPr lang="pt-PT" smtClean="0"/>
+              <a:t>	</a:t>
+            </a:r>
+            <a:r>
+              <a:rPr lang="pt-PT" smtClean="0"/>
+              <a:t>1/5</a:t>
             </a:r>
             <a:endParaRPr lang="pt-PT" dirty="0"/>
           </a:p>
         </p:txBody>
       </p:sp>
+      <p:pic>
+        <p:nvPicPr>
+          <p:cNvPr id="1026" name="Picture 2" descr="C:\Users\Admin\Documents\GitHub\C_C_U-2015-10\Aula 06\Prototipo\ecra inicial.png"/>
+          <p:cNvPicPr>
+            <a:picLocks noChangeAspect="1" noChangeArrowheads="1"/>
+          </p:cNvPicPr>
+          <p:nvPr/>
+        </p:nvPicPr>
+        <p:blipFill>
+          <a:blip r:embed="rId2" cstate="email">
+            <a:extLst>
+              <a:ext uri="{28A0092B-C50C-407E-A947-70E740481C1C}">
+                <a14:useLocalDpi xmlns:a14="http://schemas.microsoft.com/office/drawing/2010/main" val="0"/>
+              </a:ext>
+            </a:extLst>
+          </a:blip>
+          <a:srcRect/>
+          <a:stretch>
+            <a:fillRect/>
+          </a:stretch>
+        </p:blipFill>
+        <p:spPr bwMode="auto">
+          <a:xfrm>
+            <a:off x="1750989" y="1140145"/>
+            <a:ext cx="5493872" cy="5628616"/>
+          </a:xfrm>
+          <a:prstGeom prst="rect">
+            <a:avLst/>
+          </a:prstGeom>
+          <a:noFill/>
+          <a:extLst>
+            <a:ext uri="{909E8E84-426E-40DD-AFC4-6F175D3DCCD1}">
+              <a14:hiddenFill xmlns:a14="http://schemas.microsoft.com/office/drawing/2010/main">
+                <a:solidFill>
+                  <a:srgbClr val="FFFFFF"/>
+                </a:solidFill>
+              </a14:hiddenFill>
+            </a:ext>
+          </a:extLst>
+        </p:spPr>
+      </p:pic>
     </p:spTree>
     <p:extLst>
       <p:ext uri="{BB962C8B-B14F-4D97-AF65-F5344CB8AC3E}">
@@ -9214,12 +9264,57 @@
             </a:r>
             <a:r>
               <a:rPr lang="pt-PT" dirty="0" smtClean="0"/>
-              <a:t>ecrãs					2/4</a:t>
+              <a:t>ecrãs					</a:t>
+            </a:r>
+            <a:r>
+              <a:rPr lang="pt-PT" dirty="0" smtClean="0"/>
+              <a:t>2/5</a:t>
             </a:r>
             <a:endParaRPr lang="pt-PT" dirty="0"/>
           </a:p>
         </p:txBody>
       </p:sp>
+      <p:pic>
+        <p:nvPicPr>
+          <p:cNvPr id="2050" name="Picture 2" descr="C:\Users\Admin\Documents\GitHub\C_C_U-2015-10\Aula 06\Prototipo\Todos os cursos.png"/>
+          <p:cNvPicPr>
+            <a:picLocks noChangeAspect="1" noChangeArrowheads="1"/>
+          </p:cNvPicPr>
+          <p:nvPr/>
+        </p:nvPicPr>
+        <p:blipFill>
+          <a:blip r:embed="rId2" cstate="email">
+            <a:extLst>
+              <a:ext uri="{28A0092B-C50C-407E-A947-70E740481C1C}">
+                <a14:useLocalDpi xmlns:a14="http://schemas.microsoft.com/office/drawing/2010/main" val="0"/>
+              </a:ext>
+            </a:extLst>
+          </a:blip>
+          <a:srcRect/>
+          <a:stretch>
+            <a:fillRect/>
+          </a:stretch>
+        </p:blipFill>
+        <p:spPr bwMode="auto">
+          <a:xfrm>
+            <a:off x="1768509" y="1155560"/>
+            <a:ext cx="5389456" cy="6963904"/>
+          </a:xfrm>
+          <a:prstGeom prst="rect">
+            <a:avLst/>
+          </a:prstGeom>
+          <a:noFill/>
+          <a:extLst>
+            <a:ext uri="{909E8E84-426E-40DD-AFC4-6F175D3DCCD1}">
+              <a14:hiddenFill xmlns:a14="http://schemas.microsoft.com/office/drawing/2010/main">
+                <a:solidFill>
+                  <a:srgbClr val="FFFFFF"/>
+                </a:solidFill>
+              </a14:hiddenFill>
+            </a:ext>
+          </a:extLst>
+        </p:spPr>
+      </p:pic>
     </p:spTree>
     <p:extLst>
       <p:ext uri="{BB962C8B-B14F-4D97-AF65-F5344CB8AC3E}">
@@ -9278,12 +9373,57 @@
             </a:r>
             <a:r>
               <a:rPr lang="pt-PT" dirty="0" smtClean="0"/>
-              <a:t>ecrãs					3/4</a:t>
+              <a:t>ecrãs					</a:t>
+            </a:r>
+            <a:r>
+              <a:rPr lang="pt-PT" dirty="0" smtClean="0"/>
+              <a:t>3/5</a:t>
             </a:r>
             <a:endParaRPr lang="pt-PT" dirty="0"/>
           </a:p>
         </p:txBody>
       </p:sp>
+      <p:pic>
+        <p:nvPicPr>
+          <p:cNvPr id="3074" name="Picture 2" descr="C:\Users\Admin\Documents\GitHub\C_C_U-2015-10\Aula 06\Prototipo\Página Curso de Agricultura - Iniciantes.png"/>
+          <p:cNvPicPr>
+            <a:picLocks noChangeAspect="1" noChangeArrowheads="1"/>
+          </p:cNvPicPr>
+          <p:nvPr/>
+        </p:nvPicPr>
+        <p:blipFill>
+          <a:blip r:embed="rId2" cstate="email">
+            <a:extLst>
+              <a:ext uri="{28A0092B-C50C-407E-A947-70E740481C1C}">
+                <a14:useLocalDpi xmlns:a14="http://schemas.microsoft.com/office/drawing/2010/main" val="0"/>
+              </a:ext>
+            </a:extLst>
+          </a:blip>
+          <a:srcRect/>
+          <a:stretch>
+            <a:fillRect/>
+          </a:stretch>
+        </p:blipFill>
+        <p:spPr bwMode="auto">
+          <a:xfrm>
+            <a:off x="1858946" y="1225671"/>
+            <a:ext cx="5403500" cy="6385955"/>
+          </a:xfrm>
+          <a:prstGeom prst="rect">
+            <a:avLst/>
+          </a:prstGeom>
+          <a:noFill/>
+          <a:extLst>
+            <a:ext uri="{909E8E84-426E-40DD-AFC4-6F175D3DCCD1}">
+              <a14:hiddenFill xmlns:a14="http://schemas.microsoft.com/office/drawing/2010/main">
+                <a:solidFill>
+                  <a:srgbClr val="FFFFFF"/>
+                </a:solidFill>
+              </a14:hiddenFill>
+            </a:ext>
+          </a:extLst>
+        </p:spPr>
+      </p:pic>
     </p:spTree>
     <p:extLst>
       <p:ext uri="{BB962C8B-B14F-4D97-AF65-F5344CB8AC3E}">
@@ -9342,7 +9482,11 @@
             </a:r>
             <a:r>
               <a:rPr lang="pt-PT" dirty="0" smtClean="0"/>
-              <a:t>ecrãs					4/4</a:t>
+              <a:t>ecrãs					</a:t>
+            </a:r>
+            <a:r>
+              <a:rPr lang="pt-PT" dirty="0" smtClean="0"/>
+              <a:t>4/5</a:t>
             </a:r>
             <a:endParaRPr lang="pt-PT" dirty="0"/>
           </a:p>
@@ -9597,7 +9741,7 @@
                   <a:schemeClr val="tx1"/>
                 </a:solidFill>
               </a:rPr>
-              <a:t>Ver ecrãs restantes na nossa página do grupo</a:t>
+              <a:t>Conclusões</a:t>
             </a:r>
             <a:endParaRPr lang="pt-PT" sz="2800" dirty="0">
               <a:solidFill>
@@ -9627,6 +9771,349 @@
     <p:extLst>
       <p:ext uri="{BB962C8B-B14F-4D97-AF65-F5344CB8AC3E}">
         <p14:creationId xmlns:p14="http://schemas.microsoft.com/office/powerpoint/2010/main" val="761073413"/>
+      </p:ext>
+    </p:extLst>
+  </p:cSld>
+  <p:clrMapOvr>
+    <a:masterClrMapping/>
+  </p:clrMapOvr>
+  <p:timing>
+    <p:tnLst>
+      <p:par>
+        <p:cTn id="1" dur="indefinite" restart="never" nodeType="tmRoot"/>
+      </p:par>
+    </p:tnLst>
+  </p:timing>
+</p:sld>
+</file>
+
+<file path=ppt/slides/slide14.xml><?xml version="1.0" encoding="utf-8"?>
+<p:sld xmlns:a="http://schemas.openxmlformats.org/drawingml/2006/main" xmlns:r="http://schemas.openxmlformats.org/officeDocument/2006/relationships" xmlns:p="http://schemas.openxmlformats.org/presentationml/2006/main">
+  <p:cSld>
+    <p:spTree>
+      <p:nvGrpSpPr>
+        <p:cNvPr id="1" name=""/>
+        <p:cNvGrpSpPr/>
+        <p:nvPr/>
+      </p:nvGrpSpPr>
+      <p:grpSpPr>
+        <a:xfrm>
+          <a:off x="0" y="0"/>
+          <a:ext cx="0" cy="0"/>
+          <a:chOff x="0" y="0"/>
+          <a:chExt cx="0" cy="0"/>
+        </a:xfrm>
+      </p:grpSpPr>
+      <p:sp>
+        <p:nvSpPr>
+          <p:cNvPr id="2" name="Title 1"/>
+          <p:cNvSpPr>
+            <a:spLocks noGrp="1"/>
+          </p:cNvSpPr>
+          <p:nvPr>
+            <p:ph type="title"/>
+          </p:nvPr>
+        </p:nvSpPr>
+        <p:spPr/>
+        <p:txBody>
+          <a:bodyPr/>
+          <a:lstStyle/>
+          <a:p>
+            <a:r>
+              <a:rPr lang="pt-PT" dirty="0"/>
+              <a:t>Alguns </a:t>
+            </a:r>
+            <a:r>
+              <a:rPr lang="pt-PT" dirty="0" smtClean="0"/>
+              <a:t>ecrãs					</a:t>
+            </a:r>
+            <a:r>
+              <a:rPr lang="pt-PT" dirty="0" smtClean="0"/>
+              <a:t>5/5</a:t>
+            </a:r>
+            <a:endParaRPr lang="pt-PT" dirty="0"/>
+          </a:p>
+        </p:txBody>
+      </p:sp>
+      <p:sp>
+        <p:nvSpPr>
+          <p:cNvPr id="3" name="Marcador de Posição de Conteúdo 2"/>
+          <p:cNvSpPr txBox="1">
+            <a:spLocks/>
+          </p:cNvSpPr>
+          <p:nvPr/>
+        </p:nvSpPr>
+        <p:spPr>
+          <a:xfrm>
+            <a:off x="498475" y="1981200"/>
+            <a:ext cx="8194260" cy="4324597"/>
+          </a:xfrm>
+          <a:prstGeom prst="rect">
+            <a:avLst/>
+          </a:prstGeom>
+        </p:spPr>
+        <p:txBody>
+          <a:bodyPr vert="horz" lIns="91440" tIns="45720" rIns="91440" bIns="45720" rtlCol="0">
+            <a:noAutofit/>
+          </a:bodyPr>
+          <a:lstStyle>
+            <a:lvl1pPr marL="228600" indent="-228600" algn="l" defTabSz="914400" rtl="0" eaLnBrk="1" latinLnBrk="0" hangingPunct="1">
+              <a:spcBef>
+                <a:spcPts val="2000"/>
+              </a:spcBef>
+              <a:buClr>
+                <a:schemeClr val="accent1"/>
+              </a:buClr>
+              <a:buSzPct val="75000"/>
+              <a:buFont typeface="Wingdings" pitchFamily="2" charset="2"/>
+              <a:buChar char="n"/>
+              <a:defRPr sz="2000" kern="1200">
+                <a:solidFill>
+                  <a:schemeClr val="tx1">
+                    <a:lumMod val="65000"/>
+                    <a:lumOff val="35000"/>
+                  </a:schemeClr>
+                </a:solidFill>
+                <a:latin typeface="+mn-lt"/>
+                <a:ea typeface="+mn-ea"/>
+                <a:cs typeface="+mn-cs"/>
+              </a:defRPr>
+            </a:lvl1pPr>
+            <a:lvl2pPr marL="457200" indent="-228600" algn="l" defTabSz="914400" rtl="0" eaLnBrk="1" latinLnBrk="0" hangingPunct="1">
+              <a:spcBef>
+                <a:spcPts val="600"/>
+              </a:spcBef>
+              <a:buClr>
+                <a:schemeClr val="accent1">
+                  <a:lumMod val="60000"/>
+                  <a:lumOff val="40000"/>
+                </a:schemeClr>
+              </a:buClr>
+              <a:buSzPct val="75000"/>
+              <a:buFont typeface="Wingdings" pitchFamily="2" charset="2"/>
+              <a:buChar char="n"/>
+              <a:defRPr sz="1800" kern="1200">
+                <a:solidFill>
+                  <a:schemeClr val="tx1">
+                    <a:lumMod val="65000"/>
+                    <a:lumOff val="35000"/>
+                  </a:schemeClr>
+                </a:solidFill>
+                <a:latin typeface="+mn-lt"/>
+                <a:ea typeface="+mn-ea"/>
+                <a:cs typeface="+mn-cs"/>
+              </a:defRPr>
+            </a:lvl2pPr>
+            <a:lvl3pPr marL="685800" indent="-228600" algn="l" defTabSz="914400" rtl="0" eaLnBrk="1" latinLnBrk="0" hangingPunct="1">
+              <a:spcBef>
+                <a:spcPts val="600"/>
+              </a:spcBef>
+              <a:buClr>
+                <a:schemeClr val="accent1"/>
+              </a:buClr>
+              <a:buSzPct val="75000"/>
+              <a:buFont typeface="Wingdings" pitchFamily="2" charset="2"/>
+              <a:buChar char="n"/>
+              <a:defRPr sz="1800" kern="1200">
+                <a:solidFill>
+                  <a:schemeClr val="tx1">
+                    <a:lumMod val="65000"/>
+                    <a:lumOff val="35000"/>
+                  </a:schemeClr>
+                </a:solidFill>
+                <a:latin typeface="+mn-lt"/>
+                <a:ea typeface="+mn-ea"/>
+                <a:cs typeface="+mn-cs"/>
+              </a:defRPr>
+            </a:lvl3pPr>
+            <a:lvl4pPr marL="914400" indent="-228600" algn="l" defTabSz="914400" rtl="0" eaLnBrk="1" latinLnBrk="0" hangingPunct="1">
+              <a:spcBef>
+                <a:spcPts val="600"/>
+              </a:spcBef>
+              <a:buClr>
+                <a:schemeClr val="accent1">
+                  <a:lumMod val="60000"/>
+                  <a:lumOff val="40000"/>
+                </a:schemeClr>
+              </a:buClr>
+              <a:buSzPct val="75000"/>
+              <a:buFont typeface="Wingdings" pitchFamily="2" charset="2"/>
+              <a:buChar char="n"/>
+              <a:defRPr sz="1800" kern="1200">
+                <a:solidFill>
+                  <a:schemeClr val="tx1">
+                    <a:lumMod val="65000"/>
+                    <a:lumOff val="35000"/>
+                  </a:schemeClr>
+                </a:solidFill>
+                <a:latin typeface="+mn-lt"/>
+                <a:ea typeface="+mn-ea"/>
+                <a:cs typeface="+mn-cs"/>
+              </a:defRPr>
+            </a:lvl4pPr>
+            <a:lvl5pPr marL="1143000" indent="-228600" algn="l" defTabSz="914400" rtl="0" eaLnBrk="1" latinLnBrk="0" hangingPunct="1">
+              <a:spcBef>
+                <a:spcPts val="600"/>
+              </a:spcBef>
+              <a:buClr>
+                <a:schemeClr val="accent1"/>
+              </a:buClr>
+              <a:buSzPct val="75000"/>
+              <a:buFont typeface="Wingdings" pitchFamily="2" charset="2"/>
+              <a:buChar char="n"/>
+              <a:defRPr sz="1800" kern="1200">
+                <a:solidFill>
+                  <a:schemeClr val="tx1">
+                    <a:lumMod val="65000"/>
+                    <a:lumOff val="35000"/>
+                  </a:schemeClr>
+                </a:solidFill>
+                <a:latin typeface="+mn-lt"/>
+                <a:ea typeface="+mn-ea"/>
+                <a:cs typeface="+mn-cs"/>
+              </a:defRPr>
+            </a:lvl5pPr>
+            <a:lvl6pPr marL="1377950" indent="-228600" algn="l" defTabSz="914400" rtl="0" eaLnBrk="1" latinLnBrk="0" hangingPunct="1">
+              <a:spcBef>
+                <a:spcPct val="20000"/>
+              </a:spcBef>
+              <a:buClr>
+                <a:schemeClr val="accent1">
+                  <a:lumMod val="60000"/>
+                  <a:lumOff val="40000"/>
+                </a:schemeClr>
+              </a:buClr>
+              <a:buSzPct val="75000"/>
+              <a:buFont typeface="Wingdings" pitchFamily="2" charset="2"/>
+              <a:buChar char=""/>
+              <a:defRPr lang="en-US" sz="1800" kern="1200" dirty="0" smtClean="0">
+                <a:solidFill>
+                  <a:schemeClr val="tx1">
+                    <a:lumMod val="65000"/>
+                    <a:lumOff val="35000"/>
+                  </a:schemeClr>
+                </a:solidFill>
+                <a:latin typeface="+mn-lt"/>
+                <a:ea typeface="+mn-ea"/>
+                <a:cs typeface="+mn-cs"/>
+              </a:defRPr>
+            </a:lvl6pPr>
+            <a:lvl7pPr marL="1603375" indent="-228600" algn="l" defTabSz="914400" rtl="0" eaLnBrk="1" latinLnBrk="0" hangingPunct="1">
+              <a:spcBef>
+                <a:spcPct val="20000"/>
+              </a:spcBef>
+              <a:buClr>
+                <a:schemeClr val="accent1"/>
+              </a:buClr>
+              <a:buSzPct val="75000"/>
+              <a:buFont typeface="Wingdings" pitchFamily="2" charset="2"/>
+              <a:buChar char=""/>
+              <a:defRPr lang="en-US" sz="1800" kern="1200" baseline="0" dirty="0" smtClean="0">
+                <a:solidFill>
+                  <a:schemeClr val="tx1">
+                    <a:lumMod val="65000"/>
+                    <a:lumOff val="35000"/>
+                  </a:schemeClr>
+                </a:solidFill>
+                <a:latin typeface="+mn-lt"/>
+                <a:ea typeface="+mn-ea"/>
+                <a:cs typeface="+mn-cs"/>
+              </a:defRPr>
+            </a:lvl7pPr>
+            <a:lvl8pPr marL="1830388" indent="-228600" algn="l" defTabSz="914400" rtl="0" eaLnBrk="1" latinLnBrk="0" hangingPunct="1">
+              <a:spcBef>
+                <a:spcPct val="20000"/>
+              </a:spcBef>
+              <a:buClr>
+                <a:schemeClr val="accent1">
+                  <a:lumMod val="60000"/>
+                  <a:lumOff val="40000"/>
+                </a:schemeClr>
+              </a:buClr>
+              <a:buSzPct val="75000"/>
+              <a:buFont typeface="Wingdings" pitchFamily="2" charset="2"/>
+              <a:buChar char=""/>
+              <a:defRPr lang="en-US" sz="1800" kern="1200" baseline="0" dirty="0" smtClean="0">
+                <a:solidFill>
+                  <a:schemeClr val="tx1">
+                    <a:lumMod val="65000"/>
+                    <a:lumOff val="35000"/>
+                  </a:schemeClr>
+                </a:solidFill>
+                <a:latin typeface="+mn-lt"/>
+                <a:ea typeface="+mn-ea"/>
+                <a:cs typeface="+mn-cs"/>
+              </a:defRPr>
+            </a:lvl8pPr>
+            <a:lvl9pPr marL="2057400" indent="-228600" algn="l" defTabSz="914400" rtl="0" eaLnBrk="1" latinLnBrk="0" hangingPunct="1">
+              <a:spcBef>
+                <a:spcPct val="20000"/>
+              </a:spcBef>
+              <a:buClr>
+                <a:schemeClr val="accent1"/>
+              </a:buClr>
+              <a:buSzPct val="75000"/>
+              <a:buFont typeface="Wingdings" pitchFamily="2" charset="2"/>
+              <a:buChar char=""/>
+              <a:defRPr lang="en-US" sz="1800" kern="1200" baseline="0" dirty="0">
+                <a:solidFill>
+                  <a:schemeClr val="tx1">
+                    <a:lumMod val="65000"/>
+                    <a:lumOff val="35000"/>
+                  </a:schemeClr>
+                </a:solidFill>
+                <a:latin typeface="+mn-lt"/>
+                <a:ea typeface="+mn-ea"/>
+                <a:cs typeface="+mn-cs"/>
+              </a:defRPr>
+            </a:lvl9pPr>
+          </a:lstStyle>
+          <a:p>
+            <a:pPr marL="0" indent="0">
+              <a:lnSpc>
+                <a:spcPct val="150000"/>
+              </a:lnSpc>
+              <a:spcBef>
+                <a:spcPts val="800"/>
+              </a:spcBef>
+              <a:buNone/>
+            </a:pPr>
+            <a:r>
+              <a:rPr lang="pt-PT" sz="2800" dirty="0" smtClean="0">
+                <a:solidFill>
+                  <a:schemeClr val="tx1"/>
+                </a:solidFill>
+              </a:rPr>
+              <a:t>Ver ecrãs restantes na nossa página do grupo</a:t>
+            </a:r>
+            <a:endParaRPr lang="pt-PT" sz="2800" dirty="0">
+              <a:solidFill>
+                <a:schemeClr val="tx1"/>
+              </a:solidFill>
+            </a:endParaRPr>
+          </a:p>
+          <a:p>
+            <a:pPr marL="0" indent="0">
+              <a:lnSpc>
+                <a:spcPct val="150000"/>
+              </a:lnSpc>
+              <a:spcBef>
+                <a:spcPts val="800"/>
+              </a:spcBef>
+              <a:buNone/>
+            </a:pPr>
+            <a:endParaRPr lang="pt-PT" sz="1400" dirty="0">
+              <a:solidFill>
+                <a:schemeClr val="tx1"/>
+              </a:solidFill>
+            </a:endParaRPr>
+          </a:p>
+        </p:txBody>
+      </p:sp>
+    </p:spTree>
+    <p:extLst>
+      <p:ext uri="{BB962C8B-B14F-4D97-AF65-F5344CB8AC3E}">
+        <p14:creationId xmlns:p14="http://schemas.microsoft.com/office/powerpoint/2010/main" val="3195288994"/>
       </p:ext>
     </p:extLst>
   </p:cSld>
@@ -9712,11 +10199,7 @@
           <a:p>
             <a:r>
               <a:rPr lang="pt-PT" sz="6000" dirty="0" smtClean="0"/>
-              <a:t>Modelo </a:t>
-            </a:r>
-            <a:r>
-              <a:rPr lang="pt-PT" sz="6000" dirty="0" smtClean="0"/>
-              <a:t>Conceptual</a:t>
+              <a:t>Modelo Conceptual</a:t>
             </a:r>
             <a:endParaRPr lang="pt-PT" sz="6000" dirty="0"/>
           </a:p>
@@ -10218,11 +10701,7 @@
           <a:p>
             <a:r>
               <a:rPr lang="pt-PT" sz="6000" dirty="0" smtClean="0"/>
-              <a:t>Modelo </a:t>
-            </a:r>
-            <a:r>
-              <a:rPr lang="pt-PT" sz="6000" dirty="0" smtClean="0"/>
-              <a:t>Conceptual</a:t>
+              <a:t>Modelo Conceptual</a:t>
             </a:r>
             <a:endParaRPr lang="pt-PT" sz="6000" dirty="0"/>
           </a:p>
@@ -10331,7 +10810,6 @@
               <a:rPr lang="pt-PT" dirty="0"/>
               <a:t>Interface e interacções</a:t>
             </a:r>
-            <a:endParaRPr lang="pt-PT" dirty="0"/>
           </a:p>
         </p:txBody>
       </p:sp>
@@ -10814,11 +11292,7 @@
           <a:p>
             <a:r>
               <a:rPr lang="pt-PT" sz="6000" dirty="0" smtClean="0"/>
-              <a:t>Modelo </a:t>
-            </a:r>
-            <a:r>
-              <a:rPr lang="pt-PT" sz="6000" dirty="0" smtClean="0"/>
-              <a:t>Conceptual</a:t>
+              <a:t>Modelo Conceptual</a:t>
             </a:r>
             <a:endParaRPr lang="pt-PT" sz="6000" dirty="0"/>
           </a:p>
@@ -12232,13 +12706,8 @@
           <a:p>
             <a:r>
               <a:rPr lang="pt-PT" sz="6000" dirty="0" smtClean="0"/>
-              <a:t>Protótipo de baixa</a:t>
-            </a:r>
-            <a:r>
-              <a:rPr lang="pt-PT" sz="6000" dirty="0" smtClean="0"/>
-              <a:t> fidelidade</a:t>
-            </a:r>
-            <a:endParaRPr lang="pt-PT" sz="6000" dirty="0" smtClean="0"/>
+              <a:t>Protótipo de baixa fidelidade</a:t>
+            </a:r>
           </a:p>
         </p:txBody>
       </p:sp>
@@ -12830,7 +13299,7 @@
   <a:extraClrSchemeLst/>
   <a:extLst>
     <a:ext uri="{05A4C25C-085E-4340-85A3-A5531E510DB2}">
-      <thm15:themeFamily xmlns="" xmlns:thm15="http://schemas.microsoft.com/office/thememl/2012/main" name="Office Theme" id="{62F939B6-93AF-4DB8-9C6B-D6C7DFDC589F}" vid="{4A3C46E8-61CC-4603-A589-7422A47A8E4A}"/>
+      <thm15:themeFamily xmlns:thm15="http://schemas.microsoft.com/office/thememl/2012/main" xmlns="" name="Office Theme" id="{62F939B6-93AF-4DB8-9C6B-D6C7DFDC589F}" vid="{4A3C46E8-61CC-4603-A589-7422A47A8E4A}"/>
     </a:ext>
   </a:extLst>
 </a:theme>

--- a/Aula 06/G10 - Apresentacao - Lab05.pptx
+++ b/Aula 06/G10 - Apresentacao - Lab05.pptx
@@ -17,9 +17,9 @@
     <p:sldId id="269" r:id="rId8"/>
     <p:sldId id="263" r:id="rId9"/>
     <p:sldId id="266" r:id="rId10"/>
-    <p:sldId id="274" r:id="rId11"/>
-    <p:sldId id="275" r:id="rId12"/>
-    <p:sldId id="276" r:id="rId13"/>
+    <p:sldId id="279" r:id="rId11"/>
+    <p:sldId id="280" r:id="rId12"/>
+    <p:sldId id="281" r:id="rId13"/>
     <p:sldId id="277" r:id="rId14"/>
     <p:sldId id="278" r:id="rId15"/>
   </p:sldIdLst>
@@ -122,7 +122,7 @@
   </p:defaultTextStyle>
   <p:extLst>
     <p:ext uri="{EFAFB233-063F-42B5-8137-9DF3F51BA10A}">
-      <p15:sldGuideLst xmlns:p15="http://schemas.microsoft.com/office/powerpoint/2012/main" xmlns="">
+      <p15:sldGuideLst xmlns:p15="http://schemas.microsoft.com/office/powerpoint/2012/main">
         <p15:guide id="1" orient="horz" pos="2160">
           <p15:clr>
             <a:srgbClr val="A4A3A4"/>
@@ -221,7 +221,7 @@
           <a:p>
             <a:fld id="{A0410F9C-3A27-C84F-B27D-9342140F08DB}" type="datetimeFigureOut">
               <a:rPr lang="pt-PT" smtClean="0"/>
-              <a:t>05-11-2015</a:t>
+              <a:t>05/11/15</a:t>
             </a:fld>
             <a:endParaRPr lang="pt-PT"/>
           </a:p>
@@ -380,7 +380,7 @@
           <a:p>
             <a:fld id="{9886E254-ACB4-B240-BB93-3D6DFACA42BA}" type="slidenum">
               <a:rPr lang="pt-PT" smtClean="0"/>
-              <a:t>‹#›</a:t>
+              <a:t>‹nº›</a:t>
             </a:fld>
             <a:endParaRPr lang="pt-PT"/>
           </a:p>
@@ -774,7 +774,7 @@
           <a:p>
             <a:fld id="{D728701E-CAF4-4159-9B3E-41C86DFFA30D}" type="datetimeFigureOut">
               <a:rPr lang="en-US" smtClean="0"/>
-              <a:t>05-Nov-15</a:t>
+              <a:t>11/5/15</a:t>
             </a:fld>
             <a:endParaRPr lang="en-US"/>
           </a:p>
@@ -1228,7 +1228,7 @@
           <a:p>
             <a:fld id="{D728701E-CAF4-4159-9B3E-41C86DFFA30D}" type="datetimeFigureOut">
               <a:rPr lang="en-US" smtClean="0"/>
-              <a:t>05-Nov-15</a:t>
+              <a:t>11/5/15</a:t>
             </a:fld>
             <a:endParaRPr lang="en-US"/>
           </a:p>
@@ -1270,7 +1270,7 @@
           <a:p>
             <a:fld id="{162F1D00-BD13-4404-86B0-79703945A0A7}" type="slidenum">
               <a:rPr lang="en-US" smtClean="0"/>
-              <a:t>‹#›</a:t>
+              <a:t>‹nº›</a:t>
             </a:fld>
             <a:endParaRPr lang="en-US"/>
           </a:p>
@@ -1771,7 +1771,7 @@
           <a:p>
             <a:fld id="{D728701E-CAF4-4159-9B3E-41C86DFFA30D}" type="datetimeFigureOut">
               <a:rPr lang="en-US" smtClean="0"/>
-              <a:t>05-Nov-15</a:t>
+              <a:t>11/5/15</a:t>
             </a:fld>
             <a:endParaRPr lang="en-US"/>
           </a:p>
@@ -1813,7 +1813,7 @@
           <a:p>
             <a:fld id="{162F1D00-BD13-4404-86B0-79703945A0A7}" type="slidenum">
               <a:rPr lang="en-US" smtClean="0"/>
-              <a:t>‹#›</a:t>
+              <a:t>‹nº›</a:t>
             </a:fld>
             <a:endParaRPr lang="en-US"/>
           </a:p>
@@ -1907,7 +1907,7 @@
           <a:p>
             <a:fld id="{D728701E-CAF4-4159-9B3E-41C86DFFA30D}" type="datetimeFigureOut">
               <a:rPr lang="en-US" smtClean="0"/>
-              <a:t>05-Nov-15</a:t>
+              <a:t>11/5/15</a:t>
             </a:fld>
             <a:endParaRPr lang="en-US"/>
           </a:p>
@@ -1949,7 +1949,7 @@
           <a:p>
             <a:fld id="{162F1D00-BD13-4404-86B0-79703945A0A7}" type="slidenum">
               <a:rPr lang="en-US" smtClean="0"/>
-              <a:t>‹#›</a:t>
+              <a:t>‹nº›</a:t>
             </a:fld>
             <a:endParaRPr lang="en-US"/>
           </a:p>
@@ -2245,7 +2245,7 @@
           <a:p>
             <a:fld id="{D728701E-CAF4-4159-9B3E-41C86DFFA30D}" type="datetimeFigureOut">
               <a:rPr lang="en-US" smtClean="0"/>
-              <a:t>05-Nov-15</a:t>
+              <a:t>11/5/15</a:t>
             </a:fld>
             <a:endParaRPr lang="en-US"/>
           </a:p>
@@ -2571,7 +2571,7 @@
           <a:p>
             <a:fld id="{D728701E-CAF4-4159-9B3E-41C86DFFA30D}" type="datetimeFigureOut">
               <a:rPr lang="en-US" smtClean="0"/>
-              <a:t>05-Nov-15</a:t>
+              <a:t>11/5/15</a:t>
             </a:fld>
             <a:endParaRPr lang="en-US"/>
           </a:p>
@@ -2618,7 +2618,7 @@
           <a:p>
             <a:fld id="{162F1D00-BD13-4404-86B0-79703945A0A7}" type="slidenum">
               <a:rPr lang="en-US" smtClean="0"/>
-              <a:t>‹#›</a:t>
+              <a:t>‹nº›</a:t>
             </a:fld>
             <a:endParaRPr lang="en-US"/>
           </a:p>
@@ -2869,7 +2869,7 @@
           <a:p>
             <a:fld id="{D728701E-CAF4-4159-9B3E-41C86DFFA30D}" type="datetimeFigureOut">
               <a:rPr lang="en-US" smtClean="0"/>
-              <a:t>05-Nov-15</a:t>
+              <a:t>11/5/15</a:t>
             </a:fld>
             <a:endParaRPr lang="en-US"/>
           </a:p>
@@ -2911,7 +2911,7 @@
           <a:p>
             <a:fld id="{162F1D00-BD13-4404-86B0-79703945A0A7}" type="slidenum">
               <a:rPr lang="en-US" smtClean="0"/>
-              <a:t>‹#›</a:t>
+              <a:t>‹nº›</a:t>
             </a:fld>
             <a:endParaRPr lang="en-US"/>
           </a:p>
@@ -3256,7 +3256,7 @@
           <a:p>
             <a:fld id="{D728701E-CAF4-4159-9B3E-41C86DFFA30D}" type="datetimeFigureOut">
               <a:rPr lang="en-US" smtClean="0"/>
-              <a:t>05-Nov-15</a:t>
+              <a:t>11/5/15</a:t>
             </a:fld>
             <a:endParaRPr lang="en-US"/>
           </a:p>
@@ -3311,7 +3311,7 @@
           <a:p>
             <a:fld id="{162F1D00-BD13-4404-86B0-79703945A0A7}" type="slidenum">
               <a:rPr lang="en-US" smtClean="0"/>
-              <a:t>‹#›</a:t>
+              <a:t>‹nº›</a:t>
             </a:fld>
             <a:endParaRPr lang="en-US"/>
           </a:p>
@@ -3676,7 +3676,7 @@
           <a:p>
             <a:fld id="{D728701E-CAF4-4159-9B3E-41C86DFFA30D}" type="datetimeFigureOut">
               <a:rPr lang="en-US" smtClean="0"/>
-              <a:t>05-Nov-15</a:t>
+              <a:t>11/5/15</a:t>
             </a:fld>
             <a:endParaRPr lang="en-US"/>
           </a:p>
@@ -3731,7 +3731,7 @@
           <a:p>
             <a:fld id="{162F1D00-BD13-4404-86B0-79703945A0A7}" type="slidenum">
               <a:rPr lang="en-US" smtClean="0"/>
-              <a:t>‹#›</a:t>
+              <a:t>‹nº›</a:t>
             </a:fld>
             <a:endParaRPr lang="en-US"/>
           </a:p>
@@ -4224,7 +4224,7 @@
           <a:p>
             <a:fld id="{D728701E-CAF4-4159-9B3E-41C86DFFA30D}" type="datetimeFigureOut">
               <a:rPr lang="en-US" smtClean="0"/>
-              <a:t>05-Nov-15</a:t>
+              <a:t>11/5/15</a:t>
             </a:fld>
             <a:endParaRPr lang="en-US"/>
           </a:p>
@@ -4271,7 +4271,7 @@
           <a:p>
             <a:fld id="{162F1D00-BD13-4404-86B0-79703945A0A7}" type="slidenum">
               <a:rPr lang="en-US" smtClean="0"/>
-              <a:t>‹#›</a:t>
+              <a:t>‹nº›</a:t>
             </a:fld>
             <a:endParaRPr lang="en-US"/>
           </a:p>
@@ -4582,7 +4582,7 @@
           <a:p>
             <a:fld id="{D728701E-CAF4-4159-9B3E-41C86DFFA30D}" type="datetimeFigureOut">
               <a:rPr lang="en-US" smtClean="0"/>
-              <a:t>05-Nov-15</a:t>
+              <a:t>11/5/15</a:t>
             </a:fld>
             <a:endParaRPr lang="en-US"/>
           </a:p>
@@ -4624,7 +4624,7 @@
           <a:p>
             <a:fld id="{162F1D00-BD13-4404-86B0-79703945A0A7}" type="slidenum">
               <a:rPr lang="en-US" smtClean="0"/>
-              <a:t>‹#›</a:t>
+              <a:t>‹nº›</a:t>
             </a:fld>
             <a:endParaRPr lang="en-US"/>
           </a:p>
@@ -4797,7 +4797,7 @@
           <a:p>
             <a:fld id="{D728701E-CAF4-4159-9B3E-41C86DFFA30D}" type="datetimeFigureOut">
               <a:rPr lang="en-US" smtClean="0"/>
-              <a:t>05-Nov-15</a:t>
+              <a:t>11/5/15</a:t>
             </a:fld>
             <a:endParaRPr lang="en-US"/>
           </a:p>
@@ -4839,7 +4839,7 @@
           <a:p>
             <a:fld id="{162F1D00-BD13-4404-86B0-79703945A0A7}" type="slidenum">
               <a:rPr lang="en-US" smtClean="0"/>
-              <a:t>‹#›</a:t>
+              <a:t>‹nº›</a:t>
             </a:fld>
             <a:endParaRPr lang="en-US"/>
           </a:p>
@@ -5104,7 +5104,7 @@
           <a:p>
             <a:fld id="{D728701E-CAF4-4159-9B3E-41C86DFFA30D}" type="datetimeFigureOut">
               <a:rPr lang="en-US" smtClean="0"/>
-              <a:t>05-Nov-15</a:t>
+              <a:t>11/5/15</a:t>
             </a:fld>
             <a:endParaRPr lang="en-US"/>
           </a:p>
@@ -5146,7 +5146,7 @@
           <a:p>
             <a:fld id="{162F1D00-BD13-4404-86B0-79703945A0A7}" type="slidenum">
               <a:rPr lang="en-US" smtClean="0"/>
-              <a:t>‹#›</a:t>
+              <a:t>‹nº›</a:t>
             </a:fld>
             <a:endParaRPr lang="en-US"/>
           </a:p>
@@ -5360,7 +5360,7 @@
           <a:p>
             <a:fld id="{D728701E-CAF4-4159-9B3E-41C86DFFA30D}" type="datetimeFigureOut">
               <a:rPr lang="en-US" smtClean="0"/>
-              <a:t>05-Nov-15</a:t>
+              <a:t>11/5/15</a:t>
             </a:fld>
             <a:endParaRPr lang="en-US"/>
           </a:p>
@@ -5402,7 +5402,7 @@
           <a:p>
             <a:fld id="{162F1D00-BD13-4404-86B0-79703945A0A7}" type="slidenum">
               <a:rPr lang="en-US" smtClean="0"/>
-              <a:t>‹#›</a:t>
+              <a:t>‹nº›</a:t>
             </a:fld>
             <a:endParaRPr lang="en-US"/>
           </a:p>
@@ -5749,7 +5749,7 @@
           <a:p>
             <a:fld id="{D728701E-CAF4-4159-9B3E-41C86DFFA30D}" type="datetimeFigureOut">
               <a:rPr lang="en-US" smtClean="0"/>
-              <a:t>05-Nov-15</a:t>
+              <a:t>11/5/15</a:t>
             </a:fld>
             <a:endParaRPr lang="en-US"/>
           </a:p>
@@ -6338,7 +6338,7 @@
           <a:p>
             <a:fld id="{D728701E-CAF4-4159-9B3E-41C86DFFA30D}" type="datetimeFigureOut">
               <a:rPr lang="en-US" smtClean="0"/>
-              <a:t>05-Nov-15</a:t>
+              <a:t>11/5/15</a:t>
             </a:fld>
             <a:endParaRPr lang="en-US"/>
           </a:p>
@@ -6398,7 +6398,7 @@
           <a:p>
             <a:fld id="{162F1D00-BD13-4404-86B0-79703945A0A7}" type="slidenum">
               <a:rPr lang="en-US" smtClean="0"/>
-              <a:t>‹#›</a:t>
+              <a:t>‹nº›</a:t>
             </a:fld>
             <a:endParaRPr lang="en-US"/>
           </a:p>
@@ -6853,7 +6853,7 @@
           <a:p>
             <a:fld id="{D728701E-CAF4-4159-9B3E-41C86DFFA30D}" type="datetimeFigureOut">
               <a:rPr lang="en-US" smtClean="0"/>
-              <a:t>05-Nov-15</a:t>
+              <a:t>11/5/15</a:t>
             </a:fld>
             <a:endParaRPr lang="en-US"/>
           </a:p>
@@ -6895,7 +6895,7 @@
           <a:p>
             <a:fld id="{162F1D00-BD13-4404-86B0-79703945A0A7}" type="slidenum">
               <a:rPr lang="en-US" smtClean="0"/>
-              <a:t>‹#›</a:t>
+              <a:t>‹nº›</a:t>
             </a:fld>
             <a:endParaRPr lang="en-US"/>
           </a:p>
@@ -7226,7 +7226,7 @@
           <a:p>
             <a:fld id="{D728701E-CAF4-4159-9B3E-41C86DFFA30D}" type="datetimeFigureOut">
               <a:rPr lang="en-US" smtClean="0"/>
-              <a:t>05-Nov-15</a:t>
+              <a:t>11/5/15</a:t>
             </a:fld>
             <a:endParaRPr lang="en-US"/>
           </a:p>
@@ -7268,7 +7268,7 @@
           <a:p>
             <a:fld id="{162F1D00-BD13-4404-86B0-79703945A0A7}" type="slidenum">
               <a:rPr lang="en-US" smtClean="0"/>
-              <a:t>‹#›</a:t>
+              <a:t>‹nº›</a:t>
             </a:fld>
             <a:endParaRPr lang="en-US"/>
           </a:p>
@@ -7625,7 +7625,7 @@
           <a:p>
             <a:fld id="{D728701E-CAF4-4159-9B3E-41C86DFFA30D}" type="datetimeFigureOut">
               <a:rPr lang="en-US" smtClean="0"/>
-              <a:t>05-Nov-15</a:t>
+              <a:t>11/5/15</a:t>
             </a:fld>
             <a:endParaRPr lang="en-US"/>
           </a:p>
@@ -7805,7 +7805,7 @@
           <a:p>
             <a:fld id="{162F1D00-BD13-4404-86B0-79703945A0A7}" type="slidenum">
               <a:rPr lang="en-US" smtClean="0"/>
-              <a:t>‹#›</a:t>
+              <a:t>‹nº›</a:t>
             </a:fld>
             <a:endParaRPr lang="en-US"/>
           </a:p>
@@ -8045,7 +8045,7 @@
           <a:p>
             <a:fld id="{D728701E-CAF4-4159-9B3E-41C86DFFA30D}" type="datetimeFigureOut">
               <a:rPr lang="en-US" smtClean="0"/>
-              <a:t>05-Nov-15</a:t>
+              <a:t>11/5/15</a:t>
             </a:fld>
             <a:endParaRPr lang="en-US"/>
           </a:p>
@@ -8087,7 +8087,7 @@
           <a:p>
             <a:fld id="{162F1D00-BD13-4404-86B0-79703945A0A7}" type="slidenum">
               <a:rPr lang="en-US" smtClean="0"/>
-              <a:t>‹#›</a:t>
+              <a:t>‹nº›</a:t>
             </a:fld>
             <a:endParaRPr lang="en-US"/>
           </a:p>
@@ -8428,7 +8428,7 @@
           <a:p>
             <a:fld id="{D728701E-CAF4-4159-9B3E-41C86DFFA30D}" type="datetimeFigureOut">
               <a:rPr lang="en-US" smtClean="0"/>
-              <a:t>05-Nov-15</a:t>
+              <a:t>11/5/15</a:t>
             </a:fld>
             <a:endParaRPr lang="en-US"/>
           </a:p>
@@ -8505,7 +8505,7 @@
           <a:p>
             <a:fld id="{162F1D00-BD13-4404-86B0-79703945A0A7}" type="slidenum">
               <a:rPr lang="en-US" smtClean="0"/>
-              <a:t>‹#›</a:t>
+              <a:t>‹nº›</a:t>
             </a:fld>
             <a:endParaRPr lang="en-US"/>
           </a:p>
@@ -8893,7 +8893,7 @@
         </p:nvSpPr>
         <p:spPr>
           <a:xfrm>
-            <a:off x="4374292" y="4629149"/>
+            <a:off x="3693111" y="4629149"/>
             <a:ext cx="4038600" cy="933450"/>
           </a:xfrm>
         </p:spPr>
@@ -9130,44 +9130,9 @@
           <a:chExt cx="0" cy="0"/>
         </a:xfrm>
       </p:grpSpPr>
-      <p:sp>
-        <p:nvSpPr>
-          <p:cNvPr id="2" name="Title 1"/>
-          <p:cNvSpPr>
-            <a:spLocks noGrp="1"/>
-          </p:cNvSpPr>
-          <p:nvPr>
-            <p:ph type="title"/>
-          </p:nvPr>
-        </p:nvSpPr>
-        <p:spPr/>
-        <p:txBody>
-          <a:bodyPr/>
-          <a:lstStyle/>
-          <a:p>
-            <a:r>
-              <a:rPr lang="pt-PT" dirty="0"/>
-              <a:t>Alguns </a:t>
-            </a:r>
-            <a:r>
-              <a:rPr lang="pt-PT" dirty="0" smtClean="0"/>
-              <a:t>ecrãs				</a:t>
-            </a:r>
-            <a:r>
-              <a:rPr lang="pt-PT" smtClean="0"/>
-              <a:t>	</a:t>
-            </a:r>
-            <a:r>
-              <a:rPr lang="pt-PT" smtClean="0"/>
-              <a:t>1/5</a:t>
-            </a:r>
-            <a:endParaRPr lang="pt-PT" dirty="0"/>
-          </a:p>
-        </p:txBody>
-      </p:sp>
       <p:pic>
         <p:nvPicPr>
-          <p:cNvPr id="1026" name="Picture 2" descr="C:\Users\Admin\Documents\GitHub\C_C_U-2015-10\Aula 06\Prototipo\ecra inicial.png"/>
+          <p:cNvPr id="2" name="Picture 2" descr="C:\Users\Admin\Documents\GitHub\C_C_U-2015-10\Aula 06\Prototipo\ecra inicial.png"/>
           <p:cNvPicPr>
             <a:picLocks noChangeAspect="1" noChangeArrowheads="1"/>
           </p:cNvPicPr>
@@ -9188,8 +9153,8 @@
         </p:blipFill>
         <p:spPr bwMode="auto">
           <a:xfrm>
-            <a:off x="1750989" y="1140145"/>
-            <a:ext cx="5493872" cy="5628616"/>
+            <a:off x="352495" y="537881"/>
+            <a:ext cx="5493872" cy="5787126"/>
           </a:xfrm>
           <a:prstGeom prst="rect">
             <a:avLst/>
@@ -9206,10 +9171,60 @@
           </a:extLst>
         </p:spPr>
       </p:pic>
+      <p:sp>
+        <p:nvSpPr>
+          <p:cNvPr id="3" name="Title 1"/>
+          <p:cNvSpPr txBox="1">
+            <a:spLocks/>
+          </p:cNvSpPr>
+          <p:nvPr/>
+        </p:nvSpPr>
+        <p:spPr>
+          <a:xfrm>
+            <a:off x="6320119" y="699247"/>
+            <a:ext cx="3039034" cy="1116106"/>
+          </a:xfrm>
+          <a:prstGeom prst="rect">
+            <a:avLst/>
+          </a:prstGeom>
+        </p:spPr>
+        <p:txBody>
+          <a:bodyPr/>
+          <a:lstStyle>
+            <a:lvl1pPr algn="l" defTabSz="914400" rtl="0" eaLnBrk="1" latinLnBrk="0" hangingPunct="1">
+              <a:spcBef>
+                <a:spcPct val="0"/>
+              </a:spcBef>
+              <a:buNone/>
+              <a:defRPr sz="3600" b="0" kern="1200">
+                <a:solidFill>
+                  <a:schemeClr val="accent1"/>
+                </a:solidFill>
+                <a:latin typeface="+mj-lt"/>
+                <a:ea typeface="+mj-ea"/>
+                <a:cs typeface="+mj-cs"/>
+              </a:defRPr>
+            </a:lvl1pPr>
+          </a:lstStyle>
+          <a:p>
+            <a:r>
+              <a:rPr lang="pt-PT" sz="3200" dirty="0" smtClean="0"/>
+              <a:t>Alguns ecrãs	</a:t>
+            </a:r>
+          </a:p>
+          <a:p>
+            <a:r>
+              <a:rPr lang="pt-PT" sz="3200" dirty="0" smtClean="0"/>
+              <a:t>		1/5</a:t>
+            </a:r>
+            <a:endParaRPr lang="pt-PT" sz="3200" dirty="0"/>
+          </a:p>
+        </p:txBody>
+      </p:sp>
     </p:spTree>
     <p:extLst>
       <p:ext uri="{BB962C8B-B14F-4D97-AF65-F5344CB8AC3E}">
-        <p14:creationId xmlns:p14="http://schemas.microsoft.com/office/powerpoint/2010/main" val="2784309026"/>
+        <p14:creationId xmlns:p14="http://schemas.microsoft.com/office/powerpoint/2010/main" val="1826462572"/>
       </p:ext>
     </p:extLst>
   </p:cSld>
@@ -9243,40 +9258,9 @@
           <a:chExt cx="0" cy="0"/>
         </a:xfrm>
       </p:grpSpPr>
-      <p:sp>
-        <p:nvSpPr>
-          <p:cNvPr id="2" name="Title 1"/>
-          <p:cNvSpPr>
-            <a:spLocks noGrp="1"/>
-          </p:cNvSpPr>
-          <p:nvPr>
-            <p:ph type="title"/>
-          </p:nvPr>
-        </p:nvSpPr>
-        <p:spPr/>
-        <p:txBody>
-          <a:bodyPr/>
-          <a:lstStyle/>
-          <a:p>
-            <a:r>
-              <a:rPr lang="pt-PT" dirty="0"/>
-              <a:t>Alguns </a:t>
-            </a:r>
-            <a:r>
-              <a:rPr lang="pt-PT" dirty="0" smtClean="0"/>
-              <a:t>ecrãs					</a:t>
-            </a:r>
-            <a:r>
-              <a:rPr lang="pt-PT" dirty="0" smtClean="0"/>
-              <a:t>2/5</a:t>
-            </a:r>
-            <a:endParaRPr lang="pt-PT" dirty="0"/>
-          </a:p>
-        </p:txBody>
-      </p:sp>
       <p:pic>
         <p:nvPicPr>
-          <p:cNvPr id="2050" name="Picture 2" descr="C:\Users\Admin\Documents\GitHub\C_C_U-2015-10\Aula 06\Prototipo\Todos os cursos.png"/>
+          <p:cNvPr id="3" name="Picture 2" descr="C:\Users\Admin\Documents\GitHub\C_C_U-2015-10\Aula 06\Prototipo\Todos os cursos.png"/>
           <p:cNvPicPr>
             <a:picLocks noChangeAspect="1" noChangeArrowheads="1"/>
           </p:cNvPicPr>
@@ -9297,8 +9281,8 @@
         </p:blipFill>
         <p:spPr bwMode="auto">
           <a:xfrm>
-            <a:off x="1768509" y="1155560"/>
-            <a:ext cx="5389456" cy="6963904"/>
+            <a:off x="652403" y="187371"/>
+            <a:ext cx="5129832" cy="6535603"/>
           </a:xfrm>
           <a:prstGeom prst="rect">
             <a:avLst/>
@@ -9315,10 +9299,60 @@
           </a:extLst>
         </p:spPr>
       </p:pic>
+      <p:sp>
+        <p:nvSpPr>
+          <p:cNvPr id="4" name="Title 1"/>
+          <p:cNvSpPr txBox="1">
+            <a:spLocks/>
+          </p:cNvSpPr>
+          <p:nvPr/>
+        </p:nvSpPr>
+        <p:spPr>
+          <a:xfrm>
+            <a:off x="6320119" y="699247"/>
+            <a:ext cx="3039034" cy="1116106"/>
+          </a:xfrm>
+          <a:prstGeom prst="rect">
+            <a:avLst/>
+          </a:prstGeom>
+        </p:spPr>
+        <p:txBody>
+          <a:bodyPr/>
+          <a:lstStyle>
+            <a:lvl1pPr algn="l" defTabSz="914400" rtl="0" eaLnBrk="1" latinLnBrk="0" hangingPunct="1">
+              <a:spcBef>
+                <a:spcPct val="0"/>
+              </a:spcBef>
+              <a:buNone/>
+              <a:defRPr sz="3600" b="0" kern="1200">
+                <a:solidFill>
+                  <a:schemeClr val="accent1"/>
+                </a:solidFill>
+                <a:latin typeface="+mj-lt"/>
+                <a:ea typeface="+mj-ea"/>
+                <a:cs typeface="+mj-cs"/>
+              </a:defRPr>
+            </a:lvl1pPr>
+          </a:lstStyle>
+          <a:p>
+            <a:r>
+              <a:rPr lang="pt-PT" sz="3200" dirty="0" smtClean="0"/>
+              <a:t>Alguns ecrãs	</a:t>
+            </a:r>
+          </a:p>
+          <a:p>
+            <a:r>
+              <a:rPr lang="pt-PT" sz="3200" dirty="0" smtClean="0"/>
+              <a:t>		2/5</a:t>
+            </a:r>
+            <a:endParaRPr lang="pt-PT" sz="3200" dirty="0"/>
+          </a:p>
+        </p:txBody>
+      </p:sp>
     </p:spTree>
     <p:extLst>
       <p:ext uri="{BB962C8B-B14F-4D97-AF65-F5344CB8AC3E}">
-        <p14:creationId xmlns:p14="http://schemas.microsoft.com/office/powerpoint/2010/main" val="761073413"/>
+        <p14:creationId xmlns:p14="http://schemas.microsoft.com/office/powerpoint/2010/main" val="1191197336"/>
       </p:ext>
     </p:extLst>
   </p:cSld>
@@ -9352,40 +9386,9 @@
           <a:chExt cx="0" cy="0"/>
         </a:xfrm>
       </p:grpSpPr>
-      <p:sp>
-        <p:nvSpPr>
-          <p:cNvPr id="2" name="Title 1"/>
-          <p:cNvSpPr>
-            <a:spLocks noGrp="1"/>
-          </p:cNvSpPr>
-          <p:nvPr>
-            <p:ph type="title"/>
-          </p:nvPr>
-        </p:nvSpPr>
-        <p:spPr/>
-        <p:txBody>
-          <a:bodyPr/>
-          <a:lstStyle/>
-          <a:p>
-            <a:r>
-              <a:rPr lang="pt-PT" dirty="0"/>
-              <a:t>Alguns </a:t>
-            </a:r>
-            <a:r>
-              <a:rPr lang="pt-PT" dirty="0" smtClean="0"/>
-              <a:t>ecrãs					</a:t>
-            </a:r>
-            <a:r>
-              <a:rPr lang="pt-PT" dirty="0" smtClean="0"/>
-              <a:t>3/5</a:t>
-            </a:r>
-            <a:endParaRPr lang="pt-PT" dirty="0"/>
-          </a:p>
-        </p:txBody>
-      </p:sp>
       <p:pic>
         <p:nvPicPr>
-          <p:cNvPr id="3074" name="Picture 2" descr="C:\Users\Admin\Documents\GitHub\C_C_U-2015-10\Aula 06\Prototipo\Página Curso de Agricultura - Iniciantes.png"/>
+          <p:cNvPr id="4" name="Picture 2" descr="C:\Users\Admin\Documents\GitHub\C_C_U-2015-10\Aula 06\Prototipo\Página Curso de Agricultura - Iniciantes.png"/>
           <p:cNvPicPr>
             <a:picLocks noChangeAspect="1" noChangeArrowheads="1"/>
           </p:cNvPicPr>
@@ -9406,8 +9409,8 @@
         </p:blipFill>
         <p:spPr bwMode="auto">
           <a:xfrm>
-            <a:off x="1858946" y="1225671"/>
-            <a:ext cx="5403500" cy="6385955"/>
+            <a:off x="366322" y="190247"/>
+            <a:ext cx="5469702" cy="6464194"/>
           </a:xfrm>
           <a:prstGeom prst="rect">
             <a:avLst/>
@@ -9424,10 +9427,60 @@
           </a:extLst>
         </p:spPr>
       </p:pic>
+      <p:sp>
+        <p:nvSpPr>
+          <p:cNvPr id="5" name="Title 1"/>
+          <p:cNvSpPr txBox="1">
+            <a:spLocks/>
+          </p:cNvSpPr>
+          <p:nvPr/>
+        </p:nvSpPr>
+        <p:spPr>
+          <a:xfrm>
+            <a:off x="6320119" y="699247"/>
+            <a:ext cx="3039034" cy="1116106"/>
+          </a:xfrm>
+          <a:prstGeom prst="rect">
+            <a:avLst/>
+          </a:prstGeom>
+        </p:spPr>
+        <p:txBody>
+          <a:bodyPr/>
+          <a:lstStyle>
+            <a:lvl1pPr algn="l" defTabSz="914400" rtl="0" eaLnBrk="1" latinLnBrk="0" hangingPunct="1">
+              <a:spcBef>
+                <a:spcPct val="0"/>
+              </a:spcBef>
+              <a:buNone/>
+              <a:defRPr sz="3600" b="0" kern="1200">
+                <a:solidFill>
+                  <a:schemeClr val="accent1"/>
+                </a:solidFill>
+                <a:latin typeface="+mj-lt"/>
+                <a:ea typeface="+mj-ea"/>
+                <a:cs typeface="+mj-cs"/>
+              </a:defRPr>
+            </a:lvl1pPr>
+          </a:lstStyle>
+          <a:p>
+            <a:r>
+              <a:rPr lang="pt-PT" sz="3200" dirty="0" smtClean="0"/>
+              <a:t>Alguns ecrãs	</a:t>
+            </a:r>
+          </a:p>
+          <a:p>
+            <a:r>
+              <a:rPr lang="pt-PT" sz="3200" dirty="0" smtClean="0"/>
+              <a:t>		3/5</a:t>
+            </a:r>
+            <a:endParaRPr lang="pt-PT" sz="3200" dirty="0"/>
+          </a:p>
+        </p:txBody>
+      </p:sp>
     </p:spTree>
     <p:extLst>
       <p:ext uri="{BB962C8B-B14F-4D97-AF65-F5344CB8AC3E}">
-        <p14:creationId xmlns:p14="http://schemas.microsoft.com/office/powerpoint/2010/main" val="761073413"/>
+        <p14:creationId xmlns:p14="http://schemas.microsoft.com/office/powerpoint/2010/main" val="385539035"/>
       </p:ext>
     </p:extLst>
   </p:cSld>
@@ -9482,11 +9535,7 @@
             </a:r>
             <a:r>
               <a:rPr lang="pt-PT" dirty="0" smtClean="0"/>
-              <a:t>ecrãs					</a:t>
-            </a:r>
-            <a:r>
-              <a:rPr lang="pt-PT" dirty="0" smtClean="0"/>
-              <a:t>4/5</a:t>
+              <a:t>ecrãs					4/5</a:t>
             </a:r>
             <a:endParaRPr lang="pt-PT" dirty="0"/>
           </a:p>
@@ -9502,8 +9551,8 @@
         </p:nvSpPr>
         <p:spPr>
           <a:xfrm>
-            <a:off x="498475" y="1981200"/>
-            <a:ext cx="8194260" cy="4324597"/>
+            <a:off x="498474" y="1042147"/>
+            <a:ext cx="2271619" cy="815788"/>
           </a:xfrm>
           <a:prstGeom prst="rect">
             <a:avLst/>
@@ -9738,14 +9787,20 @@
             <a:r>
               <a:rPr lang="pt-PT" sz="2800" dirty="0" smtClean="0">
                 <a:solidFill>
-                  <a:schemeClr val="tx1"/>
+                  <a:schemeClr val="tx1">
+                    <a:lumMod val="50000"/>
+                    <a:lumOff val="50000"/>
+                  </a:schemeClr>
                 </a:solidFill>
               </a:rPr>
               <a:t>Conclusões</a:t>
             </a:r>
             <a:endParaRPr lang="pt-PT" sz="2800" dirty="0">
               <a:solidFill>
-                <a:schemeClr val="tx1"/>
+                <a:schemeClr val="tx1">
+                  <a:lumMod val="50000"/>
+                  <a:lumOff val="50000"/>
+                </a:schemeClr>
               </a:solidFill>
             </a:endParaRPr>
           </a:p>
@@ -9761,12 +9816,194 @@
             </a:pPr>
             <a:endParaRPr lang="pt-PT" sz="1400" dirty="0">
               <a:solidFill>
-                <a:schemeClr val="tx1"/>
+                <a:schemeClr val="tx1">
+                  <a:lumMod val="50000"/>
+                  <a:lumOff val="50000"/>
+                </a:schemeClr>
               </a:solidFill>
             </a:endParaRPr>
           </a:p>
         </p:txBody>
       </p:sp>
+      <p:pic>
+        <p:nvPicPr>
+          <p:cNvPr id="4" name="Imagem 3"/>
+          <p:cNvPicPr>
+            <a:picLocks noChangeAspect="1"/>
+          </p:cNvPicPr>
+          <p:nvPr/>
+        </p:nvPicPr>
+        <p:blipFill>
+          <a:blip r:embed="rId2">
+            <a:extLst>
+              <a:ext uri="{28A0092B-C50C-407E-A947-70E740481C1C}">
+                <a14:useLocalDpi xmlns:a14="http://schemas.microsoft.com/office/drawing/2010/main" val="0"/>
+              </a:ext>
+            </a:extLst>
+          </a:blip>
+          <a:stretch>
+            <a:fillRect/>
+          </a:stretch>
+        </p:blipFill>
+        <p:spPr>
+          <a:xfrm>
+            <a:off x="1389807" y="1851034"/>
+            <a:ext cx="1535206" cy="589608"/>
+          </a:xfrm>
+          <a:prstGeom prst="rect">
+            <a:avLst/>
+          </a:prstGeom>
+        </p:spPr>
+      </p:pic>
+      <p:pic>
+        <p:nvPicPr>
+          <p:cNvPr id="5" name="Imagem 4"/>
+          <p:cNvPicPr>
+            <a:picLocks noChangeAspect="1"/>
+          </p:cNvPicPr>
+          <p:nvPr/>
+        </p:nvPicPr>
+        <p:blipFill>
+          <a:blip r:embed="rId3">
+            <a:extLst>
+              <a:ext uri="{28A0092B-C50C-407E-A947-70E740481C1C}">
+                <a14:useLocalDpi xmlns:a14="http://schemas.microsoft.com/office/drawing/2010/main" val="0"/>
+              </a:ext>
+            </a:extLst>
+          </a:blip>
+          <a:stretch>
+            <a:fillRect/>
+          </a:stretch>
+        </p:blipFill>
+        <p:spPr>
+          <a:xfrm>
+            <a:off x="404810" y="2485732"/>
+            <a:ext cx="3924300" cy="457200"/>
+          </a:xfrm>
+          <a:prstGeom prst="rect">
+            <a:avLst/>
+          </a:prstGeom>
+        </p:spPr>
+      </p:pic>
+      <p:pic>
+        <p:nvPicPr>
+          <p:cNvPr id="7" name="Imagem 6"/>
+          <p:cNvPicPr>
+            <a:picLocks noChangeAspect="1"/>
+          </p:cNvPicPr>
+          <p:nvPr/>
+        </p:nvPicPr>
+        <p:blipFill>
+          <a:blip r:embed="rId4">
+            <a:extLst>
+              <a:ext uri="{28A0092B-C50C-407E-A947-70E740481C1C}">
+                <a14:useLocalDpi xmlns:a14="http://schemas.microsoft.com/office/drawing/2010/main" val="0"/>
+              </a:ext>
+            </a:extLst>
+          </a:blip>
+          <a:stretch>
+            <a:fillRect/>
+          </a:stretch>
+        </p:blipFill>
+        <p:spPr>
+          <a:xfrm>
+            <a:off x="780207" y="3071357"/>
+            <a:ext cx="3173506" cy="2171346"/>
+          </a:xfrm>
+          <a:prstGeom prst="rect">
+            <a:avLst/>
+          </a:prstGeom>
+        </p:spPr>
+      </p:pic>
+      <p:pic>
+        <p:nvPicPr>
+          <p:cNvPr id="8" name="Imagem 7"/>
+          <p:cNvPicPr>
+            <a:picLocks noChangeAspect="1"/>
+          </p:cNvPicPr>
+          <p:nvPr/>
+        </p:nvPicPr>
+        <p:blipFill>
+          <a:blip r:embed="rId5">
+            <a:extLst>
+              <a:ext uri="{28A0092B-C50C-407E-A947-70E740481C1C}">
+                <a14:useLocalDpi xmlns:a14="http://schemas.microsoft.com/office/drawing/2010/main" val="0"/>
+              </a:ext>
+            </a:extLst>
+          </a:blip>
+          <a:stretch>
+            <a:fillRect/>
+          </a:stretch>
+        </p:blipFill>
+        <p:spPr>
+          <a:xfrm>
+            <a:off x="4832141" y="2277014"/>
+            <a:ext cx="3599165" cy="4390312"/>
+          </a:xfrm>
+          <a:prstGeom prst="rect">
+            <a:avLst/>
+          </a:prstGeom>
+        </p:spPr>
+      </p:pic>
+      <p:pic>
+        <p:nvPicPr>
+          <p:cNvPr id="9" name="Imagem 8"/>
+          <p:cNvPicPr>
+            <a:picLocks noChangeAspect="1"/>
+          </p:cNvPicPr>
+          <p:nvPr/>
+        </p:nvPicPr>
+        <p:blipFill rotWithShape="1">
+          <a:blip r:embed="rId6">
+            <a:extLst>
+              <a:ext uri="{28A0092B-C50C-407E-A947-70E740481C1C}">
+                <a14:useLocalDpi xmlns:a14="http://schemas.microsoft.com/office/drawing/2010/main" val="0"/>
+              </a:ext>
+            </a:extLst>
+          </a:blip>
+          <a:srcRect r="1287"/>
+          <a:stretch/>
+        </p:blipFill>
+        <p:spPr>
+          <a:xfrm>
+            <a:off x="614360" y="5647680"/>
+            <a:ext cx="3460099" cy="889000"/>
+          </a:xfrm>
+          <a:prstGeom prst="rect">
+            <a:avLst/>
+          </a:prstGeom>
+        </p:spPr>
+      </p:pic>
+      <p:pic>
+        <p:nvPicPr>
+          <p:cNvPr id="12" name="Imagem 11"/>
+          <p:cNvPicPr>
+            <a:picLocks noChangeAspect="1"/>
+          </p:cNvPicPr>
+          <p:nvPr/>
+        </p:nvPicPr>
+        <p:blipFill>
+          <a:blip r:embed="rId7">
+            <a:extLst>
+              <a:ext uri="{28A0092B-C50C-407E-A947-70E740481C1C}">
+                <a14:useLocalDpi xmlns:a14="http://schemas.microsoft.com/office/drawing/2010/main" val="0"/>
+              </a:ext>
+            </a:extLst>
+          </a:blip>
+          <a:stretch>
+            <a:fillRect/>
+          </a:stretch>
+        </p:blipFill>
+        <p:spPr>
+          <a:xfrm>
+            <a:off x="3953713" y="1519732"/>
+            <a:ext cx="3342634" cy="554794"/>
+          </a:xfrm>
+          <a:prstGeom prst="rect">
+            <a:avLst/>
+          </a:prstGeom>
+        </p:spPr>
+      </p:pic>
     </p:spTree>
     <p:extLst>
       <p:ext uri="{BB962C8B-B14F-4D97-AF65-F5344CB8AC3E}">
@@ -9825,11 +10062,7 @@
             </a:r>
             <a:r>
               <a:rPr lang="pt-PT" dirty="0" smtClean="0"/>
-              <a:t>ecrãs					</a:t>
-            </a:r>
-            <a:r>
-              <a:rPr lang="pt-PT" dirty="0" smtClean="0"/>
-              <a:t>5/5</a:t>
+              <a:t>ecrãs					5/5</a:t>
             </a:r>
             <a:endParaRPr lang="pt-PT" dirty="0"/>
           </a:p>
@@ -9837,7 +10070,7 @@
       </p:sp>
       <p:sp>
         <p:nvSpPr>
-          <p:cNvPr id="3" name="Marcador de Posição de Conteúdo 2"/>
+          <p:cNvPr id="4" name="Marcador de Posição de Conteúdo 2"/>
           <p:cNvSpPr txBox="1">
             <a:spLocks/>
           </p:cNvSpPr>
@@ -9845,8 +10078,8 @@
         </p:nvSpPr>
         <p:spPr>
           <a:xfrm>
-            <a:off x="498475" y="1981200"/>
-            <a:ext cx="8194260" cy="4324597"/>
+            <a:off x="498474" y="1042147"/>
+            <a:ext cx="2271619" cy="815788"/>
           </a:xfrm>
           <a:prstGeom prst="rect">
             <a:avLst/>
@@ -10081,14 +10314,20 @@
             <a:r>
               <a:rPr lang="pt-PT" sz="2800" dirty="0" smtClean="0">
                 <a:solidFill>
-                  <a:schemeClr val="tx1"/>
+                  <a:schemeClr val="tx1">
+                    <a:lumMod val="50000"/>
+                    <a:lumOff val="50000"/>
+                  </a:schemeClr>
                 </a:solidFill>
               </a:rPr>
-              <a:t>Ver ecrãs restantes na nossa página do grupo</a:t>
+              <a:t>Conclusões</a:t>
             </a:r>
             <a:endParaRPr lang="pt-PT" sz="2800" dirty="0">
               <a:solidFill>
-                <a:schemeClr val="tx1"/>
+                <a:schemeClr val="tx1">
+                  <a:lumMod val="50000"/>
+                  <a:lumOff val="50000"/>
+                </a:schemeClr>
               </a:solidFill>
             </a:endParaRPr>
           </a:p>
@@ -10104,12 +10343,194 @@
             </a:pPr>
             <a:endParaRPr lang="pt-PT" sz="1400" dirty="0">
               <a:solidFill>
-                <a:schemeClr val="tx1"/>
+                <a:schemeClr val="tx1">
+                  <a:lumMod val="50000"/>
+                  <a:lumOff val="50000"/>
+                </a:schemeClr>
               </a:solidFill>
             </a:endParaRPr>
           </a:p>
         </p:txBody>
       </p:sp>
+      <p:pic>
+        <p:nvPicPr>
+          <p:cNvPr id="5" name="Imagem 4"/>
+          <p:cNvPicPr>
+            <a:picLocks noChangeAspect="1"/>
+          </p:cNvPicPr>
+          <p:nvPr/>
+        </p:nvPicPr>
+        <p:blipFill>
+          <a:blip r:embed="rId2">
+            <a:extLst>
+              <a:ext uri="{28A0092B-C50C-407E-A947-70E740481C1C}">
+                <a14:useLocalDpi xmlns:a14="http://schemas.microsoft.com/office/drawing/2010/main" val="0"/>
+              </a:ext>
+            </a:extLst>
+          </a:blip>
+          <a:stretch>
+            <a:fillRect/>
+          </a:stretch>
+        </p:blipFill>
+        <p:spPr>
+          <a:xfrm>
+            <a:off x="7050812" y="4355683"/>
+            <a:ext cx="1243710" cy="721659"/>
+          </a:xfrm>
+          <a:prstGeom prst="rect">
+            <a:avLst/>
+          </a:prstGeom>
+        </p:spPr>
+      </p:pic>
+      <p:pic>
+        <p:nvPicPr>
+          <p:cNvPr id="6" name="Imagem 5"/>
+          <p:cNvPicPr>
+            <a:picLocks noChangeAspect="1"/>
+          </p:cNvPicPr>
+          <p:nvPr/>
+        </p:nvPicPr>
+        <p:blipFill>
+          <a:blip r:embed="rId3">
+            <a:extLst>
+              <a:ext uri="{28A0092B-C50C-407E-A947-70E740481C1C}">
+                <a14:useLocalDpi xmlns:a14="http://schemas.microsoft.com/office/drawing/2010/main" val="0"/>
+              </a:ext>
+            </a:extLst>
+          </a:blip>
+          <a:stretch>
+            <a:fillRect/>
+          </a:stretch>
+        </p:blipFill>
+        <p:spPr>
+          <a:xfrm>
+            <a:off x="615740" y="4599679"/>
+            <a:ext cx="5805394" cy="406603"/>
+          </a:xfrm>
+          <a:prstGeom prst="rect">
+            <a:avLst/>
+          </a:prstGeom>
+        </p:spPr>
+      </p:pic>
+      <p:pic>
+        <p:nvPicPr>
+          <p:cNvPr id="7" name="Imagem 6"/>
+          <p:cNvPicPr>
+            <a:picLocks noChangeAspect="1"/>
+          </p:cNvPicPr>
+          <p:nvPr/>
+        </p:nvPicPr>
+        <p:blipFill>
+          <a:blip r:embed="rId4">
+            <a:extLst>
+              <a:ext uri="{28A0092B-C50C-407E-A947-70E740481C1C}">
+                <a14:useLocalDpi xmlns:a14="http://schemas.microsoft.com/office/drawing/2010/main" val="0"/>
+              </a:ext>
+            </a:extLst>
+          </a:blip>
+          <a:stretch>
+            <a:fillRect/>
+          </a:stretch>
+        </p:blipFill>
+        <p:spPr>
+          <a:xfrm>
+            <a:off x="5833496" y="1958520"/>
+            <a:ext cx="2996453" cy="2397163"/>
+          </a:xfrm>
+          <a:prstGeom prst="rect">
+            <a:avLst/>
+          </a:prstGeom>
+        </p:spPr>
+      </p:pic>
+      <p:pic>
+        <p:nvPicPr>
+          <p:cNvPr id="8" name="Imagem 7"/>
+          <p:cNvPicPr>
+            <a:picLocks noChangeAspect="1"/>
+          </p:cNvPicPr>
+          <p:nvPr/>
+        </p:nvPicPr>
+        <p:blipFill>
+          <a:blip r:embed="rId5">
+            <a:extLst>
+              <a:ext uri="{28A0092B-C50C-407E-A947-70E740481C1C}">
+                <a14:useLocalDpi xmlns:a14="http://schemas.microsoft.com/office/drawing/2010/main" val="0"/>
+              </a:ext>
+            </a:extLst>
+          </a:blip>
+          <a:stretch>
+            <a:fillRect/>
+          </a:stretch>
+        </p:blipFill>
+        <p:spPr>
+          <a:xfrm>
+            <a:off x="615740" y="5153767"/>
+            <a:ext cx="7933299" cy="1353328"/>
+          </a:xfrm>
+          <a:prstGeom prst="rect">
+            <a:avLst/>
+          </a:prstGeom>
+        </p:spPr>
+      </p:pic>
+      <p:pic>
+        <p:nvPicPr>
+          <p:cNvPr id="9" name="Imagem 8"/>
+          <p:cNvPicPr>
+            <a:picLocks noChangeAspect="1"/>
+          </p:cNvPicPr>
+          <p:nvPr/>
+        </p:nvPicPr>
+        <p:blipFill rotWithShape="1">
+          <a:blip r:embed="rId6">
+            <a:extLst>
+              <a:ext uri="{28A0092B-C50C-407E-A947-70E740481C1C}">
+                <a14:useLocalDpi xmlns:a14="http://schemas.microsoft.com/office/drawing/2010/main" val="0"/>
+              </a:ext>
+            </a:extLst>
+          </a:blip>
+          <a:srcRect r="59783" b="52341"/>
+          <a:stretch/>
+        </p:blipFill>
+        <p:spPr>
+          <a:xfrm>
+            <a:off x="3551469" y="1985244"/>
+            <a:ext cx="2043653" cy="2166147"/>
+          </a:xfrm>
+          <a:prstGeom prst="rect">
+            <a:avLst/>
+          </a:prstGeom>
+        </p:spPr>
+      </p:pic>
+      <p:pic>
+        <p:nvPicPr>
+          <p:cNvPr id="12" name="Imagem 11"/>
+          <p:cNvPicPr>
+            <a:picLocks noChangeAspect="1"/>
+          </p:cNvPicPr>
+          <p:nvPr/>
+        </p:nvPicPr>
+        <p:blipFill>
+          <a:blip r:embed="rId7">
+            <a:extLst>
+              <a:ext uri="{28A0092B-C50C-407E-A947-70E740481C1C}">
+                <a14:useLocalDpi xmlns:a14="http://schemas.microsoft.com/office/drawing/2010/main" val="0"/>
+              </a:ext>
+            </a:extLst>
+          </a:blip>
+          <a:stretch>
+            <a:fillRect/>
+          </a:stretch>
+        </p:blipFill>
+        <p:spPr>
+          <a:xfrm>
+            <a:off x="615740" y="1989794"/>
+            <a:ext cx="2697355" cy="2304536"/>
+          </a:xfrm>
+          <a:prstGeom prst="rect">
+            <a:avLst/>
+          </a:prstGeom>
+        </p:spPr>
+      </p:pic>
     </p:spTree>
     <p:extLst>
       <p:ext uri="{BB962C8B-B14F-4D97-AF65-F5344CB8AC3E}">
@@ -10189,8 +10610,8 @@
         </p:nvSpPr>
         <p:spPr>
           <a:xfrm>
-            <a:off x="325177" y="778476"/>
-            <a:ext cx="4199021" cy="2557874"/>
+            <a:off x="325177" y="1358152"/>
+            <a:ext cx="4199021" cy="1978197"/>
           </a:xfrm>
         </p:spPr>
         <p:txBody>
@@ -10198,8 +10619,16 @@
           <a:lstStyle/>
           <a:p>
             <a:r>
+              <a:rPr lang="pt-PT" sz="5400" dirty="0" smtClean="0"/>
+              <a:t>Modelo</a:t>
+            </a:r>
+            <a:r>
               <a:rPr lang="pt-PT" sz="6000" dirty="0" smtClean="0"/>
-              <a:t>Modelo Conceptual</a:t>
+              <a:t> </a:t>
+            </a:r>
+            <a:r>
+              <a:rPr lang="pt-PT" sz="5400" dirty="0" smtClean="0"/>
+              <a:t>Conceptual</a:t>
             </a:r>
             <a:endParaRPr lang="pt-PT" sz="6000" dirty="0"/>
           </a:p>
@@ -10594,7 +11023,7 @@
         </p:blipFill>
         <p:spPr bwMode="auto">
           <a:xfrm>
-            <a:off x="1502054" y="1600200"/>
+            <a:off x="1394478" y="1761565"/>
             <a:ext cx="6219825" cy="4829176"/>
           </a:xfrm>
           <a:prstGeom prst="rect">
@@ -10691,8 +11120,8 @@
         </p:nvSpPr>
         <p:spPr>
           <a:xfrm>
-            <a:off x="325177" y="778476"/>
-            <a:ext cx="4199021" cy="2557874"/>
+            <a:off x="325177" y="1371600"/>
+            <a:ext cx="4199021" cy="1964750"/>
           </a:xfrm>
         </p:spPr>
         <p:txBody>
@@ -10700,10 +11129,10 @@
           <a:lstStyle/>
           <a:p>
             <a:r>
-              <a:rPr lang="pt-PT" sz="6000" dirty="0" smtClean="0"/>
+              <a:rPr lang="pt-PT" sz="5400" dirty="0" smtClean="0"/>
               <a:t>Modelo Conceptual</a:t>
             </a:r>
-            <a:endParaRPr lang="pt-PT" sz="6000" dirty="0"/>
+            <a:endParaRPr lang="pt-PT" sz="5400" dirty="0"/>
           </a:p>
         </p:txBody>
       </p:sp>
@@ -10823,7 +11252,7 @@
         </p:nvSpPr>
         <p:spPr>
           <a:xfrm>
-            <a:off x="498473" y="1142999"/>
+            <a:off x="498473" y="1214717"/>
             <a:ext cx="7556313" cy="838201"/>
           </a:xfrm>
           <a:prstGeom prst="rect">
@@ -11084,8 +11513,8 @@
         </p:nvSpPr>
         <p:spPr>
           <a:xfrm>
-            <a:off x="391596" y="1981200"/>
-            <a:ext cx="8194264" cy="4324597"/>
+            <a:off x="498473" y="2129118"/>
+            <a:ext cx="8348992" cy="4324597"/>
           </a:xfrm>
         </p:spPr>
         <p:txBody>
@@ -11095,8 +11524,12 @@
           <a:lstStyle/>
           <a:p>
             <a:r>
+              <a:rPr lang="pt-PT" sz="2400" b="1" dirty="0" smtClean="0"/>
+              <a:t>Instruções</a:t>
+            </a:r>
+            <a:r>
               <a:rPr lang="pt-PT" sz="2400" dirty="0" smtClean="0"/>
-              <a:t>Instruções </a:t>
+              <a:t> </a:t>
             </a:r>
             <a:r>
               <a:rPr lang="pt-PT" sz="2400" dirty="0"/>
@@ -11118,8 +11551,12 @@
           </a:p>
           <a:p>
             <a:r>
+              <a:rPr lang="pt-PT" sz="2400" b="1" dirty="0" smtClean="0"/>
+              <a:t>Diálogo</a:t>
+            </a:r>
+            <a:r>
               <a:rPr lang="pt-PT" sz="2400" dirty="0" smtClean="0"/>
-              <a:t>Diálogo </a:t>
+              <a:t> </a:t>
             </a:r>
             <a:r>
               <a:rPr lang="pt-PT" sz="2400" dirty="0"/>
@@ -11141,8 +11578,12 @@
           </a:p>
           <a:p>
             <a:r>
+              <a:rPr lang="pt-PT" sz="2400" b="1" dirty="0" smtClean="0"/>
+              <a:t>Manipulação</a:t>
+            </a:r>
+            <a:r>
               <a:rPr lang="pt-PT" sz="2400" dirty="0" smtClean="0"/>
-              <a:t>Manipulação </a:t>
+              <a:t> </a:t>
             </a:r>
             <a:r>
               <a:rPr lang="pt-PT" sz="2400" dirty="0"/>
@@ -11172,8 +11613,12 @@
           </a:p>
           <a:p>
             <a:r>
+              <a:rPr lang="pt-PT" sz="2400" b="1" dirty="0" smtClean="0"/>
+              <a:t>Explorar</a:t>
+            </a:r>
+            <a:r>
               <a:rPr lang="pt-PT" sz="2400" dirty="0" smtClean="0"/>
-              <a:t>Explorar </a:t>
+              <a:t> </a:t>
             </a:r>
             <a:r>
               <a:rPr lang="pt-PT" sz="2400" dirty="0"/>
@@ -11252,8 +11697,8 @@
         </p:nvSpPr>
         <p:spPr>
           <a:xfrm>
-            <a:off x="4524198" y="4862160"/>
-            <a:ext cx="4169386" cy="1448992"/>
+            <a:off x="4410635" y="4862160"/>
+            <a:ext cx="4282949" cy="1448992"/>
           </a:xfrm>
         </p:spPr>
         <p:txBody>
@@ -11263,7 +11708,7 @@
           <a:lstStyle/>
           <a:p>
             <a:r>
-              <a:rPr lang="pt-PT" sz="3200" dirty="0" smtClean="0"/>
+              <a:rPr lang="pt-PT" sz="3200" smtClean="0"/>
               <a:t>Metáforas elaboradas</a:t>
             </a:r>
             <a:endParaRPr lang="pt-PT" sz="3200" dirty="0"/>
@@ -11282,8 +11727,8 @@
         </p:nvSpPr>
         <p:spPr>
           <a:xfrm>
-            <a:off x="325177" y="778476"/>
-            <a:ext cx="4199021" cy="2557874"/>
+            <a:off x="325177" y="1385046"/>
+            <a:ext cx="4199021" cy="1951303"/>
           </a:xfrm>
         </p:spPr>
         <p:txBody>
@@ -11291,10 +11736,10 @@
           <a:lstStyle/>
           <a:p>
             <a:r>
-              <a:rPr lang="pt-PT" sz="6000" dirty="0" smtClean="0"/>
+              <a:rPr lang="pt-PT" sz="5400" dirty="0" smtClean="0"/>
               <a:t>Modelo Conceptual</a:t>
             </a:r>
-            <a:endParaRPr lang="pt-PT" sz="6000" dirty="0"/>
+            <a:endParaRPr lang="pt-PT" sz="5400" dirty="0"/>
           </a:p>
         </p:txBody>
       </p:sp>
@@ -13299,7 +13744,7 @@
   <a:extraClrSchemeLst/>
   <a:extLst>
     <a:ext uri="{05A4C25C-085E-4340-85A3-A5531E510DB2}">
-      <thm15:themeFamily xmlns:thm15="http://schemas.microsoft.com/office/thememl/2012/main" xmlns="" name="Office Theme" id="{62F939B6-93AF-4DB8-9C6B-D6C7DFDC589F}" vid="{4A3C46E8-61CC-4603-A589-7422A47A8E4A}"/>
+      <thm15:themeFamily xmlns:thm15="http://schemas.microsoft.com/office/thememl/2012/main" name="Office Theme" id="{62F939B6-93AF-4DB8-9C6B-D6C7DFDC589F}" vid="{4A3C46E8-61CC-4603-A589-7422A47A8E4A}"/>
     </a:ext>
   </a:extLst>
 </a:theme>
